--- a/Modules/10-Chef_Intermediate.pptx
+++ b/Modules/10-Chef_Intermediate.pptx
@@ -221,7 +221,7 @@
           <a:p>
             <a:fld id="{9AF33057-6D84-D14E-AD32-9E8926ACCADD}" type="datetimeFigureOut">
               <a:rPr lang="en-US" smtClean="0"/>
-              <a:t>6/22/2015</a:t>
+              <a:t>6/24/2015</a:t>
             </a:fld>
             <a:endParaRPr lang="en-US" dirty="0"/>
           </a:p>
@@ -914,101 +914,37 @@
       </p:sp>
       <p:sp>
         <p:nvSpPr>
-          <p:cNvPr id="4" name="Holder 4"/>
+          <p:cNvPr id="7" name="Slide Number Placeholder 6"/>
           <p:cNvSpPr>
             <a:spLocks noGrp="1"/>
           </p:cNvSpPr>
           <p:nvPr>
-            <p:ph type="ftr" sz="quarter" idx="5"/>
+            <p:ph type="sldNum" sz="quarter" idx="10"/>
           </p:nvPr>
         </p:nvSpPr>
-        <p:spPr/>
-        <p:txBody>
-          <a:bodyPr lIns="0" tIns="0" rIns="0" bIns="0"/>
+        <p:spPr>
+          <a:xfrm>
+            <a:off x="6299200" y="8458200"/>
+            <a:ext cx="3657600" cy="485775"/>
+          </a:xfrm>
+          <a:prstGeom prst="rect">
+            <a:avLst/>
+          </a:prstGeom>
+        </p:spPr>
+        <p:txBody>
+          <a:bodyPr/>
           <a:lstStyle>
             <a:lvl1pPr algn="ctr">
-              <a:defRPr>
-                <a:solidFill>
-                  <a:schemeClr val="tx1">
-                    <a:tint val="75000"/>
-                  </a:schemeClr>
-                </a:solidFill>
-              </a:defRPr>
+              <a:defRPr/>
             </a:lvl1pPr>
           </a:lstStyle>
           <a:p>
-            <a:endParaRPr dirty="0"/>
-          </a:p>
-        </p:txBody>
-      </p:sp>
-      <p:sp>
-        <p:nvSpPr>
-          <p:cNvPr id="5" name="Holder 5"/>
-          <p:cNvSpPr>
-            <a:spLocks noGrp="1"/>
-          </p:cNvSpPr>
-          <p:nvPr>
-            <p:ph type="dt" sz="half" idx="6"/>
-          </p:nvPr>
-        </p:nvSpPr>
-        <p:spPr/>
-        <p:txBody>
-          <a:bodyPr lIns="0" tIns="0" rIns="0" bIns="0"/>
-          <a:lstStyle>
-            <a:lvl1pPr algn="l">
-              <a:defRPr>
-                <a:solidFill>
-                  <a:schemeClr val="tx1">
-                    <a:tint val="75000"/>
-                  </a:schemeClr>
-                </a:solidFill>
-              </a:defRPr>
-            </a:lvl1pPr>
-          </a:lstStyle>
-          <a:p>
-            <a:fld id="{1D8BD707-D9CF-40AE-B4C6-C98DA3205C09}" type="datetimeFigureOut">
-              <a:rPr lang="en-US"/>
-              <a:t>6/22/2015</a:t>
-            </a:fld>
-            <a:endParaRPr lang="en-US" dirty="0"/>
-          </a:p>
-        </p:txBody>
-      </p:sp>
-      <p:sp>
-        <p:nvSpPr>
-          <p:cNvPr id="6" name="Holder 6"/>
-          <p:cNvSpPr>
-            <a:spLocks noGrp="1"/>
-          </p:cNvSpPr>
-          <p:nvPr>
-            <p:ph type="sldNum" sz="quarter" idx="7"/>
-          </p:nvPr>
-        </p:nvSpPr>
-        <p:spPr/>
-        <p:txBody>
-          <a:bodyPr lIns="0" tIns="0" rIns="0" bIns="0"/>
-          <a:lstStyle>
-            <a:lvl1pPr>
-              <a:defRPr sz="1000" b="0" i="0">
-                <a:solidFill>
-                  <a:schemeClr val="tx1"/>
-                </a:solidFill>
-                <a:latin typeface="Gill Sans MT"/>
-                <a:cs typeface="Gill Sans MT"/>
-              </a:defRPr>
-            </a:lvl1pPr>
-          </a:lstStyle>
-          <a:p>
-            <a:pPr marL="25400">
-              <a:lnSpc>
-                <a:spcPct val="100000"/>
-              </a:lnSpc>
-            </a:pPr>
-            <a:fld id="{81D60167-4931-47E6-BA6A-407CBD079E47}" type="slidenum">
-              <a:rPr dirty="0"/>
+            <a:fld id="{F32B063D-AEFC-43D4-892A-5496DB603272}" type="slidenum">
+              <a:rPr lang="en-US" smtClean="0"/>
+              <a:pPr/>
               <a:t>‹#›</a:t>
             </a:fld>
-            <a:endParaRPr dirty="0"/>
+            <a:endParaRPr lang="en-US"/>
           </a:p>
         </p:txBody>
       </p:sp>
@@ -1021,7 +957,7 @@
 </file>
 
 <file path=ppt/slideLayouts/slideLayout2.xml><?xml version="1.0" encoding="utf-8"?>
-<p:sldLayout xmlns:a="http://schemas.openxmlformats.org/drawingml/2006/main" xmlns:r="http://schemas.openxmlformats.org/officeDocument/2006/relationships" xmlns:p="http://schemas.openxmlformats.org/presentationml/2006/main" type="obj" preserve="1">
+<p:sldLayout xmlns:a="http://schemas.openxmlformats.org/drawingml/2006/main" xmlns:r="http://schemas.openxmlformats.org/officeDocument/2006/relationships" xmlns:p="http://schemas.openxmlformats.org/presentationml/2006/main" preserve="1" userDrawn="1">
   <p:cSld name="Title and Content">
     <p:spTree>
       <p:nvGrpSpPr>
@@ -1039,35 +975,6 @@
       </p:grpSpPr>
       <p:sp>
         <p:nvSpPr>
-          <p:cNvPr id="2" name="Holder 2"/>
-          <p:cNvSpPr>
-            <a:spLocks noGrp="1"/>
-          </p:cNvSpPr>
-          <p:nvPr>
-            <p:ph type="title"/>
-          </p:nvPr>
-        </p:nvSpPr>
-        <p:spPr/>
-        <p:txBody>
-          <a:bodyPr lIns="0" tIns="0" rIns="0" bIns="0"/>
-          <a:lstStyle>
-            <a:lvl1pPr>
-              <a:defRPr sz="7200" b="1" i="0">
-                <a:solidFill>
-                  <a:schemeClr val="bg1"/>
-                </a:solidFill>
-                <a:latin typeface="Arial"/>
-                <a:cs typeface="Arial"/>
-              </a:defRPr>
-            </a:lvl1pPr>
-          </a:lstStyle>
-          <a:p>
-            <a:endParaRPr/>
-          </a:p>
-        </p:txBody>
-      </p:sp>
-      <p:sp>
-        <p:nvSpPr>
           <p:cNvPr id="3" name="Holder 3"/>
           <p:cNvSpPr>
             <a:spLocks noGrp="1"/>
@@ -1097,12 +1004,12 @@
       </p:sp>
       <p:sp>
         <p:nvSpPr>
-          <p:cNvPr id="7" name="Date Placeholder 6"/>
+          <p:cNvPr id="12" name="Title 11"/>
           <p:cNvSpPr>
             <a:spLocks noGrp="1"/>
           </p:cNvSpPr>
           <p:nvPr>
-            <p:ph type="dt" sz="half" idx="10"/>
+            <p:ph type="title"/>
           </p:nvPr>
         </p:nvSpPr>
         <p:spPr/>
@@ -1110,58 +1017,44 @@
           <a:bodyPr/>
           <a:lstStyle/>
           <a:p>
-            <a:fld id="{1D8BD707-D9CF-40AE-B4C6-C98DA3205C09}" type="datetimeFigureOut">
+            <a:r>
               <a:rPr lang="en-US" smtClean="0"/>
-              <a:t>6/22/2015</a:t>
-            </a:fld>
-            <a:endParaRPr lang="en-US" dirty="0"/>
-          </a:p>
-        </p:txBody>
-      </p:sp>
-      <p:sp>
-        <p:nvSpPr>
-          <p:cNvPr id="8" name="Footer Placeholder 7"/>
+              <a:t>Click to edit Master title style</a:t>
+            </a:r>
+            <a:endParaRPr lang="en-US"/>
+          </a:p>
+        </p:txBody>
+      </p:sp>
+      <p:sp>
+        <p:nvSpPr>
+          <p:cNvPr id="16" name="Slide Number Placeholder 6"/>
           <p:cNvSpPr>
             <a:spLocks noGrp="1"/>
           </p:cNvSpPr>
           <p:nvPr>
-            <p:ph type="ftr" sz="quarter" idx="11"/>
+            <p:ph type="sldNum" sz="quarter" idx="10"/>
           </p:nvPr>
         </p:nvSpPr>
-        <p:spPr/>
+        <p:spPr>
+          <a:xfrm>
+            <a:off x="6299200" y="8458200"/>
+            <a:ext cx="3657600" cy="485775"/>
+          </a:xfrm>
+        </p:spPr>
         <p:txBody>
           <a:bodyPr/>
-          <a:lstStyle/>
-          <a:p>
-            <a:endParaRPr lang="en-US" dirty="0"/>
-          </a:p>
-        </p:txBody>
-      </p:sp>
-      <p:sp>
-        <p:nvSpPr>
-          <p:cNvPr id="9" name="Slide Number Placeholder 8"/>
-          <p:cNvSpPr>
-            <a:spLocks noGrp="1"/>
-          </p:cNvSpPr>
-          <p:nvPr>
-            <p:ph type="sldNum" sz="quarter" idx="12"/>
-          </p:nvPr>
-        </p:nvSpPr>
-        <p:spPr/>
-        <p:txBody>
-          <a:bodyPr/>
-          <a:lstStyle/>
-          <a:p>
-            <a:pPr marL="25400">
-              <a:lnSpc>
-                <a:spcPct val="100000"/>
-              </a:lnSpc>
-            </a:pPr>
-            <a:fld id="{81D60167-4931-47E6-BA6A-407CBD079E47}" type="slidenum">
+          <a:lstStyle>
+            <a:lvl1pPr algn="ctr">
+              <a:defRPr/>
+            </a:lvl1pPr>
+          </a:lstStyle>
+          <a:p>
+            <a:fld id="{F32B063D-AEFC-43D4-892A-5496DB603272}" type="slidenum">
               <a:rPr lang="en-US" smtClean="0"/>
+              <a:pPr/>
               <a:t>‹#›</a:t>
             </a:fld>
-            <a:endParaRPr lang="en-US" dirty="0"/>
+            <a:endParaRPr lang="en-US"/>
           </a:p>
         </p:txBody>
       </p:sp>
@@ -4312,101 +4205,34 @@
       </p:sp>
       <p:sp>
         <p:nvSpPr>
-          <p:cNvPr id="5" name="Holder 5"/>
+          <p:cNvPr id="54" name="Slide Number Placeholder 6"/>
           <p:cNvSpPr>
             <a:spLocks noGrp="1"/>
           </p:cNvSpPr>
           <p:nvPr>
-            <p:ph type="ftr" sz="quarter" idx="5"/>
+            <p:ph type="sldNum" sz="quarter" idx="10"/>
           </p:nvPr>
         </p:nvSpPr>
-        <p:spPr/>
-        <p:txBody>
-          <a:bodyPr lIns="0" tIns="0" rIns="0" bIns="0"/>
+        <p:spPr>
+          <a:xfrm>
+            <a:off x="6299200" y="8458200"/>
+            <a:ext cx="3657600" cy="485775"/>
+          </a:xfrm>
+        </p:spPr>
+        <p:txBody>
+          <a:bodyPr/>
           <a:lstStyle>
             <a:lvl1pPr algn="ctr">
-              <a:defRPr>
-                <a:solidFill>
-                  <a:schemeClr val="tx1">
-                    <a:tint val="75000"/>
-                  </a:schemeClr>
-                </a:solidFill>
-              </a:defRPr>
+              <a:defRPr/>
             </a:lvl1pPr>
           </a:lstStyle>
           <a:p>
-            <a:endParaRPr dirty="0"/>
-          </a:p>
-        </p:txBody>
-      </p:sp>
-      <p:sp>
-        <p:nvSpPr>
-          <p:cNvPr id="6" name="Holder 6"/>
-          <p:cNvSpPr>
-            <a:spLocks noGrp="1"/>
-          </p:cNvSpPr>
-          <p:nvPr>
-            <p:ph type="dt" sz="half" idx="6"/>
-          </p:nvPr>
-        </p:nvSpPr>
-        <p:spPr/>
-        <p:txBody>
-          <a:bodyPr lIns="0" tIns="0" rIns="0" bIns="0"/>
-          <a:lstStyle>
-            <a:lvl1pPr algn="l">
-              <a:defRPr>
-                <a:solidFill>
-                  <a:schemeClr val="tx1">
-                    <a:tint val="75000"/>
-                  </a:schemeClr>
-                </a:solidFill>
-              </a:defRPr>
-            </a:lvl1pPr>
-          </a:lstStyle>
-          <a:p>
-            <a:fld id="{1D8BD707-D9CF-40AE-B4C6-C98DA3205C09}" type="datetimeFigureOut">
-              <a:rPr lang="en-US"/>
-              <a:t>6/22/2015</a:t>
-            </a:fld>
-            <a:endParaRPr lang="en-US" dirty="0"/>
-          </a:p>
-        </p:txBody>
-      </p:sp>
-      <p:sp>
-        <p:nvSpPr>
-          <p:cNvPr id="7" name="Holder 7"/>
-          <p:cNvSpPr>
-            <a:spLocks noGrp="1"/>
-          </p:cNvSpPr>
-          <p:nvPr>
-            <p:ph type="sldNum" sz="quarter" idx="7"/>
-          </p:nvPr>
-        </p:nvSpPr>
-        <p:spPr/>
-        <p:txBody>
-          <a:bodyPr lIns="0" tIns="0" rIns="0" bIns="0"/>
-          <a:lstStyle>
-            <a:lvl1pPr>
-              <a:defRPr sz="1000" b="0" i="0">
-                <a:solidFill>
-                  <a:schemeClr val="tx1"/>
-                </a:solidFill>
-                <a:latin typeface="Gill Sans MT"/>
-                <a:cs typeface="Gill Sans MT"/>
-              </a:defRPr>
-            </a:lvl1pPr>
-          </a:lstStyle>
-          <a:p>
-            <a:pPr marL="25400">
-              <a:lnSpc>
-                <a:spcPct val="100000"/>
-              </a:lnSpc>
-            </a:pPr>
-            <a:fld id="{81D60167-4931-47E6-BA6A-407CBD079E47}" type="slidenum">
-              <a:rPr dirty="0"/>
+            <a:fld id="{F32B063D-AEFC-43D4-892A-5496DB603272}" type="slidenum">
+              <a:rPr lang="en-US" smtClean="0"/>
+              <a:pPr/>
               <a:t>‹#›</a:t>
             </a:fld>
-            <a:endParaRPr dirty="0"/>
+            <a:endParaRPr lang="en-US"/>
           </a:p>
         </p:txBody>
       </p:sp>
@@ -4466,101 +4292,34 @@
       </p:sp>
       <p:sp>
         <p:nvSpPr>
-          <p:cNvPr id="3" name="Holder 3"/>
+          <p:cNvPr id="9" name="Slide Number Placeholder 6"/>
           <p:cNvSpPr>
             <a:spLocks noGrp="1"/>
           </p:cNvSpPr>
           <p:nvPr>
-            <p:ph type="ftr" sz="quarter" idx="5"/>
+            <p:ph type="sldNum" sz="quarter" idx="10"/>
           </p:nvPr>
         </p:nvSpPr>
-        <p:spPr/>
-        <p:txBody>
-          <a:bodyPr lIns="0" tIns="0" rIns="0" bIns="0"/>
+        <p:spPr>
+          <a:xfrm>
+            <a:off x="6299200" y="8458200"/>
+            <a:ext cx="3657600" cy="485775"/>
+          </a:xfrm>
+        </p:spPr>
+        <p:txBody>
+          <a:bodyPr/>
           <a:lstStyle>
             <a:lvl1pPr algn="ctr">
-              <a:defRPr>
-                <a:solidFill>
-                  <a:schemeClr val="tx1">
-                    <a:tint val="75000"/>
-                  </a:schemeClr>
-                </a:solidFill>
-              </a:defRPr>
+              <a:defRPr/>
             </a:lvl1pPr>
           </a:lstStyle>
           <a:p>
-            <a:endParaRPr dirty="0"/>
-          </a:p>
-        </p:txBody>
-      </p:sp>
-      <p:sp>
-        <p:nvSpPr>
-          <p:cNvPr id="4" name="Holder 4"/>
-          <p:cNvSpPr>
-            <a:spLocks noGrp="1"/>
-          </p:cNvSpPr>
-          <p:nvPr>
-            <p:ph type="dt" sz="half" idx="6"/>
-          </p:nvPr>
-        </p:nvSpPr>
-        <p:spPr/>
-        <p:txBody>
-          <a:bodyPr lIns="0" tIns="0" rIns="0" bIns="0"/>
-          <a:lstStyle>
-            <a:lvl1pPr algn="l">
-              <a:defRPr>
-                <a:solidFill>
-                  <a:schemeClr val="tx1">
-                    <a:tint val="75000"/>
-                  </a:schemeClr>
-                </a:solidFill>
-              </a:defRPr>
-            </a:lvl1pPr>
-          </a:lstStyle>
-          <a:p>
-            <a:fld id="{1D8BD707-D9CF-40AE-B4C6-C98DA3205C09}" type="datetimeFigureOut">
-              <a:rPr lang="en-US"/>
-              <a:t>6/22/2015</a:t>
-            </a:fld>
-            <a:endParaRPr lang="en-US" dirty="0"/>
-          </a:p>
-        </p:txBody>
-      </p:sp>
-      <p:sp>
-        <p:nvSpPr>
-          <p:cNvPr id="5" name="Holder 5"/>
-          <p:cNvSpPr>
-            <a:spLocks noGrp="1"/>
-          </p:cNvSpPr>
-          <p:nvPr>
-            <p:ph type="sldNum" sz="quarter" idx="7"/>
-          </p:nvPr>
-        </p:nvSpPr>
-        <p:spPr/>
-        <p:txBody>
-          <a:bodyPr lIns="0" tIns="0" rIns="0" bIns="0"/>
-          <a:lstStyle>
-            <a:lvl1pPr>
-              <a:defRPr sz="1000" b="0" i="0">
-                <a:solidFill>
-                  <a:schemeClr val="tx1"/>
-                </a:solidFill>
-                <a:latin typeface="Gill Sans MT"/>
-                <a:cs typeface="Gill Sans MT"/>
-              </a:defRPr>
-            </a:lvl1pPr>
-          </a:lstStyle>
-          <a:p>
-            <a:pPr marL="25400">
-              <a:lnSpc>
-                <a:spcPct val="100000"/>
-              </a:lnSpc>
-            </a:pPr>
-            <a:fld id="{81D60167-4931-47E6-BA6A-407CBD079E47}" type="slidenum">
-              <a:rPr dirty="0"/>
+            <a:fld id="{F32B063D-AEFC-43D4-892A-5496DB603272}" type="slidenum">
+              <a:rPr lang="en-US" smtClean="0"/>
+              <a:pPr/>
               <a:t>‹#›</a:t>
             </a:fld>
-            <a:endParaRPr dirty="0"/>
+            <a:endParaRPr lang="en-US"/>
           </a:p>
         </p:txBody>
       </p:sp>
@@ -7560,56 +7319,6 @@
       </p:sp>
       <p:sp>
         <p:nvSpPr>
-          <p:cNvPr id="52" name="bk object 52"/>
-          <p:cNvSpPr/>
-          <p:nvPr/>
-        </p:nvSpPr>
-        <p:spPr>
-          <a:xfrm>
-            <a:off x="0" y="8978900"/>
-            <a:ext cx="16256000" cy="165100"/>
-          </a:xfrm>
-          <a:custGeom>
-            <a:avLst/>
-            <a:gdLst/>
-            <a:ahLst/>
-            <a:cxnLst/>
-            <a:rect l="l" t="t" r="r" b="b"/>
-            <a:pathLst>
-              <a:path w="16256000" h="165100">
-                <a:moveTo>
-                  <a:pt x="16256000" y="0"/>
-                </a:moveTo>
-                <a:lnTo>
-                  <a:pt x="0" y="0"/>
-                </a:lnTo>
-                <a:lnTo>
-                  <a:pt x="0" y="165100"/>
-                </a:lnTo>
-                <a:lnTo>
-                  <a:pt x="16256000" y="165100"/>
-                </a:lnTo>
-                <a:lnTo>
-                  <a:pt x="16256000" y="0"/>
-                </a:lnTo>
-                <a:close/>
-              </a:path>
-            </a:pathLst>
-          </a:custGeom>
-          <a:solidFill>
-            <a:srgbClr val="F38C24"/>
-          </a:solidFill>
-        </p:spPr>
-        <p:txBody>
-          <a:bodyPr wrap="square" lIns="0" tIns="0" rIns="0" bIns="0" rtlCol="0"/>
-          <a:lstStyle/>
-          <a:p>
-            <a:endParaRPr dirty="0"/>
-          </a:p>
-        </p:txBody>
-      </p:sp>
-      <p:sp>
-        <p:nvSpPr>
           <p:cNvPr id="53" name="bk object 53"/>
           <p:cNvSpPr/>
           <p:nvPr/>
@@ -7639,101 +7348,34 @@
       </p:sp>
       <p:sp>
         <p:nvSpPr>
-          <p:cNvPr id="2" name="Holder 2"/>
+          <p:cNvPr id="55" name="Slide Number Placeholder 6"/>
           <p:cNvSpPr>
             <a:spLocks noGrp="1"/>
           </p:cNvSpPr>
           <p:nvPr>
-            <p:ph type="ftr" sz="quarter" idx="5"/>
+            <p:ph type="sldNum" sz="quarter" idx="10"/>
           </p:nvPr>
         </p:nvSpPr>
-        <p:spPr/>
-        <p:txBody>
-          <a:bodyPr lIns="0" tIns="0" rIns="0" bIns="0"/>
+        <p:spPr>
+          <a:xfrm>
+            <a:off x="6299200" y="8458200"/>
+            <a:ext cx="3657600" cy="485775"/>
+          </a:xfrm>
+        </p:spPr>
+        <p:txBody>
+          <a:bodyPr/>
           <a:lstStyle>
             <a:lvl1pPr algn="ctr">
-              <a:defRPr>
-                <a:solidFill>
-                  <a:schemeClr val="tx1">
-                    <a:tint val="75000"/>
-                  </a:schemeClr>
-                </a:solidFill>
-              </a:defRPr>
+              <a:defRPr/>
             </a:lvl1pPr>
           </a:lstStyle>
           <a:p>
-            <a:endParaRPr dirty="0"/>
-          </a:p>
-        </p:txBody>
-      </p:sp>
-      <p:sp>
-        <p:nvSpPr>
-          <p:cNvPr id="3" name="Holder 3"/>
-          <p:cNvSpPr>
-            <a:spLocks noGrp="1"/>
-          </p:cNvSpPr>
-          <p:nvPr>
-            <p:ph type="dt" sz="half" idx="6"/>
-          </p:nvPr>
-        </p:nvSpPr>
-        <p:spPr/>
-        <p:txBody>
-          <a:bodyPr lIns="0" tIns="0" rIns="0" bIns="0"/>
-          <a:lstStyle>
-            <a:lvl1pPr algn="l">
-              <a:defRPr>
-                <a:solidFill>
-                  <a:schemeClr val="tx1">
-                    <a:tint val="75000"/>
-                  </a:schemeClr>
-                </a:solidFill>
-              </a:defRPr>
-            </a:lvl1pPr>
-          </a:lstStyle>
-          <a:p>
-            <a:fld id="{1D8BD707-D9CF-40AE-B4C6-C98DA3205C09}" type="datetimeFigureOut">
-              <a:rPr lang="en-US"/>
-              <a:t>6/22/2015</a:t>
-            </a:fld>
-            <a:endParaRPr lang="en-US" dirty="0"/>
-          </a:p>
-        </p:txBody>
-      </p:sp>
-      <p:sp>
-        <p:nvSpPr>
-          <p:cNvPr id="4" name="Holder 4"/>
-          <p:cNvSpPr>
-            <a:spLocks noGrp="1"/>
-          </p:cNvSpPr>
-          <p:nvPr>
-            <p:ph type="sldNum" sz="quarter" idx="7"/>
-          </p:nvPr>
-        </p:nvSpPr>
-        <p:spPr/>
-        <p:txBody>
-          <a:bodyPr lIns="0" tIns="0" rIns="0" bIns="0"/>
-          <a:lstStyle>
-            <a:lvl1pPr>
-              <a:defRPr sz="1000" b="0" i="0">
-                <a:solidFill>
-                  <a:schemeClr val="tx1"/>
-                </a:solidFill>
-                <a:latin typeface="Gill Sans MT"/>
-                <a:cs typeface="Gill Sans MT"/>
-              </a:defRPr>
-            </a:lvl1pPr>
-          </a:lstStyle>
-          <a:p>
-            <a:pPr marL="25400">
-              <a:lnSpc>
-                <a:spcPct val="100000"/>
-              </a:lnSpc>
-            </a:pPr>
-            <a:fld id="{81D60167-4931-47E6-BA6A-407CBD079E47}" type="slidenum">
-              <a:rPr dirty="0"/>
+            <a:fld id="{F32B063D-AEFC-43D4-892A-5496DB603272}" type="slidenum">
+              <a:rPr lang="en-US" smtClean="0"/>
+              <a:pPr/>
               <a:t>‹#›</a:t>
             </a:fld>
-            <a:endParaRPr dirty="0"/>
+            <a:endParaRPr lang="en-US"/>
           </a:p>
         </p:txBody>
       </p:sp>
@@ -8000,13 +7642,13 @@
   <p:clrMapOvr>
     <a:overrideClrMapping bg1="lt1" tx1="dk1" bg2="lt2" tx2="dk2" accent1="accent1" accent2="accent2" accent3="accent3" accent4="accent4" accent5="accent5" accent6="accent6" hlink="hlink" folHlink="folHlink"/>
   </p:clrMapOvr>
-  <mc:AlternateContent xmlns:mc="http://schemas.openxmlformats.org/markup-compatibility/2006">
-    <mc:Choice xmlns:p14="http://schemas.microsoft.com/office/powerpoint/2010/main" Requires="p14">
+  <mc:AlternateContent xmlns:mc="http://schemas.openxmlformats.org/markup-compatibility/2006" xmlns:p14="http://schemas.microsoft.com/office/powerpoint/2010/main">
+    <mc:Choice Requires="p14">
       <p:transition spd="med" p14:dur="700">
         <p:fade/>
       </p:transition>
     </mc:Choice>
-    <mc:Fallback>
+    <mc:Fallback xmlns="">
       <p:transition spd="med">
         <p:fade/>
       </p:transition>
@@ -8177,131 +7819,37 @@
       </p:sp>
       <p:sp>
         <p:nvSpPr>
-          <p:cNvPr id="4" name="Holder 4"/>
+          <p:cNvPr id="11" name="Slide Number Placeholder 6"/>
           <p:cNvSpPr>
             <a:spLocks noGrp="1"/>
           </p:cNvSpPr>
           <p:nvPr>
-            <p:ph type="ftr" sz="quarter" idx="5"/>
+            <p:ph type="sldNum" sz="quarter" idx="4"/>
           </p:nvPr>
         </p:nvSpPr>
         <p:spPr>
           <a:xfrm>
-            <a:off x="5527040" y="8503920"/>
-            <a:ext cx="5201919" cy="457200"/>
+            <a:off x="6299200" y="8458200"/>
+            <a:ext cx="3657600" cy="485775"/>
           </a:xfrm>
           <a:prstGeom prst="rect">
             <a:avLst/>
           </a:prstGeom>
         </p:spPr>
         <p:txBody>
-          <a:bodyPr wrap="square" lIns="0" tIns="0" rIns="0" bIns="0">
-            <a:spAutoFit/>
-          </a:bodyPr>
+          <a:bodyPr/>
           <a:lstStyle>
             <a:lvl1pPr algn="ctr">
-              <a:defRPr>
-                <a:solidFill>
-                  <a:schemeClr val="tx1">
-                    <a:tint val="75000"/>
-                  </a:schemeClr>
-                </a:solidFill>
-              </a:defRPr>
+              <a:defRPr/>
             </a:lvl1pPr>
           </a:lstStyle>
           <a:p>
-            <a:endParaRPr dirty="0"/>
-          </a:p>
-        </p:txBody>
-      </p:sp>
-      <p:sp>
-        <p:nvSpPr>
-          <p:cNvPr id="5" name="Holder 5"/>
-          <p:cNvSpPr>
-            <a:spLocks noGrp="1"/>
-          </p:cNvSpPr>
-          <p:nvPr>
-            <p:ph type="dt" sz="half" idx="6"/>
-          </p:nvPr>
-        </p:nvSpPr>
-        <p:spPr>
-          <a:xfrm>
-            <a:off x="812800" y="8503920"/>
-            <a:ext cx="3738880" cy="457200"/>
-          </a:xfrm>
-          <a:prstGeom prst="rect">
-            <a:avLst/>
-          </a:prstGeom>
-        </p:spPr>
-        <p:txBody>
-          <a:bodyPr wrap="square" lIns="0" tIns="0" rIns="0" bIns="0">
-            <a:spAutoFit/>
-          </a:bodyPr>
-          <a:lstStyle>
-            <a:lvl1pPr algn="l">
-              <a:defRPr>
-                <a:solidFill>
-                  <a:schemeClr val="tx1">
-                    <a:tint val="75000"/>
-                  </a:schemeClr>
-                </a:solidFill>
-              </a:defRPr>
-            </a:lvl1pPr>
-          </a:lstStyle>
-          <a:p>
-            <a:fld id="{1D8BD707-D9CF-40AE-B4C6-C98DA3205C09}" type="datetimeFigureOut">
-              <a:rPr lang="en-US"/>
-              <a:t>6/22/2015</a:t>
-            </a:fld>
-            <a:endParaRPr lang="en-US" dirty="0"/>
-          </a:p>
-        </p:txBody>
-      </p:sp>
-      <p:sp>
-        <p:nvSpPr>
-          <p:cNvPr id="6" name="Holder 6"/>
-          <p:cNvSpPr>
-            <a:spLocks noGrp="1"/>
-          </p:cNvSpPr>
-          <p:nvPr>
-            <p:ph type="sldNum" sz="quarter" idx="7"/>
-          </p:nvPr>
-        </p:nvSpPr>
-        <p:spPr>
-          <a:xfrm>
-            <a:off x="7988999" y="8860816"/>
-            <a:ext cx="241300" cy="152400"/>
-          </a:xfrm>
-          <a:prstGeom prst="rect">
-            <a:avLst/>
-          </a:prstGeom>
-        </p:spPr>
-        <p:txBody>
-          <a:bodyPr wrap="square" lIns="0" tIns="0" rIns="0" bIns="0">
-            <a:spAutoFit/>
-          </a:bodyPr>
-          <a:lstStyle>
-            <a:lvl1pPr>
-              <a:defRPr sz="1000" b="0" i="0">
-                <a:solidFill>
-                  <a:schemeClr val="tx1"/>
-                </a:solidFill>
-                <a:latin typeface="Gill Sans MT"/>
-                <a:cs typeface="Gill Sans MT"/>
-              </a:defRPr>
-            </a:lvl1pPr>
-          </a:lstStyle>
-          <a:p>
-            <a:pPr marL="25400">
-              <a:lnSpc>
-                <a:spcPct val="100000"/>
-              </a:lnSpc>
-            </a:pPr>
-            <a:fld id="{81D60167-4931-47E6-BA6A-407CBD079E47}" type="slidenum">
-              <a:rPr dirty="0"/>
+            <a:fld id="{F32B063D-AEFC-43D4-892A-5496DB603272}" type="slidenum">
+              <a:rPr lang="en-US" smtClean="0"/>
+              <a:pPr/>
               <a:t>‹#›</a:t>
             </a:fld>
-            <a:endParaRPr dirty="0"/>
+            <a:endParaRPr lang="en-US"/>
           </a:p>
         </p:txBody>
       </p:sp>
@@ -8316,6 +7864,7 @@
     <p:sldLayoutId id="2147483665" r:id="rId5"/>
     <p:sldLayoutId id="2147483666" r:id="rId6"/>
   </p:sldLayoutIdLst>
+  <p:hf hdr="0" ftr="0" dt="0"/>
   <p:txStyles>
     <p:titleStyle>
       <a:lvl1pPr>
@@ -8529,56 +8078,6 @@
       </p:sp>
       <p:sp>
         <p:nvSpPr>
-          <p:cNvPr id="3" name="object 3"/>
-          <p:cNvSpPr/>
-          <p:nvPr/>
-        </p:nvSpPr>
-        <p:spPr>
-          <a:xfrm>
-            <a:off x="0" y="8178800"/>
-            <a:ext cx="16256000" cy="965200"/>
-          </a:xfrm>
-          <a:custGeom>
-            <a:avLst/>
-            <a:gdLst/>
-            <a:ahLst/>
-            <a:cxnLst/>
-            <a:rect l="l" t="t" r="r" b="b"/>
-            <a:pathLst>
-              <a:path w="16256000" h="965200">
-                <a:moveTo>
-                  <a:pt x="16256000" y="0"/>
-                </a:moveTo>
-                <a:lnTo>
-                  <a:pt x="0" y="0"/>
-                </a:lnTo>
-                <a:lnTo>
-                  <a:pt x="0" y="965200"/>
-                </a:lnTo>
-                <a:lnTo>
-                  <a:pt x="16256000" y="965200"/>
-                </a:lnTo>
-                <a:lnTo>
-                  <a:pt x="16256000" y="0"/>
-                </a:lnTo>
-                <a:close/>
-              </a:path>
-            </a:pathLst>
-          </a:custGeom>
-          <a:solidFill>
-            <a:srgbClr val="F38C24"/>
-          </a:solidFill>
-        </p:spPr>
-        <p:txBody>
-          <a:bodyPr wrap="square" lIns="0" tIns="0" rIns="0" bIns="0" rtlCol="0"/>
-          <a:lstStyle/>
-          <a:p>
-            <a:endParaRPr dirty="0"/>
-          </a:p>
-        </p:txBody>
-      </p:sp>
-      <p:sp>
-        <p:nvSpPr>
           <p:cNvPr id="4" name="object 4"/>
           <p:cNvSpPr/>
           <p:nvPr/>
@@ -18798,6 +18297,110 @@
               <a:rPr sz="9600" dirty="0"/>
               <a:t>c</a:t>
             </a:r>
+          </a:p>
+        </p:txBody>
+      </p:sp>
+      <p:pic>
+        <p:nvPicPr>
+          <p:cNvPr id="128" name="Picture 127"/>
+          <p:cNvPicPr>
+            <a:picLocks noChangeAspect="1"/>
+          </p:cNvPicPr>
+          <p:nvPr/>
+        </p:nvPicPr>
+        <p:blipFill>
+          <a:blip r:embed="rId4" cstate="print">
+            <a:extLst>
+              <a:ext uri="{28A0092B-C50C-407E-A947-70E740481C1C}">
+                <a14:useLocalDpi xmlns:a14="http://schemas.microsoft.com/office/drawing/2010/main" val="0"/>
+              </a:ext>
+            </a:extLst>
+          </a:blip>
+          <a:stretch>
+            <a:fillRect/>
+          </a:stretch>
+        </p:blipFill>
+        <p:spPr>
+          <a:xfrm>
+            <a:off x="15114787" y="8153400"/>
+            <a:ext cx="938013" cy="1025973"/>
+          </a:xfrm>
+          <a:prstGeom prst="rect">
+            <a:avLst/>
+          </a:prstGeom>
+        </p:spPr>
+      </p:pic>
+      <p:sp>
+        <p:nvSpPr>
+          <p:cNvPr id="129" name="object 3"/>
+          <p:cNvSpPr/>
+          <p:nvPr/>
+        </p:nvSpPr>
+        <p:spPr>
+          <a:xfrm>
+            <a:off x="0" y="8039100"/>
+            <a:ext cx="16256000" cy="152400"/>
+          </a:xfrm>
+          <a:custGeom>
+            <a:avLst/>
+            <a:gdLst/>
+            <a:ahLst/>
+            <a:cxnLst/>
+            <a:rect l="l" t="t" r="r" b="b"/>
+            <a:pathLst>
+              <a:path w="16256000" h="152400">
+                <a:moveTo>
+                  <a:pt x="0" y="152400"/>
+                </a:moveTo>
+                <a:lnTo>
+                  <a:pt x="16256000" y="152400"/>
+                </a:lnTo>
+                <a:lnTo>
+                  <a:pt x="16256000" y="0"/>
+                </a:lnTo>
+                <a:lnTo>
+                  <a:pt x="0" y="0"/>
+                </a:lnTo>
+                <a:lnTo>
+                  <a:pt x="0" y="152400"/>
+                </a:lnTo>
+                <a:close/>
+              </a:path>
+            </a:pathLst>
+          </a:custGeom>
+          <a:solidFill>
+            <a:srgbClr val="F38C24"/>
+          </a:solidFill>
+        </p:spPr>
+        <p:txBody>
+          <a:bodyPr wrap="square" lIns="0" tIns="0" rIns="0" bIns="0" rtlCol="0"/>
+          <a:lstStyle/>
+          <a:p>
+            <a:endParaRPr/>
+          </a:p>
+        </p:txBody>
+      </p:sp>
+      <p:sp>
+        <p:nvSpPr>
+          <p:cNvPr id="127" name="Slide Number Placeholder 126"/>
+          <p:cNvSpPr>
+            <a:spLocks noGrp="1"/>
+          </p:cNvSpPr>
+          <p:nvPr>
+            <p:ph type="sldNum" sz="quarter" idx="10"/>
+          </p:nvPr>
+        </p:nvSpPr>
+        <p:spPr/>
+        <p:txBody>
+          <a:bodyPr/>
+          <a:lstStyle/>
+          <a:p>
+            <a:fld id="{F32B063D-AEFC-43D4-892A-5496DB603272}" type="slidenum">
+              <a:rPr lang="en-US" smtClean="0"/>
+              <a:pPr/>
+              <a:t>1</a:t>
+            </a:fld>
+            <a:endParaRPr lang="en-US"/>
           </a:p>
         </p:txBody>
       </p:sp>
@@ -22281,6 +21884,30 @@
           </a:p>
         </p:txBody>
       </p:sp>
+      <p:sp>
+        <p:nvSpPr>
+          <p:cNvPr id="6" name="Slide Number Placeholder 5"/>
+          <p:cNvSpPr>
+            <a:spLocks noGrp="1"/>
+          </p:cNvSpPr>
+          <p:nvPr>
+            <p:ph type="sldNum" sz="quarter" idx="10"/>
+          </p:nvPr>
+        </p:nvSpPr>
+        <p:spPr/>
+        <p:txBody>
+          <a:bodyPr/>
+          <a:lstStyle/>
+          <a:p>
+            <a:fld id="{F32B063D-AEFC-43D4-892A-5496DB603272}" type="slidenum">
+              <a:rPr lang="en-US" smtClean="0"/>
+              <a:pPr/>
+              <a:t>10</a:t>
+            </a:fld>
+            <a:endParaRPr lang="en-US"/>
+          </a:p>
+        </p:txBody>
+      </p:sp>
     </p:spTree>
   </p:cSld>
   <p:clrMapOvr>
@@ -23977,6 +23604,30 @@
           </a:p>
         </p:txBody>
       </p:sp>
+      <p:sp>
+        <p:nvSpPr>
+          <p:cNvPr id="4" name="Slide Number Placeholder 3"/>
+          <p:cNvSpPr>
+            <a:spLocks noGrp="1"/>
+          </p:cNvSpPr>
+          <p:nvPr>
+            <p:ph type="sldNum" sz="quarter" idx="10"/>
+          </p:nvPr>
+        </p:nvSpPr>
+        <p:spPr/>
+        <p:txBody>
+          <a:bodyPr/>
+          <a:lstStyle/>
+          <a:p>
+            <a:fld id="{F32B063D-AEFC-43D4-892A-5496DB603272}" type="slidenum">
+              <a:rPr lang="en-US" smtClean="0"/>
+              <a:pPr/>
+              <a:t>11</a:t>
+            </a:fld>
+            <a:endParaRPr lang="en-US"/>
+          </a:p>
+        </p:txBody>
+      </p:sp>
     </p:spTree>
   </p:cSld>
   <p:clrMapOvr>
@@ -27765,6 +27416,30 @@
               <a:latin typeface="Courier New"/>
               <a:cs typeface="Courier New"/>
             </a:endParaRPr>
+          </a:p>
+        </p:txBody>
+      </p:sp>
+      <p:sp>
+        <p:nvSpPr>
+          <p:cNvPr id="38" name="Slide Number Placeholder 37"/>
+          <p:cNvSpPr>
+            <a:spLocks noGrp="1"/>
+          </p:cNvSpPr>
+          <p:nvPr>
+            <p:ph type="sldNum" sz="quarter" idx="10"/>
+          </p:nvPr>
+        </p:nvSpPr>
+        <p:spPr/>
+        <p:txBody>
+          <a:bodyPr/>
+          <a:lstStyle/>
+          <a:p>
+            <a:fld id="{F32B063D-AEFC-43D4-892A-5496DB603272}" type="slidenum">
+              <a:rPr lang="en-US" smtClean="0"/>
+              <a:pPr/>
+              <a:t>12</a:t>
+            </a:fld>
+            <a:endParaRPr lang="en-US"/>
           </a:p>
         </p:txBody>
       </p:sp>
@@ -28018,13 +27693,13 @@
   <p:clrMapOvr>
     <a:masterClrMapping/>
   </p:clrMapOvr>
-  <mc:AlternateContent xmlns:mc="http://schemas.openxmlformats.org/markup-compatibility/2006">
-    <mc:Choice xmlns:p14="http://schemas.microsoft.com/office/powerpoint/2010/main" Requires="p14">
+  <mc:AlternateContent xmlns:mc="http://schemas.openxmlformats.org/markup-compatibility/2006" xmlns:p14="http://schemas.microsoft.com/office/powerpoint/2010/main">
+    <mc:Choice Requires="p14">
       <p:transition spd="med" p14:dur="700">
         <p:fade/>
       </p:transition>
     </mc:Choice>
-    <mc:Fallback>
+    <mc:Fallback xmlns="">
       <p:transition spd="med">
         <p:fade/>
       </p:transition>
@@ -29618,6 +29293,30 @@
           </a:p>
         </p:txBody>
       </p:sp>
+      <p:sp>
+        <p:nvSpPr>
+          <p:cNvPr id="4" name="Slide Number Placeholder 3"/>
+          <p:cNvSpPr>
+            <a:spLocks noGrp="1"/>
+          </p:cNvSpPr>
+          <p:nvPr>
+            <p:ph type="sldNum" sz="quarter" idx="10"/>
+          </p:nvPr>
+        </p:nvSpPr>
+        <p:spPr/>
+        <p:txBody>
+          <a:bodyPr/>
+          <a:lstStyle/>
+          <a:p>
+            <a:fld id="{F32B063D-AEFC-43D4-892A-5496DB603272}" type="slidenum">
+              <a:rPr lang="en-US" smtClean="0"/>
+              <a:pPr/>
+              <a:t>14</a:t>
+            </a:fld>
+            <a:endParaRPr lang="en-US"/>
+          </a:p>
+        </p:txBody>
+      </p:sp>
     </p:spTree>
   </p:cSld>
   <p:clrMapOvr>
@@ -32671,44 +32370,6 @@
       </p:sp>
       <p:sp>
         <p:nvSpPr>
-          <p:cNvPr id="41" name="object 41"/>
-          <p:cNvSpPr txBox="1">
-            <a:spLocks noGrp="1"/>
-          </p:cNvSpPr>
-          <p:nvPr>
-            <p:ph type="sldNum" sz="quarter" idx="12"/>
-          </p:nvPr>
-        </p:nvSpPr>
-        <p:spPr>
-          <a:xfrm>
-            <a:off x="7988999" y="8860816"/>
-            <a:ext cx="241300" cy="215444"/>
-          </a:xfrm>
-          <a:prstGeom prst="rect">
-            <a:avLst/>
-          </a:prstGeom>
-        </p:spPr>
-        <p:txBody>
-          <a:bodyPr vert="horz" wrap="square" lIns="0" tIns="0" rIns="0" bIns="0" rtlCol="0">
-            <a:spAutoFit/>
-          </a:bodyPr>
-          <a:lstStyle/>
-          <a:p>
-            <a:pPr marL="25400">
-              <a:lnSpc>
-                <a:spcPct val="100000"/>
-              </a:lnSpc>
-            </a:pPr>
-            <a:fld id="{81D60167-4931-47E6-BA6A-407CBD079E47}" type="slidenum">
-              <a:rPr sz="1400" dirty="0"/>
-              <a:t>2</a:t>
-            </a:fld>
-            <a:endParaRPr sz="1400" dirty="0"/>
-          </a:p>
-        </p:txBody>
-      </p:sp>
-      <p:sp>
-        <p:nvSpPr>
           <p:cNvPr id="40" name="object 40"/>
           <p:cNvSpPr txBox="1"/>
           <p:nvPr/>
@@ -33011,6 +32672,30 @@
               <a:latin typeface="Arial"/>
               <a:cs typeface="Arial"/>
             </a:endParaRPr>
+          </a:p>
+        </p:txBody>
+      </p:sp>
+      <p:sp>
+        <p:nvSpPr>
+          <p:cNvPr id="38" name="Slide Number Placeholder 37"/>
+          <p:cNvSpPr>
+            <a:spLocks noGrp="1"/>
+          </p:cNvSpPr>
+          <p:nvPr>
+            <p:ph type="sldNum" sz="quarter" idx="10"/>
+          </p:nvPr>
+        </p:nvSpPr>
+        <p:spPr/>
+        <p:txBody>
+          <a:bodyPr/>
+          <a:lstStyle/>
+          <a:p>
+            <a:fld id="{F32B063D-AEFC-43D4-892A-5496DB603272}" type="slidenum">
+              <a:rPr lang="en-US" smtClean="0"/>
+              <a:pPr/>
+              <a:t>2</a:t>
+            </a:fld>
+            <a:endParaRPr lang="en-US"/>
           </a:p>
         </p:txBody>
       </p:sp>
@@ -36023,6 +35708,10 @@
           </p:nvPr>
         </p:nvSpPr>
         <p:spPr>
+          <a:xfrm>
+            <a:off x="825500" y="305359"/>
+            <a:ext cx="14605000" cy="939800"/>
+          </a:xfrm>
           <a:prstGeom prst="rect">
             <a:avLst/>
           </a:prstGeom>
@@ -36583,6 +36272,30 @@
           <a:lstStyle/>
           <a:p>
             <a:endParaRPr dirty="0"/>
+          </a:p>
+        </p:txBody>
+      </p:sp>
+      <p:sp>
+        <p:nvSpPr>
+          <p:cNvPr id="44" name="Slide Number Placeholder 43"/>
+          <p:cNvSpPr>
+            <a:spLocks noGrp="1"/>
+          </p:cNvSpPr>
+          <p:nvPr>
+            <p:ph type="sldNum" sz="quarter" idx="10"/>
+          </p:nvPr>
+        </p:nvSpPr>
+        <p:spPr/>
+        <p:txBody>
+          <a:bodyPr/>
+          <a:lstStyle/>
+          <a:p>
+            <a:fld id="{F32B063D-AEFC-43D4-892A-5496DB603272}" type="slidenum">
+              <a:rPr lang="en-US" smtClean="0"/>
+              <a:pPr/>
+              <a:t>3</a:t>
+            </a:fld>
+            <a:endParaRPr lang="en-US"/>
           </a:p>
         </p:txBody>
       </p:sp>
@@ -39326,6 +39039,10 @@
           </p:nvPr>
         </p:nvSpPr>
         <p:spPr>
+          <a:xfrm>
+            <a:off x="825500" y="305359"/>
+            <a:ext cx="14605000" cy="939800"/>
+          </a:xfrm>
           <a:prstGeom prst="rect">
             <a:avLst/>
           </a:prstGeom>
@@ -40347,6 +40064,30 @@
               <a:latin typeface="Arial"/>
               <a:cs typeface="Arial"/>
             </a:endParaRPr>
+          </a:p>
+        </p:txBody>
+      </p:sp>
+      <p:sp>
+        <p:nvSpPr>
+          <p:cNvPr id="38" name="Slide Number Placeholder 37"/>
+          <p:cNvSpPr>
+            <a:spLocks noGrp="1"/>
+          </p:cNvSpPr>
+          <p:nvPr>
+            <p:ph type="sldNum" sz="quarter" idx="10"/>
+          </p:nvPr>
+        </p:nvSpPr>
+        <p:spPr/>
+        <p:txBody>
+          <a:bodyPr/>
+          <a:lstStyle/>
+          <a:p>
+            <a:fld id="{F32B063D-AEFC-43D4-892A-5496DB603272}" type="slidenum">
+              <a:rPr lang="en-US" smtClean="0"/>
+              <a:pPr/>
+              <a:t>4</a:t>
+            </a:fld>
+            <a:endParaRPr lang="en-US"/>
           </a:p>
         </p:txBody>
       </p:sp>
@@ -43354,6 +43095,10 @@
           </p:nvPr>
         </p:nvSpPr>
         <p:spPr>
+          <a:xfrm>
+            <a:off x="825500" y="305359"/>
+            <a:ext cx="14605000" cy="939800"/>
+          </a:xfrm>
           <a:prstGeom prst="rect">
             <a:avLst/>
           </a:prstGeom>
@@ -44149,6 +43894,30 @@
           <a:lstStyle/>
           <a:p>
             <a:endParaRPr dirty="0"/>
+          </a:p>
+        </p:txBody>
+      </p:sp>
+      <p:sp>
+        <p:nvSpPr>
+          <p:cNvPr id="38" name="Slide Number Placeholder 37"/>
+          <p:cNvSpPr>
+            <a:spLocks noGrp="1"/>
+          </p:cNvSpPr>
+          <p:nvPr>
+            <p:ph type="sldNum" sz="quarter" idx="10"/>
+          </p:nvPr>
+        </p:nvSpPr>
+        <p:spPr/>
+        <p:txBody>
+          <a:bodyPr/>
+          <a:lstStyle/>
+          <a:p>
+            <a:fld id="{F32B063D-AEFC-43D4-892A-5496DB603272}" type="slidenum">
+              <a:rPr lang="en-US" smtClean="0"/>
+              <a:pPr/>
+              <a:t>5</a:t>
+            </a:fld>
+            <a:endParaRPr lang="en-US"/>
           </a:p>
         </p:txBody>
       </p:sp>
@@ -47952,6 +47721,30 @@
           </a:p>
         </p:txBody>
       </p:sp>
+      <p:sp>
+        <p:nvSpPr>
+          <p:cNvPr id="38" name="Slide Number Placeholder 37"/>
+          <p:cNvSpPr>
+            <a:spLocks noGrp="1"/>
+          </p:cNvSpPr>
+          <p:nvPr>
+            <p:ph type="sldNum" sz="quarter" idx="10"/>
+          </p:nvPr>
+        </p:nvSpPr>
+        <p:spPr/>
+        <p:txBody>
+          <a:bodyPr/>
+          <a:lstStyle/>
+          <a:p>
+            <a:fld id="{F32B063D-AEFC-43D4-892A-5496DB603272}" type="slidenum">
+              <a:rPr lang="en-US" smtClean="0"/>
+              <a:pPr/>
+              <a:t>6</a:t>
+            </a:fld>
+            <a:endParaRPr lang="en-US"/>
+          </a:p>
+        </p:txBody>
+      </p:sp>
     </p:spTree>
   </p:cSld>
   <p:clrMapOvr>
@@ -49593,6 +49386,30 @@
           </a:p>
         </p:txBody>
       </p:sp>
+      <p:sp>
+        <p:nvSpPr>
+          <p:cNvPr id="4" name="Slide Number Placeholder 3"/>
+          <p:cNvSpPr>
+            <a:spLocks noGrp="1"/>
+          </p:cNvSpPr>
+          <p:nvPr>
+            <p:ph type="sldNum" sz="quarter" idx="10"/>
+          </p:nvPr>
+        </p:nvSpPr>
+        <p:spPr/>
+        <p:txBody>
+          <a:bodyPr/>
+          <a:lstStyle/>
+          <a:p>
+            <a:fld id="{F32B063D-AEFC-43D4-892A-5496DB603272}" type="slidenum">
+              <a:rPr lang="en-US" smtClean="0"/>
+              <a:pPr/>
+              <a:t>7</a:t>
+            </a:fld>
+            <a:endParaRPr lang="en-US"/>
+          </a:p>
+        </p:txBody>
+      </p:sp>
     </p:spTree>
   </p:cSld>
   <p:clrMapOvr>
@@ -50407,6 +50224,30 @@
               <a:t>c</a:t>
             </a:r>
             <a:endParaRPr dirty="0"/>
+          </a:p>
+        </p:txBody>
+      </p:sp>
+      <p:sp>
+        <p:nvSpPr>
+          <p:cNvPr id="4" name="Slide Number Placeholder 3"/>
+          <p:cNvSpPr>
+            <a:spLocks noGrp="1"/>
+          </p:cNvSpPr>
+          <p:nvPr>
+            <p:ph type="sldNum" sz="quarter" idx="10"/>
+          </p:nvPr>
+        </p:nvSpPr>
+        <p:spPr/>
+        <p:txBody>
+          <a:bodyPr/>
+          <a:lstStyle/>
+          <a:p>
+            <a:fld id="{F32B063D-AEFC-43D4-892A-5496DB603272}" type="slidenum">
+              <a:rPr lang="en-US" smtClean="0"/>
+              <a:pPr/>
+              <a:t>8</a:t>
+            </a:fld>
+            <a:endParaRPr lang="en-US"/>
           </a:p>
         </p:txBody>
       </p:sp>
@@ -52566,6 +52407,30 @@
               <a:latin typeface="Courier New"/>
               <a:cs typeface="Courier New"/>
             </a:endParaRPr>
+          </a:p>
+        </p:txBody>
+      </p:sp>
+      <p:sp>
+        <p:nvSpPr>
+          <p:cNvPr id="4" name="Slide Number Placeholder 3"/>
+          <p:cNvSpPr>
+            <a:spLocks noGrp="1"/>
+          </p:cNvSpPr>
+          <p:nvPr>
+            <p:ph type="sldNum" sz="quarter" idx="10"/>
+          </p:nvPr>
+        </p:nvSpPr>
+        <p:spPr/>
+        <p:txBody>
+          <a:bodyPr/>
+          <a:lstStyle/>
+          <a:p>
+            <a:fld id="{F32B063D-AEFC-43D4-892A-5496DB603272}" type="slidenum">
+              <a:rPr lang="en-US" smtClean="0"/>
+              <a:pPr/>
+              <a:t>9</a:t>
+            </a:fld>
+            <a:endParaRPr lang="en-US"/>
           </a:p>
         </p:txBody>
       </p:sp>

--- a/Modules/10-Chef_Intermediate.pptx
+++ b/Modules/10-Chef_Intermediate.pptx
@@ -221,7 +221,7 @@
           <a:p>
             <a:fld id="{9AF33057-6D84-D14E-AD32-9E8926ACCADD}" type="datetimeFigureOut">
               <a:rPr lang="en-US" smtClean="0"/>
-              <a:t>6/22/2015</a:t>
+              <a:t>7/1/2015</a:t>
             </a:fld>
             <a:endParaRPr lang="en-US" dirty="0"/>
           </a:p>
@@ -914,101 +914,37 @@
       </p:sp>
       <p:sp>
         <p:nvSpPr>
-          <p:cNvPr id="4" name="Holder 4"/>
+          <p:cNvPr id="7" name="Slide Number Placeholder 6"/>
           <p:cNvSpPr>
             <a:spLocks noGrp="1"/>
           </p:cNvSpPr>
           <p:nvPr>
-            <p:ph type="ftr" sz="quarter" idx="5"/>
+            <p:ph type="sldNum" sz="quarter" idx="10"/>
           </p:nvPr>
         </p:nvSpPr>
-        <p:spPr/>
-        <p:txBody>
-          <a:bodyPr lIns="0" tIns="0" rIns="0" bIns="0"/>
+        <p:spPr>
+          <a:xfrm>
+            <a:off x="6299200" y="8458200"/>
+            <a:ext cx="3657600" cy="485775"/>
+          </a:xfrm>
+          <a:prstGeom prst="rect">
+            <a:avLst/>
+          </a:prstGeom>
+        </p:spPr>
+        <p:txBody>
+          <a:bodyPr/>
           <a:lstStyle>
             <a:lvl1pPr algn="ctr">
-              <a:defRPr>
-                <a:solidFill>
-                  <a:schemeClr val="tx1">
-                    <a:tint val="75000"/>
-                  </a:schemeClr>
-                </a:solidFill>
-              </a:defRPr>
+              <a:defRPr/>
             </a:lvl1pPr>
           </a:lstStyle>
           <a:p>
-            <a:endParaRPr dirty="0"/>
-          </a:p>
-        </p:txBody>
-      </p:sp>
-      <p:sp>
-        <p:nvSpPr>
-          <p:cNvPr id="5" name="Holder 5"/>
-          <p:cNvSpPr>
-            <a:spLocks noGrp="1"/>
-          </p:cNvSpPr>
-          <p:nvPr>
-            <p:ph type="dt" sz="half" idx="6"/>
-          </p:nvPr>
-        </p:nvSpPr>
-        <p:spPr/>
-        <p:txBody>
-          <a:bodyPr lIns="0" tIns="0" rIns="0" bIns="0"/>
-          <a:lstStyle>
-            <a:lvl1pPr algn="l">
-              <a:defRPr>
-                <a:solidFill>
-                  <a:schemeClr val="tx1">
-                    <a:tint val="75000"/>
-                  </a:schemeClr>
-                </a:solidFill>
-              </a:defRPr>
-            </a:lvl1pPr>
-          </a:lstStyle>
-          <a:p>
-            <a:fld id="{1D8BD707-D9CF-40AE-B4C6-C98DA3205C09}" type="datetimeFigureOut">
-              <a:rPr lang="en-US"/>
-              <a:t>6/22/2015</a:t>
+            <a:fld id="{F32B063D-AEFC-43D4-892A-5496DB603272}" type="slidenum">
+              <a:rPr lang="en-US" smtClean="0"/>
+              <a:pPr/>
+              <a:t>‹#›</a:t>
             </a:fld>
             <a:endParaRPr lang="en-US" dirty="0"/>
-          </a:p>
-        </p:txBody>
-      </p:sp>
-      <p:sp>
-        <p:nvSpPr>
-          <p:cNvPr id="6" name="Holder 6"/>
-          <p:cNvSpPr>
-            <a:spLocks noGrp="1"/>
-          </p:cNvSpPr>
-          <p:nvPr>
-            <p:ph type="sldNum" sz="quarter" idx="7"/>
-          </p:nvPr>
-        </p:nvSpPr>
-        <p:spPr/>
-        <p:txBody>
-          <a:bodyPr lIns="0" tIns="0" rIns="0" bIns="0"/>
-          <a:lstStyle>
-            <a:lvl1pPr>
-              <a:defRPr sz="1000" b="0" i="0">
-                <a:solidFill>
-                  <a:schemeClr val="tx1"/>
-                </a:solidFill>
-                <a:latin typeface="Gill Sans MT"/>
-                <a:cs typeface="Gill Sans MT"/>
-              </a:defRPr>
-            </a:lvl1pPr>
-          </a:lstStyle>
-          <a:p>
-            <a:pPr marL="25400">
-              <a:lnSpc>
-                <a:spcPct val="100000"/>
-              </a:lnSpc>
-            </a:pPr>
-            <a:fld id="{81D60167-4931-47E6-BA6A-407CBD079E47}" type="slidenum">
-              <a:rPr dirty="0"/>
-              <a:t>‹#›</a:t>
-            </a:fld>
-            <a:endParaRPr dirty="0"/>
           </a:p>
         </p:txBody>
       </p:sp>
@@ -1021,7 +957,7 @@
 </file>
 
 <file path=ppt/slideLayouts/slideLayout2.xml><?xml version="1.0" encoding="utf-8"?>
-<p:sldLayout xmlns:a="http://schemas.openxmlformats.org/drawingml/2006/main" xmlns:r="http://schemas.openxmlformats.org/officeDocument/2006/relationships" xmlns:p="http://schemas.openxmlformats.org/presentationml/2006/main" type="obj" preserve="1">
+<p:sldLayout xmlns:a="http://schemas.openxmlformats.org/drawingml/2006/main" xmlns:r="http://schemas.openxmlformats.org/officeDocument/2006/relationships" xmlns:p="http://schemas.openxmlformats.org/presentationml/2006/main" preserve="1" userDrawn="1">
   <p:cSld name="Title and Content">
     <p:spTree>
       <p:nvGrpSpPr>
@@ -1039,35 +975,6 @@
       </p:grpSpPr>
       <p:sp>
         <p:nvSpPr>
-          <p:cNvPr id="2" name="Holder 2"/>
-          <p:cNvSpPr>
-            <a:spLocks noGrp="1"/>
-          </p:cNvSpPr>
-          <p:nvPr>
-            <p:ph type="title"/>
-          </p:nvPr>
-        </p:nvSpPr>
-        <p:spPr/>
-        <p:txBody>
-          <a:bodyPr lIns="0" tIns="0" rIns="0" bIns="0"/>
-          <a:lstStyle>
-            <a:lvl1pPr>
-              <a:defRPr sz="7200" b="1" i="0">
-                <a:solidFill>
-                  <a:schemeClr val="bg1"/>
-                </a:solidFill>
-                <a:latin typeface="Arial"/>
-                <a:cs typeface="Arial"/>
-              </a:defRPr>
-            </a:lvl1pPr>
-          </a:lstStyle>
-          <a:p>
-            <a:endParaRPr/>
-          </a:p>
-        </p:txBody>
-      </p:sp>
-      <p:sp>
-        <p:nvSpPr>
           <p:cNvPr id="3" name="Holder 3"/>
           <p:cNvSpPr>
             <a:spLocks noGrp="1"/>
@@ -1097,12 +1004,12 @@
       </p:sp>
       <p:sp>
         <p:nvSpPr>
-          <p:cNvPr id="7" name="Date Placeholder 6"/>
+          <p:cNvPr id="12" name="Title 11"/>
           <p:cNvSpPr>
             <a:spLocks noGrp="1"/>
           </p:cNvSpPr>
           <p:nvPr>
-            <p:ph type="dt" sz="half" idx="10"/>
+            <p:ph type="title"/>
           </p:nvPr>
         </p:nvSpPr>
         <p:spPr/>
@@ -1110,55 +1017,41 @@
           <a:bodyPr/>
           <a:lstStyle/>
           <a:p>
-            <a:fld id="{1D8BD707-D9CF-40AE-B4C6-C98DA3205C09}" type="datetimeFigureOut">
+            <a:r>
               <a:rPr lang="en-US" smtClean="0"/>
-              <a:t>6/22/2015</a:t>
-            </a:fld>
-            <a:endParaRPr lang="en-US" dirty="0"/>
-          </a:p>
-        </p:txBody>
-      </p:sp>
-      <p:sp>
-        <p:nvSpPr>
-          <p:cNvPr id="8" name="Footer Placeholder 7"/>
+              <a:t>Click to edit Master title style</a:t>
+            </a:r>
+            <a:endParaRPr lang="en-US"/>
+          </a:p>
+        </p:txBody>
+      </p:sp>
+      <p:sp>
+        <p:nvSpPr>
+          <p:cNvPr id="16" name="Slide Number Placeholder 6"/>
           <p:cNvSpPr>
             <a:spLocks noGrp="1"/>
           </p:cNvSpPr>
           <p:nvPr>
-            <p:ph type="ftr" sz="quarter" idx="11"/>
+            <p:ph type="sldNum" sz="quarter" idx="10"/>
           </p:nvPr>
         </p:nvSpPr>
-        <p:spPr/>
+        <p:spPr>
+          <a:xfrm>
+            <a:off x="6299200" y="8458200"/>
+            <a:ext cx="3657600" cy="485775"/>
+          </a:xfrm>
+        </p:spPr>
         <p:txBody>
           <a:bodyPr/>
-          <a:lstStyle/>
-          <a:p>
-            <a:endParaRPr lang="en-US" dirty="0"/>
-          </a:p>
-        </p:txBody>
-      </p:sp>
-      <p:sp>
-        <p:nvSpPr>
-          <p:cNvPr id="9" name="Slide Number Placeholder 8"/>
-          <p:cNvSpPr>
-            <a:spLocks noGrp="1"/>
-          </p:cNvSpPr>
-          <p:nvPr>
-            <p:ph type="sldNum" sz="quarter" idx="12"/>
-          </p:nvPr>
-        </p:nvSpPr>
-        <p:spPr/>
-        <p:txBody>
-          <a:bodyPr/>
-          <a:lstStyle/>
-          <a:p>
-            <a:pPr marL="25400">
-              <a:lnSpc>
-                <a:spcPct val="100000"/>
-              </a:lnSpc>
-            </a:pPr>
-            <a:fld id="{81D60167-4931-47E6-BA6A-407CBD079E47}" type="slidenum">
+          <a:lstStyle>
+            <a:lvl1pPr algn="ctr">
+              <a:defRPr/>
+            </a:lvl1pPr>
+          </a:lstStyle>
+          <a:p>
+            <a:fld id="{F32B063D-AEFC-43D4-892A-5496DB603272}" type="slidenum">
               <a:rPr lang="en-US" smtClean="0"/>
+              <a:pPr/>
               <a:t>‹#›</a:t>
             </a:fld>
             <a:endParaRPr lang="en-US" dirty="0"/>
@@ -4312,101 +4205,34 @@
       </p:sp>
       <p:sp>
         <p:nvSpPr>
-          <p:cNvPr id="5" name="Holder 5"/>
+          <p:cNvPr id="54" name="Slide Number Placeholder 6"/>
           <p:cNvSpPr>
             <a:spLocks noGrp="1"/>
           </p:cNvSpPr>
           <p:nvPr>
-            <p:ph type="ftr" sz="quarter" idx="5"/>
+            <p:ph type="sldNum" sz="quarter" idx="10"/>
           </p:nvPr>
         </p:nvSpPr>
-        <p:spPr/>
-        <p:txBody>
-          <a:bodyPr lIns="0" tIns="0" rIns="0" bIns="0"/>
+        <p:spPr>
+          <a:xfrm>
+            <a:off x="6299200" y="8458200"/>
+            <a:ext cx="3657600" cy="485775"/>
+          </a:xfrm>
+        </p:spPr>
+        <p:txBody>
+          <a:bodyPr/>
           <a:lstStyle>
             <a:lvl1pPr algn="ctr">
-              <a:defRPr>
-                <a:solidFill>
-                  <a:schemeClr val="tx1">
-                    <a:tint val="75000"/>
-                  </a:schemeClr>
-                </a:solidFill>
-              </a:defRPr>
+              <a:defRPr/>
             </a:lvl1pPr>
           </a:lstStyle>
           <a:p>
-            <a:endParaRPr dirty="0"/>
-          </a:p>
-        </p:txBody>
-      </p:sp>
-      <p:sp>
-        <p:nvSpPr>
-          <p:cNvPr id="6" name="Holder 6"/>
-          <p:cNvSpPr>
-            <a:spLocks noGrp="1"/>
-          </p:cNvSpPr>
-          <p:nvPr>
-            <p:ph type="dt" sz="half" idx="6"/>
-          </p:nvPr>
-        </p:nvSpPr>
-        <p:spPr/>
-        <p:txBody>
-          <a:bodyPr lIns="0" tIns="0" rIns="0" bIns="0"/>
-          <a:lstStyle>
-            <a:lvl1pPr algn="l">
-              <a:defRPr>
-                <a:solidFill>
-                  <a:schemeClr val="tx1">
-                    <a:tint val="75000"/>
-                  </a:schemeClr>
-                </a:solidFill>
-              </a:defRPr>
-            </a:lvl1pPr>
-          </a:lstStyle>
-          <a:p>
-            <a:fld id="{1D8BD707-D9CF-40AE-B4C6-C98DA3205C09}" type="datetimeFigureOut">
-              <a:rPr lang="en-US"/>
-              <a:t>6/22/2015</a:t>
+            <a:fld id="{F32B063D-AEFC-43D4-892A-5496DB603272}" type="slidenum">
+              <a:rPr lang="en-US" smtClean="0"/>
+              <a:pPr/>
+              <a:t>‹#›</a:t>
             </a:fld>
             <a:endParaRPr lang="en-US" dirty="0"/>
-          </a:p>
-        </p:txBody>
-      </p:sp>
-      <p:sp>
-        <p:nvSpPr>
-          <p:cNvPr id="7" name="Holder 7"/>
-          <p:cNvSpPr>
-            <a:spLocks noGrp="1"/>
-          </p:cNvSpPr>
-          <p:nvPr>
-            <p:ph type="sldNum" sz="quarter" idx="7"/>
-          </p:nvPr>
-        </p:nvSpPr>
-        <p:spPr/>
-        <p:txBody>
-          <a:bodyPr lIns="0" tIns="0" rIns="0" bIns="0"/>
-          <a:lstStyle>
-            <a:lvl1pPr>
-              <a:defRPr sz="1000" b="0" i="0">
-                <a:solidFill>
-                  <a:schemeClr val="tx1"/>
-                </a:solidFill>
-                <a:latin typeface="Gill Sans MT"/>
-                <a:cs typeface="Gill Sans MT"/>
-              </a:defRPr>
-            </a:lvl1pPr>
-          </a:lstStyle>
-          <a:p>
-            <a:pPr marL="25400">
-              <a:lnSpc>
-                <a:spcPct val="100000"/>
-              </a:lnSpc>
-            </a:pPr>
-            <a:fld id="{81D60167-4931-47E6-BA6A-407CBD079E47}" type="slidenum">
-              <a:rPr dirty="0"/>
-              <a:t>‹#›</a:t>
-            </a:fld>
-            <a:endParaRPr dirty="0"/>
           </a:p>
         </p:txBody>
       </p:sp>
@@ -4466,101 +4292,34 @@
       </p:sp>
       <p:sp>
         <p:nvSpPr>
-          <p:cNvPr id="3" name="Holder 3"/>
+          <p:cNvPr id="9" name="Slide Number Placeholder 6"/>
           <p:cNvSpPr>
             <a:spLocks noGrp="1"/>
           </p:cNvSpPr>
           <p:nvPr>
-            <p:ph type="ftr" sz="quarter" idx="5"/>
+            <p:ph type="sldNum" sz="quarter" idx="10"/>
           </p:nvPr>
         </p:nvSpPr>
-        <p:spPr/>
-        <p:txBody>
-          <a:bodyPr lIns="0" tIns="0" rIns="0" bIns="0"/>
+        <p:spPr>
+          <a:xfrm>
+            <a:off x="6299200" y="8458200"/>
+            <a:ext cx="3657600" cy="485775"/>
+          </a:xfrm>
+        </p:spPr>
+        <p:txBody>
+          <a:bodyPr/>
           <a:lstStyle>
             <a:lvl1pPr algn="ctr">
-              <a:defRPr>
-                <a:solidFill>
-                  <a:schemeClr val="tx1">
-                    <a:tint val="75000"/>
-                  </a:schemeClr>
-                </a:solidFill>
-              </a:defRPr>
+              <a:defRPr/>
             </a:lvl1pPr>
           </a:lstStyle>
           <a:p>
-            <a:endParaRPr dirty="0"/>
-          </a:p>
-        </p:txBody>
-      </p:sp>
-      <p:sp>
-        <p:nvSpPr>
-          <p:cNvPr id="4" name="Holder 4"/>
-          <p:cNvSpPr>
-            <a:spLocks noGrp="1"/>
-          </p:cNvSpPr>
-          <p:nvPr>
-            <p:ph type="dt" sz="half" idx="6"/>
-          </p:nvPr>
-        </p:nvSpPr>
-        <p:spPr/>
-        <p:txBody>
-          <a:bodyPr lIns="0" tIns="0" rIns="0" bIns="0"/>
-          <a:lstStyle>
-            <a:lvl1pPr algn="l">
-              <a:defRPr>
-                <a:solidFill>
-                  <a:schemeClr val="tx1">
-                    <a:tint val="75000"/>
-                  </a:schemeClr>
-                </a:solidFill>
-              </a:defRPr>
-            </a:lvl1pPr>
-          </a:lstStyle>
-          <a:p>
-            <a:fld id="{1D8BD707-D9CF-40AE-B4C6-C98DA3205C09}" type="datetimeFigureOut">
-              <a:rPr lang="en-US"/>
-              <a:t>6/22/2015</a:t>
+            <a:fld id="{F32B063D-AEFC-43D4-892A-5496DB603272}" type="slidenum">
+              <a:rPr lang="en-US" smtClean="0"/>
+              <a:pPr/>
+              <a:t>‹#›</a:t>
             </a:fld>
             <a:endParaRPr lang="en-US" dirty="0"/>
-          </a:p>
-        </p:txBody>
-      </p:sp>
-      <p:sp>
-        <p:nvSpPr>
-          <p:cNvPr id="5" name="Holder 5"/>
-          <p:cNvSpPr>
-            <a:spLocks noGrp="1"/>
-          </p:cNvSpPr>
-          <p:nvPr>
-            <p:ph type="sldNum" sz="quarter" idx="7"/>
-          </p:nvPr>
-        </p:nvSpPr>
-        <p:spPr/>
-        <p:txBody>
-          <a:bodyPr lIns="0" tIns="0" rIns="0" bIns="0"/>
-          <a:lstStyle>
-            <a:lvl1pPr>
-              <a:defRPr sz="1000" b="0" i="0">
-                <a:solidFill>
-                  <a:schemeClr val="tx1"/>
-                </a:solidFill>
-                <a:latin typeface="Gill Sans MT"/>
-                <a:cs typeface="Gill Sans MT"/>
-              </a:defRPr>
-            </a:lvl1pPr>
-          </a:lstStyle>
-          <a:p>
-            <a:pPr marL="25400">
-              <a:lnSpc>
-                <a:spcPct val="100000"/>
-              </a:lnSpc>
-            </a:pPr>
-            <a:fld id="{81D60167-4931-47E6-BA6A-407CBD079E47}" type="slidenum">
-              <a:rPr dirty="0"/>
-              <a:t>‹#›</a:t>
-            </a:fld>
-            <a:endParaRPr dirty="0"/>
           </a:p>
         </p:txBody>
       </p:sp>
@@ -7560,56 +7319,6 @@
       </p:sp>
       <p:sp>
         <p:nvSpPr>
-          <p:cNvPr id="52" name="bk object 52"/>
-          <p:cNvSpPr/>
-          <p:nvPr/>
-        </p:nvSpPr>
-        <p:spPr>
-          <a:xfrm>
-            <a:off x="0" y="8978900"/>
-            <a:ext cx="16256000" cy="165100"/>
-          </a:xfrm>
-          <a:custGeom>
-            <a:avLst/>
-            <a:gdLst/>
-            <a:ahLst/>
-            <a:cxnLst/>
-            <a:rect l="l" t="t" r="r" b="b"/>
-            <a:pathLst>
-              <a:path w="16256000" h="165100">
-                <a:moveTo>
-                  <a:pt x="16256000" y="0"/>
-                </a:moveTo>
-                <a:lnTo>
-                  <a:pt x="0" y="0"/>
-                </a:lnTo>
-                <a:lnTo>
-                  <a:pt x="0" y="165100"/>
-                </a:lnTo>
-                <a:lnTo>
-                  <a:pt x="16256000" y="165100"/>
-                </a:lnTo>
-                <a:lnTo>
-                  <a:pt x="16256000" y="0"/>
-                </a:lnTo>
-                <a:close/>
-              </a:path>
-            </a:pathLst>
-          </a:custGeom>
-          <a:solidFill>
-            <a:srgbClr val="F38C24"/>
-          </a:solidFill>
-        </p:spPr>
-        <p:txBody>
-          <a:bodyPr wrap="square" lIns="0" tIns="0" rIns="0" bIns="0" rtlCol="0"/>
-          <a:lstStyle/>
-          <a:p>
-            <a:endParaRPr dirty="0"/>
-          </a:p>
-        </p:txBody>
-      </p:sp>
-      <p:sp>
-        <p:nvSpPr>
           <p:cNvPr id="53" name="bk object 53"/>
           <p:cNvSpPr/>
           <p:nvPr/>
@@ -7639,101 +7348,34 @@
       </p:sp>
       <p:sp>
         <p:nvSpPr>
-          <p:cNvPr id="2" name="Holder 2"/>
+          <p:cNvPr id="55" name="Slide Number Placeholder 6"/>
           <p:cNvSpPr>
             <a:spLocks noGrp="1"/>
           </p:cNvSpPr>
           <p:nvPr>
-            <p:ph type="ftr" sz="quarter" idx="5"/>
+            <p:ph type="sldNum" sz="quarter" idx="10"/>
           </p:nvPr>
         </p:nvSpPr>
-        <p:spPr/>
-        <p:txBody>
-          <a:bodyPr lIns="0" tIns="0" rIns="0" bIns="0"/>
+        <p:spPr>
+          <a:xfrm>
+            <a:off x="6299200" y="8458200"/>
+            <a:ext cx="3657600" cy="485775"/>
+          </a:xfrm>
+        </p:spPr>
+        <p:txBody>
+          <a:bodyPr/>
           <a:lstStyle>
             <a:lvl1pPr algn="ctr">
-              <a:defRPr>
-                <a:solidFill>
-                  <a:schemeClr val="tx1">
-                    <a:tint val="75000"/>
-                  </a:schemeClr>
-                </a:solidFill>
-              </a:defRPr>
+              <a:defRPr/>
             </a:lvl1pPr>
           </a:lstStyle>
           <a:p>
-            <a:endParaRPr dirty="0"/>
-          </a:p>
-        </p:txBody>
-      </p:sp>
-      <p:sp>
-        <p:nvSpPr>
-          <p:cNvPr id="3" name="Holder 3"/>
-          <p:cNvSpPr>
-            <a:spLocks noGrp="1"/>
-          </p:cNvSpPr>
-          <p:nvPr>
-            <p:ph type="dt" sz="half" idx="6"/>
-          </p:nvPr>
-        </p:nvSpPr>
-        <p:spPr/>
-        <p:txBody>
-          <a:bodyPr lIns="0" tIns="0" rIns="0" bIns="0"/>
-          <a:lstStyle>
-            <a:lvl1pPr algn="l">
-              <a:defRPr>
-                <a:solidFill>
-                  <a:schemeClr val="tx1">
-                    <a:tint val="75000"/>
-                  </a:schemeClr>
-                </a:solidFill>
-              </a:defRPr>
-            </a:lvl1pPr>
-          </a:lstStyle>
-          <a:p>
-            <a:fld id="{1D8BD707-D9CF-40AE-B4C6-C98DA3205C09}" type="datetimeFigureOut">
-              <a:rPr lang="en-US"/>
-              <a:t>6/22/2015</a:t>
+            <a:fld id="{F32B063D-AEFC-43D4-892A-5496DB603272}" type="slidenum">
+              <a:rPr lang="en-US" smtClean="0"/>
+              <a:pPr/>
+              <a:t>‹#›</a:t>
             </a:fld>
             <a:endParaRPr lang="en-US" dirty="0"/>
-          </a:p>
-        </p:txBody>
-      </p:sp>
-      <p:sp>
-        <p:nvSpPr>
-          <p:cNvPr id="4" name="Holder 4"/>
-          <p:cNvSpPr>
-            <a:spLocks noGrp="1"/>
-          </p:cNvSpPr>
-          <p:nvPr>
-            <p:ph type="sldNum" sz="quarter" idx="7"/>
-          </p:nvPr>
-        </p:nvSpPr>
-        <p:spPr/>
-        <p:txBody>
-          <a:bodyPr lIns="0" tIns="0" rIns="0" bIns="0"/>
-          <a:lstStyle>
-            <a:lvl1pPr>
-              <a:defRPr sz="1000" b="0" i="0">
-                <a:solidFill>
-                  <a:schemeClr val="tx1"/>
-                </a:solidFill>
-                <a:latin typeface="Gill Sans MT"/>
-                <a:cs typeface="Gill Sans MT"/>
-              </a:defRPr>
-            </a:lvl1pPr>
-          </a:lstStyle>
-          <a:p>
-            <a:pPr marL="25400">
-              <a:lnSpc>
-                <a:spcPct val="100000"/>
-              </a:lnSpc>
-            </a:pPr>
-            <a:fld id="{81D60167-4931-47E6-BA6A-407CBD079E47}" type="slidenum">
-              <a:rPr dirty="0"/>
-              <a:t>‹#›</a:t>
-            </a:fld>
-            <a:endParaRPr dirty="0"/>
           </a:p>
         </p:txBody>
       </p:sp>
@@ -8000,13 +7642,13 @@
   <p:clrMapOvr>
     <a:overrideClrMapping bg1="lt1" tx1="dk1" bg2="lt2" tx2="dk2" accent1="accent1" accent2="accent2" accent3="accent3" accent4="accent4" accent5="accent5" accent6="accent6" hlink="hlink" folHlink="folHlink"/>
   </p:clrMapOvr>
-  <mc:AlternateContent xmlns:mc="http://schemas.openxmlformats.org/markup-compatibility/2006">
-    <mc:Choice xmlns:p14="http://schemas.microsoft.com/office/powerpoint/2010/main" Requires="p14">
+  <mc:AlternateContent xmlns:mc="http://schemas.openxmlformats.org/markup-compatibility/2006" xmlns:p14="http://schemas.microsoft.com/office/powerpoint/2010/main">
+    <mc:Choice Requires="p14">
       <p:transition spd="med" p14:dur="700">
         <p:fade/>
       </p:transition>
     </mc:Choice>
-    <mc:Fallback>
+    <mc:Fallback xmlns="">
       <p:transition spd="med">
         <p:fade/>
       </p:transition>
@@ -8177,131 +7819,37 @@
       </p:sp>
       <p:sp>
         <p:nvSpPr>
-          <p:cNvPr id="4" name="Holder 4"/>
+          <p:cNvPr id="11" name="Slide Number Placeholder 6"/>
           <p:cNvSpPr>
             <a:spLocks noGrp="1"/>
           </p:cNvSpPr>
           <p:nvPr>
-            <p:ph type="ftr" sz="quarter" idx="5"/>
+            <p:ph type="sldNum" sz="quarter" idx="4"/>
           </p:nvPr>
         </p:nvSpPr>
         <p:spPr>
           <a:xfrm>
-            <a:off x="5527040" y="8503920"/>
-            <a:ext cx="5201919" cy="457200"/>
+            <a:off x="6299200" y="8458200"/>
+            <a:ext cx="3657600" cy="485775"/>
           </a:xfrm>
           <a:prstGeom prst="rect">
             <a:avLst/>
           </a:prstGeom>
         </p:spPr>
         <p:txBody>
-          <a:bodyPr wrap="square" lIns="0" tIns="0" rIns="0" bIns="0">
-            <a:spAutoFit/>
-          </a:bodyPr>
+          <a:bodyPr/>
           <a:lstStyle>
             <a:lvl1pPr algn="ctr">
-              <a:defRPr>
-                <a:solidFill>
-                  <a:schemeClr val="tx1">
-                    <a:tint val="75000"/>
-                  </a:schemeClr>
-                </a:solidFill>
-              </a:defRPr>
+              <a:defRPr/>
             </a:lvl1pPr>
           </a:lstStyle>
           <a:p>
-            <a:endParaRPr dirty="0"/>
-          </a:p>
-        </p:txBody>
-      </p:sp>
-      <p:sp>
-        <p:nvSpPr>
-          <p:cNvPr id="5" name="Holder 5"/>
-          <p:cNvSpPr>
-            <a:spLocks noGrp="1"/>
-          </p:cNvSpPr>
-          <p:nvPr>
-            <p:ph type="dt" sz="half" idx="6"/>
-          </p:nvPr>
-        </p:nvSpPr>
-        <p:spPr>
-          <a:xfrm>
-            <a:off x="812800" y="8503920"/>
-            <a:ext cx="3738880" cy="457200"/>
-          </a:xfrm>
-          <a:prstGeom prst="rect">
-            <a:avLst/>
-          </a:prstGeom>
-        </p:spPr>
-        <p:txBody>
-          <a:bodyPr wrap="square" lIns="0" tIns="0" rIns="0" bIns="0">
-            <a:spAutoFit/>
-          </a:bodyPr>
-          <a:lstStyle>
-            <a:lvl1pPr algn="l">
-              <a:defRPr>
-                <a:solidFill>
-                  <a:schemeClr val="tx1">
-                    <a:tint val="75000"/>
-                  </a:schemeClr>
-                </a:solidFill>
-              </a:defRPr>
-            </a:lvl1pPr>
-          </a:lstStyle>
-          <a:p>
-            <a:fld id="{1D8BD707-D9CF-40AE-B4C6-C98DA3205C09}" type="datetimeFigureOut">
-              <a:rPr lang="en-US"/>
-              <a:t>6/22/2015</a:t>
+            <a:fld id="{F32B063D-AEFC-43D4-892A-5496DB603272}" type="slidenum">
+              <a:rPr lang="en-US" smtClean="0"/>
+              <a:pPr/>
+              <a:t>‹#›</a:t>
             </a:fld>
             <a:endParaRPr lang="en-US" dirty="0"/>
-          </a:p>
-        </p:txBody>
-      </p:sp>
-      <p:sp>
-        <p:nvSpPr>
-          <p:cNvPr id="6" name="Holder 6"/>
-          <p:cNvSpPr>
-            <a:spLocks noGrp="1"/>
-          </p:cNvSpPr>
-          <p:nvPr>
-            <p:ph type="sldNum" sz="quarter" idx="7"/>
-          </p:nvPr>
-        </p:nvSpPr>
-        <p:spPr>
-          <a:xfrm>
-            <a:off x="7988999" y="8860816"/>
-            <a:ext cx="241300" cy="152400"/>
-          </a:xfrm>
-          <a:prstGeom prst="rect">
-            <a:avLst/>
-          </a:prstGeom>
-        </p:spPr>
-        <p:txBody>
-          <a:bodyPr wrap="square" lIns="0" tIns="0" rIns="0" bIns="0">
-            <a:spAutoFit/>
-          </a:bodyPr>
-          <a:lstStyle>
-            <a:lvl1pPr>
-              <a:defRPr sz="1000" b="0" i="0">
-                <a:solidFill>
-                  <a:schemeClr val="tx1"/>
-                </a:solidFill>
-                <a:latin typeface="Gill Sans MT"/>
-                <a:cs typeface="Gill Sans MT"/>
-              </a:defRPr>
-            </a:lvl1pPr>
-          </a:lstStyle>
-          <a:p>
-            <a:pPr marL="25400">
-              <a:lnSpc>
-                <a:spcPct val="100000"/>
-              </a:lnSpc>
-            </a:pPr>
-            <a:fld id="{81D60167-4931-47E6-BA6A-407CBD079E47}" type="slidenum">
-              <a:rPr dirty="0"/>
-              <a:t>‹#›</a:t>
-            </a:fld>
-            <a:endParaRPr dirty="0"/>
           </a:p>
         </p:txBody>
       </p:sp>
@@ -8316,6 +7864,7 @@
     <p:sldLayoutId id="2147483665" r:id="rId5"/>
     <p:sldLayoutId id="2147483666" r:id="rId6"/>
   </p:sldLayoutIdLst>
+  <p:hf hdr="0" ftr="0" dt="0"/>
   <p:txStyles>
     <p:titleStyle>
       <a:lvl1pPr>
@@ -8529,56 +8078,6 @@
       </p:sp>
       <p:sp>
         <p:nvSpPr>
-          <p:cNvPr id="3" name="object 3"/>
-          <p:cNvSpPr/>
-          <p:nvPr/>
-        </p:nvSpPr>
-        <p:spPr>
-          <a:xfrm>
-            <a:off x="0" y="8178800"/>
-            <a:ext cx="16256000" cy="965200"/>
-          </a:xfrm>
-          <a:custGeom>
-            <a:avLst/>
-            <a:gdLst/>
-            <a:ahLst/>
-            <a:cxnLst/>
-            <a:rect l="l" t="t" r="r" b="b"/>
-            <a:pathLst>
-              <a:path w="16256000" h="965200">
-                <a:moveTo>
-                  <a:pt x="16256000" y="0"/>
-                </a:moveTo>
-                <a:lnTo>
-                  <a:pt x="0" y="0"/>
-                </a:lnTo>
-                <a:lnTo>
-                  <a:pt x="0" y="965200"/>
-                </a:lnTo>
-                <a:lnTo>
-                  <a:pt x="16256000" y="965200"/>
-                </a:lnTo>
-                <a:lnTo>
-                  <a:pt x="16256000" y="0"/>
-                </a:lnTo>
-                <a:close/>
-              </a:path>
-            </a:pathLst>
-          </a:custGeom>
-          <a:solidFill>
-            <a:srgbClr val="F38C24"/>
-          </a:solidFill>
-        </p:spPr>
-        <p:txBody>
-          <a:bodyPr wrap="square" lIns="0" tIns="0" rIns="0" bIns="0" rtlCol="0"/>
-          <a:lstStyle/>
-          <a:p>
-            <a:endParaRPr dirty="0"/>
-          </a:p>
-        </p:txBody>
-      </p:sp>
-      <p:sp>
-        <p:nvSpPr>
           <p:cNvPr id="4" name="object 4"/>
           <p:cNvSpPr/>
           <p:nvPr/>
@@ -18798,6 +18297,110 @@
               <a:rPr sz="9600" dirty="0"/>
               <a:t>c</a:t>
             </a:r>
+          </a:p>
+        </p:txBody>
+      </p:sp>
+      <p:pic>
+        <p:nvPicPr>
+          <p:cNvPr id="128" name="Picture 127"/>
+          <p:cNvPicPr>
+            <a:picLocks noChangeAspect="1"/>
+          </p:cNvPicPr>
+          <p:nvPr/>
+        </p:nvPicPr>
+        <p:blipFill>
+          <a:blip r:embed="rId4" cstate="print">
+            <a:extLst>
+              <a:ext uri="{28A0092B-C50C-407E-A947-70E740481C1C}">
+                <a14:useLocalDpi xmlns:a14="http://schemas.microsoft.com/office/drawing/2010/main" val="0"/>
+              </a:ext>
+            </a:extLst>
+          </a:blip>
+          <a:stretch>
+            <a:fillRect/>
+          </a:stretch>
+        </p:blipFill>
+        <p:spPr>
+          <a:xfrm>
+            <a:off x="15114787" y="8153400"/>
+            <a:ext cx="938013" cy="1025973"/>
+          </a:xfrm>
+          <a:prstGeom prst="rect">
+            <a:avLst/>
+          </a:prstGeom>
+        </p:spPr>
+      </p:pic>
+      <p:sp>
+        <p:nvSpPr>
+          <p:cNvPr id="129" name="object 3"/>
+          <p:cNvSpPr/>
+          <p:nvPr/>
+        </p:nvSpPr>
+        <p:spPr>
+          <a:xfrm>
+            <a:off x="0" y="8039100"/>
+            <a:ext cx="16256000" cy="152400"/>
+          </a:xfrm>
+          <a:custGeom>
+            <a:avLst/>
+            <a:gdLst/>
+            <a:ahLst/>
+            <a:cxnLst/>
+            <a:rect l="l" t="t" r="r" b="b"/>
+            <a:pathLst>
+              <a:path w="16256000" h="152400">
+                <a:moveTo>
+                  <a:pt x="0" y="152400"/>
+                </a:moveTo>
+                <a:lnTo>
+                  <a:pt x="16256000" y="152400"/>
+                </a:lnTo>
+                <a:lnTo>
+                  <a:pt x="16256000" y="0"/>
+                </a:lnTo>
+                <a:lnTo>
+                  <a:pt x="0" y="0"/>
+                </a:lnTo>
+                <a:lnTo>
+                  <a:pt x="0" y="152400"/>
+                </a:lnTo>
+                <a:close/>
+              </a:path>
+            </a:pathLst>
+          </a:custGeom>
+          <a:solidFill>
+            <a:srgbClr val="F38C24"/>
+          </a:solidFill>
+        </p:spPr>
+        <p:txBody>
+          <a:bodyPr wrap="square" lIns="0" tIns="0" rIns="0" bIns="0" rtlCol="0"/>
+          <a:lstStyle/>
+          <a:p>
+            <a:endParaRPr dirty="0"/>
+          </a:p>
+        </p:txBody>
+      </p:sp>
+      <p:sp>
+        <p:nvSpPr>
+          <p:cNvPr id="127" name="Slide Number Placeholder 126"/>
+          <p:cNvSpPr>
+            <a:spLocks noGrp="1"/>
+          </p:cNvSpPr>
+          <p:nvPr>
+            <p:ph type="sldNum" sz="quarter" idx="10"/>
+          </p:nvPr>
+        </p:nvSpPr>
+        <p:spPr/>
+        <p:txBody>
+          <a:bodyPr/>
+          <a:lstStyle/>
+          <a:p>
+            <a:fld id="{F32B063D-AEFC-43D4-892A-5496DB603272}" type="slidenum">
+              <a:rPr lang="en-US" smtClean="0"/>
+              <a:pPr/>
+              <a:t>1</a:t>
+            </a:fld>
+            <a:endParaRPr lang="en-US" dirty="0"/>
           </a:p>
         </p:txBody>
       </p:sp>
@@ -21807,7 +21410,7 @@
         </p:nvSpPr>
         <p:spPr>
           <a:xfrm>
-            <a:off x="800100" y="3467100"/>
+            <a:off x="731890" y="3467100"/>
             <a:ext cx="14655800" cy="3251200"/>
           </a:xfrm>
           <a:custGeom>
@@ -21851,67 +21454,38 @@
       </p:sp>
       <p:sp>
         <p:nvSpPr>
-          <p:cNvPr id="42" name="object 42"/>
-          <p:cNvSpPr/>
-          <p:nvPr/>
-        </p:nvSpPr>
-        <p:spPr>
-          <a:xfrm>
-            <a:off x="800100" y="3467100"/>
-            <a:ext cx="14655800" cy="3251200"/>
-          </a:xfrm>
-          <a:custGeom>
-            <a:avLst/>
-            <a:gdLst/>
-            <a:ahLst/>
-            <a:cxnLst/>
-            <a:rect l="l" t="t" r="r" b="b"/>
-            <a:pathLst>
-              <a:path w="14655800" h="3251200">
-                <a:moveTo>
-                  <a:pt x="0" y="0"/>
-                </a:moveTo>
-                <a:lnTo>
-                  <a:pt x="14655800" y="0"/>
-                </a:lnTo>
-                <a:lnTo>
-                  <a:pt x="14655800" y="3251200"/>
-                </a:lnTo>
-                <a:lnTo>
-                  <a:pt x="0" y="3251200"/>
-                </a:lnTo>
-                <a:lnTo>
-                  <a:pt x="0" y="0"/>
-                </a:lnTo>
-                <a:close/>
-              </a:path>
-            </a:pathLst>
-          </a:custGeom>
-          <a:ln w="25400">
-            <a:solidFill>
-              <a:srgbClr val="435363"/>
-            </a:solidFill>
-            <a:prstDash val="lgDash"/>
-          </a:ln>
-        </p:spPr>
-        <p:txBody>
-          <a:bodyPr wrap="square" lIns="0" tIns="0" rIns="0" bIns="0" rtlCol="0"/>
-          <a:lstStyle/>
-          <a:p>
-            <a:endParaRPr dirty="0"/>
-          </a:p>
-        </p:txBody>
-      </p:sp>
-      <p:sp>
-        <p:nvSpPr>
-          <p:cNvPr id="43" name="object 43"/>
+          <p:cNvPr id="6" name="Slide Number Placeholder 5"/>
+          <p:cNvSpPr>
+            <a:spLocks noGrp="1"/>
+          </p:cNvSpPr>
+          <p:nvPr>
+            <p:ph type="sldNum" sz="quarter" idx="10"/>
+          </p:nvPr>
+        </p:nvSpPr>
+        <p:spPr/>
+        <p:txBody>
+          <a:bodyPr/>
+          <a:lstStyle/>
+          <a:p>
+            <a:fld id="{F32B063D-AEFC-43D4-892A-5496DB603272}" type="slidenum">
+              <a:rPr lang="en-US" smtClean="0"/>
+              <a:pPr/>
+              <a:t>10</a:t>
+            </a:fld>
+            <a:endParaRPr lang="en-US" dirty="0"/>
+          </a:p>
+        </p:txBody>
+      </p:sp>
+      <p:sp>
+        <p:nvSpPr>
+          <p:cNvPr id="47" name="object 43"/>
           <p:cNvSpPr txBox="1"/>
           <p:nvPr/>
         </p:nvSpPr>
         <p:spPr>
           <a:xfrm>
-            <a:off x="1128712" y="4483099"/>
-            <a:ext cx="1005840" cy="939800"/>
+            <a:off x="1041399" y="4119033"/>
+            <a:ext cx="13846064" cy="1015663"/>
           </a:xfrm>
           <a:prstGeom prst="rect">
             <a:avLst/>
@@ -21923,358 +21497,41 @@
           </a:bodyPr>
           <a:lstStyle/>
           <a:p>
-            <a:pPr algn="just">
-              <a:lnSpc>
-                <a:spcPts val="2600"/>
-              </a:lnSpc>
-            </a:pPr>
-            <a:r>
-              <a:rPr sz="2200" spc="-5" dirty="0">
+            <a:r>
+              <a:rPr lang="en-US" sz="2200" dirty="0">
                 <a:solidFill>
                   <a:srgbClr val="FFFFFF"/>
                 </a:solidFill>
-                <a:latin typeface="Courier New"/>
-                <a:cs typeface="Courier New"/>
-              </a:rPr>
-              <a:t>FC008: FC008: FC016:</a:t>
-            </a:r>
-            <a:endParaRPr sz="2200" dirty="0">
-              <a:latin typeface="Courier New"/>
-              <a:cs typeface="Courier New"/>
-            </a:endParaRPr>
-          </a:p>
-        </p:txBody>
-      </p:sp>
-      <p:sp>
-        <p:nvSpPr>
-          <p:cNvPr id="44" name="object 44"/>
-          <p:cNvSpPr txBox="1"/>
-          <p:nvPr/>
-        </p:nvSpPr>
-        <p:spPr>
-          <a:xfrm>
-            <a:off x="2302388" y="4483099"/>
-            <a:ext cx="1509395" cy="939800"/>
-          </a:xfrm>
-          <a:prstGeom prst="rect">
-            <a:avLst/>
-          </a:prstGeom>
-        </p:spPr>
-        <p:txBody>
-          <a:bodyPr vert="horz" wrap="square" lIns="0" tIns="0" rIns="0" bIns="0" rtlCol="0">
-            <a:spAutoFit/>
-          </a:bodyPr>
-          <a:lstStyle/>
-          <a:p>
-            <a:pPr algn="just">
-              <a:lnSpc>
-                <a:spcPts val="2600"/>
-              </a:lnSpc>
-            </a:pPr>
-            <a:r>
-              <a:rPr sz="2200" spc="-5" dirty="0">
+                <a:latin typeface="Courier"/>
+              </a:rPr>
+              <a:t>FC008: Generated cookbook metadata needs updating: ./metadata.rb:2</a:t>
+            </a:r>
+          </a:p>
+          <a:p>
+            <a:r>
+              <a:rPr lang="en-US" sz="2200" dirty="0">
                 <a:solidFill>
                   <a:srgbClr val="FFFFFF"/>
                 </a:solidFill>
-                <a:latin typeface="Courier New"/>
-                <a:cs typeface="Courier New"/>
-              </a:rPr>
-              <a:t>Generated Generated LWR</a:t>
-            </a:r>
-            <a:r>
-              <a:rPr sz="2200" dirty="0">
+                <a:latin typeface="Courier"/>
+              </a:rPr>
+              <a:t>FC008: Generated cookbook metadata needs updating: ./metadata.rb:3</a:t>
+            </a:r>
+          </a:p>
+          <a:p>
+            <a:r>
+              <a:rPr lang="en-US" sz="2200" dirty="0">
                 <a:solidFill>
                   <a:srgbClr val="FFFFFF"/>
                 </a:solidFill>
-                <a:latin typeface="Courier New"/>
-                <a:cs typeface="Courier New"/>
-              </a:rPr>
-              <a:t>P </a:t>
-            </a:r>
-            <a:r>
-              <a:rPr sz="2200" spc="-5" dirty="0">
-                <a:solidFill>
-                  <a:srgbClr val="FFFFFF"/>
-                </a:solidFill>
-                <a:latin typeface="Courier New"/>
-                <a:cs typeface="Courier New"/>
-              </a:rPr>
-              <a:t>does</a:t>
+                <a:latin typeface="Courier"/>
+              </a:rPr>
+              <a:t>FC016: LWRP does not declare a default action: ./resources/vhost.rb:1</a:t>
             </a:r>
             <a:endParaRPr sz="2200" dirty="0">
-              <a:latin typeface="Courier New"/>
-              <a:cs typeface="Courier New"/>
-            </a:endParaRPr>
-          </a:p>
-        </p:txBody>
-      </p:sp>
-      <p:sp>
-        <p:nvSpPr>
-          <p:cNvPr id="45" name="object 45"/>
-          <p:cNvSpPr txBox="1"/>
-          <p:nvPr/>
-        </p:nvSpPr>
-        <p:spPr>
-          <a:xfrm>
-            <a:off x="3979067" y="4483099"/>
-            <a:ext cx="8719185" cy="939800"/>
-          </a:xfrm>
-          <a:prstGeom prst="rect">
-            <a:avLst/>
-          </a:prstGeom>
-        </p:spPr>
-        <p:txBody>
-          <a:bodyPr vert="horz" wrap="square" lIns="0" tIns="0" rIns="0" bIns="0" rtlCol="0">
-            <a:spAutoFit/>
-          </a:bodyPr>
-          <a:lstStyle/>
-          <a:p>
-            <a:pPr>
-              <a:lnSpc>
-                <a:spcPts val="2600"/>
-              </a:lnSpc>
-            </a:pPr>
-            <a:r>
-              <a:rPr sz="2200" spc="-5" dirty="0">
-                <a:solidFill>
-                  <a:srgbClr val="FFFFFF"/>
-                </a:solidFill>
-                <a:latin typeface="Courier New"/>
-                <a:cs typeface="Courier New"/>
-              </a:rPr>
-              <a:t>cookboo</a:t>
-            </a:r>
-            <a:r>
-              <a:rPr sz="2200" dirty="0">
-                <a:solidFill>
-                  <a:srgbClr val="FFFFFF"/>
-                </a:solidFill>
-                <a:latin typeface="Courier New"/>
-                <a:cs typeface="Courier New"/>
-              </a:rPr>
-              <a:t>k </a:t>
-            </a:r>
-            <a:r>
-              <a:rPr sz="2200" spc="-5" dirty="0">
-                <a:solidFill>
-                  <a:srgbClr val="FFFFFF"/>
-                </a:solidFill>
-                <a:latin typeface="Courier New"/>
-                <a:cs typeface="Courier New"/>
-              </a:rPr>
-              <a:t>metadat</a:t>
-            </a:r>
-            <a:r>
-              <a:rPr sz="2200" dirty="0">
-                <a:solidFill>
-                  <a:srgbClr val="FFFFFF"/>
-                </a:solidFill>
-                <a:latin typeface="Courier New"/>
-                <a:cs typeface="Courier New"/>
-              </a:rPr>
-              <a:t>a </a:t>
-            </a:r>
-            <a:r>
-              <a:rPr sz="2200" spc="-5" dirty="0">
-                <a:solidFill>
-                  <a:srgbClr val="FFFFFF"/>
-                </a:solidFill>
-                <a:latin typeface="Courier New"/>
-                <a:cs typeface="Courier New"/>
-              </a:rPr>
-              <a:t>need</a:t>
-            </a:r>
-            <a:r>
-              <a:rPr sz="2200" dirty="0">
-                <a:solidFill>
-                  <a:srgbClr val="FFFFFF"/>
-                </a:solidFill>
-                <a:latin typeface="Courier New"/>
-                <a:cs typeface="Courier New"/>
-              </a:rPr>
-              <a:t>s </a:t>
-            </a:r>
-            <a:r>
-              <a:rPr sz="2200" spc="-5" dirty="0">
-                <a:solidFill>
-                  <a:srgbClr val="FFFFFF"/>
-                </a:solidFill>
-                <a:latin typeface="Courier New"/>
-                <a:cs typeface="Courier New"/>
-              </a:rPr>
-              <a:t>updating</a:t>
-            </a:r>
-            <a:r>
-              <a:rPr sz="2200" dirty="0">
-                <a:solidFill>
-                  <a:srgbClr val="FFFFFF"/>
-                </a:solidFill>
-                <a:latin typeface="Courier New"/>
-                <a:cs typeface="Courier New"/>
-              </a:rPr>
-              <a:t>: ./metadata.rb:2 </a:t>
-            </a:r>
-            <a:r>
-              <a:rPr sz="2200" spc="-5" dirty="0">
-                <a:solidFill>
-                  <a:srgbClr val="FFFFFF"/>
-                </a:solidFill>
-                <a:latin typeface="Courier New"/>
-                <a:cs typeface="Courier New"/>
-              </a:rPr>
-              <a:t>cookboo</a:t>
-            </a:r>
-            <a:r>
-              <a:rPr sz="2200" dirty="0">
-                <a:solidFill>
-                  <a:srgbClr val="FFFFFF"/>
-                </a:solidFill>
-                <a:latin typeface="Courier New"/>
-                <a:cs typeface="Courier New"/>
-              </a:rPr>
-              <a:t>k </a:t>
-            </a:r>
-            <a:r>
-              <a:rPr sz="2200" spc="-5" dirty="0">
-                <a:solidFill>
-                  <a:srgbClr val="FFFFFF"/>
-                </a:solidFill>
-                <a:latin typeface="Courier New"/>
-                <a:cs typeface="Courier New"/>
-              </a:rPr>
-              <a:t>metadat</a:t>
-            </a:r>
-            <a:r>
-              <a:rPr sz="2200" dirty="0">
-                <a:solidFill>
-                  <a:srgbClr val="FFFFFF"/>
-                </a:solidFill>
-                <a:latin typeface="Courier New"/>
-                <a:cs typeface="Courier New"/>
-              </a:rPr>
-              <a:t>a </a:t>
-            </a:r>
-            <a:r>
-              <a:rPr sz="2200" spc="-5" dirty="0">
-                <a:solidFill>
-                  <a:srgbClr val="FFFFFF"/>
-                </a:solidFill>
-                <a:latin typeface="Courier New"/>
-                <a:cs typeface="Courier New"/>
-              </a:rPr>
-              <a:t>need</a:t>
-            </a:r>
-            <a:r>
-              <a:rPr sz="2200" dirty="0">
-                <a:solidFill>
-                  <a:srgbClr val="FFFFFF"/>
-                </a:solidFill>
-                <a:latin typeface="Courier New"/>
-                <a:cs typeface="Courier New"/>
-              </a:rPr>
-              <a:t>s </a:t>
-            </a:r>
-            <a:r>
-              <a:rPr sz="2200" spc="-5" dirty="0">
-                <a:solidFill>
-                  <a:srgbClr val="FFFFFF"/>
-                </a:solidFill>
-                <a:latin typeface="Courier New"/>
-                <a:cs typeface="Courier New"/>
-              </a:rPr>
-              <a:t>updating</a:t>
-            </a:r>
-            <a:r>
-              <a:rPr sz="2200" dirty="0">
-                <a:solidFill>
-                  <a:srgbClr val="FFFFFF"/>
-                </a:solidFill>
-                <a:latin typeface="Courier New"/>
-                <a:cs typeface="Courier New"/>
-              </a:rPr>
-              <a:t>: ./metadata.rb:3 </a:t>
-            </a:r>
-            <a:r>
-              <a:rPr sz="2200" spc="-5" dirty="0">
-                <a:solidFill>
-                  <a:srgbClr val="FFFFFF"/>
-                </a:solidFill>
-                <a:latin typeface="Courier New"/>
-                <a:cs typeface="Courier New"/>
-              </a:rPr>
-              <a:t>no</a:t>
-            </a:r>
-            <a:r>
-              <a:rPr sz="2200" dirty="0">
-                <a:solidFill>
-                  <a:srgbClr val="FFFFFF"/>
-                </a:solidFill>
-                <a:latin typeface="Courier New"/>
-                <a:cs typeface="Courier New"/>
-              </a:rPr>
-              <a:t>t </a:t>
-            </a:r>
-            <a:r>
-              <a:rPr sz="2200" spc="-5" dirty="0">
-                <a:solidFill>
-                  <a:srgbClr val="FFFFFF"/>
-                </a:solidFill>
-                <a:latin typeface="Courier New"/>
-                <a:cs typeface="Courier New"/>
-              </a:rPr>
-              <a:t>declar</a:t>
-            </a:r>
-            <a:r>
-              <a:rPr sz="2200" dirty="0">
-                <a:solidFill>
-                  <a:srgbClr val="FFFFFF"/>
-                </a:solidFill>
-                <a:latin typeface="Courier New"/>
-                <a:cs typeface="Courier New"/>
-              </a:rPr>
-              <a:t>e a </a:t>
-            </a:r>
-            <a:r>
-              <a:rPr sz="2200" spc="-5" dirty="0">
-                <a:solidFill>
-                  <a:srgbClr val="FFFFFF"/>
-                </a:solidFill>
-                <a:latin typeface="Courier New"/>
-                <a:cs typeface="Courier New"/>
-              </a:rPr>
-              <a:t>defaul</a:t>
-            </a:r>
-            <a:r>
-              <a:rPr sz="2200" dirty="0">
-                <a:solidFill>
-                  <a:srgbClr val="FFFFFF"/>
-                </a:solidFill>
-                <a:latin typeface="Courier New"/>
-                <a:cs typeface="Courier New"/>
-              </a:rPr>
-              <a:t>t </a:t>
-            </a:r>
-            <a:r>
-              <a:rPr sz="2200" spc="-5" dirty="0">
-                <a:solidFill>
-                  <a:srgbClr val="FFFFFF"/>
-                </a:solidFill>
-                <a:latin typeface="Courier New"/>
-                <a:cs typeface="Courier New"/>
-              </a:rPr>
-              <a:t>action</a:t>
-            </a:r>
-            <a:r>
-              <a:rPr sz="2200" dirty="0">
-                <a:solidFill>
-                  <a:srgbClr val="FFFFFF"/>
-                </a:solidFill>
-                <a:latin typeface="Courier New"/>
-                <a:cs typeface="Courier New"/>
-              </a:rPr>
-              <a:t>: ./resources/vhost.rb:1</a:t>
-            </a:r>
-            <a:endParaRPr sz="2200" dirty="0">
+              <a:solidFill>
+                <a:schemeClr val="bg1"/>
+              </a:solidFill>
               <a:latin typeface="Courier New"/>
               <a:cs typeface="Courier New"/>
             </a:endParaRPr>
@@ -22286,6 +21543,13 @@
   <p:clrMapOvr>
     <a:masterClrMapping/>
   </p:clrMapOvr>
+  <p:timing>
+    <p:tnLst>
+      <p:par>
+        <p:cTn id="1" dur="indefinite" restart="never" nodeType="tmRoot"/>
+      </p:par>
+    </p:tnLst>
+  </p:timing>
 </p:sld>
 </file>
 
@@ -23466,7 +22730,7 @@
         <p:spPr>
           <a:xfrm>
             <a:off x="800100" y="3467100"/>
-            <a:ext cx="14655800" cy="2120900"/>
+            <a:ext cx="14655800" cy="1600438"/>
           </a:xfrm>
           <a:prstGeom prst="rect">
             <a:avLst/>
@@ -23491,8 +22755,22 @@
                 <a:spcPct val="100000"/>
               </a:lnSpc>
             </a:pPr>
-            <a:r>
-              <a:rPr sz="2600" spc="-5" dirty="0">
+            <a:endParaRPr lang="en-US" sz="2600" spc="-5" dirty="0" smtClean="0">
+              <a:solidFill>
+                <a:srgbClr val="FFFFFF"/>
+              </a:solidFill>
+              <a:latin typeface="Courier New"/>
+              <a:cs typeface="Courier New"/>
+            </a:endParaRPr>
+          </a:p>
+          <a:p>
+            <a:pPr marL="331470">
+              <a:lnSpc>
+                <a:spcPct val="100000"/>
+              </a:lnSpc>
+            </a:pPr>
+            <a:r>
+              <a:rPr sz="2600" spc="-5" dirty="0" smtClean="0">
                 <a:solidFill>
                   <a:srgbClr val="FFFFFF"/>
                 </a:solidFill>
@@ -23502,7 +22780,7 @@
               <a:t>(n</a:t>
             </a:r>
             <a:r>
-              <a:rPr sz="2600" dirty="0">
+              <a:rPr sz="2600" dirty="0" smtClean="0">
                 <a:solidFill>
                   <a:srgbClr val="FFFFFF"/>
                 </a:solidFill>
@@ -23511,6 +22789,34 @@
               </a:rPr>
               <a:t>o output)</a:t>
             </a:r>
+            <a:endParaRPr lang="en-US" sz="2600" dirty="0" smtClean="0">
+              <a:solidFill>
+                <a:srgbClr val="FFFFFF"/>
+              </a:solidFill>
+              <a:latin typeface="Courier New"/>
+              <a:cs typeface="Courier New"/>
+            </a:endParaRPr>
+          </a:p>
+          <a:p>
+            <a:pPr marL="331470">
+              <a:lnSpc>
+                <a:spcPct val="100000"/>
+              </a:lnSpc>
+            </a:pPr>
+            <a:endParaRPr lang="en-US" sz="2600" dirty="0">
+              <a:solidFill>
+                <a:srgbClr val="FFFFFF"/>
+              </a:solidFill>
+              <a:latin typeface="Courier New"/>
+              <a:cs typeface="Courier New"/>
+            </a:endParaRPr>
+          </a:p>
+          <a:p>
+            <a:pPr marL="331470">
+              <a:lnSpc>
+                <a:spcPct val="100000"/>
+              </a:lnSpc>
+            </a:pPr>
             <a:endParaRPr sz="2600" dirty="0">
               <a:latin typeface="Courier New"/>
               <a:cs typeface="Courier New"/>
@@ -23526,8 +22832,8 @@
         </p:nvSpPr>
         <p:spPr>
           <a:xfrm>
-            <a:off x="1168400" y="6172156"/>
-            <a:ext cx="13844269" cy="2386330"/>
+            <a:off x="1168400" y="6019800"/>
+            <a:ext cx="13844269" cy="2623795"/>
           </a:xfrm>
           <a:prstGeom prst="rect">
             <a:avLst/>
@@ -23552,146 +22858,146 @@
               </a:tabLst>
             </a:pPr>
             <a:r>
-              <a:rPr sz="3800" spc="-5" dirty="0">
+              <a:rPr sz="4400" spc="-5" dirty="0">
                 <a:latin typeface="Arial"/>
                 <a:cs typeface="Arial"/>
               </a:rPr>
               <a:t>Edit your cookbook </a:t>
             </a:r>
             <a:r>
-              <a:rPr sz="3800" spc="-10" dirty="0">
+              <a:rPr sz="4400" spc="-10" dirty="0">
                 <a:latin typeface="Arial"/>
                 <a:cs typeface="Arial"/>
               </a:rPr>
               <a:t>t</a:t>
             </a:r>
             <a:r>
-              <a:rPr sz="3800" spc="-5" dirty="0">
+              <a:rPr sz="4400" spc="-5" dirty="0">
                 <a:latin typeface="Arial"/>
                 <a:cs typeface="Arial"/>
               </a:rPr>
               <a:t>o </a:t>
             </a:r>
             <a:r>
-              <a:rPr sz="3800" spc="-10" dirty="0">
+              <a:rPr sz="4400" spc="-10" dirty="0">
                 <a:latin typeface="Arial"/>
                 <a:cs typeface="Arial"/>
               </a:rPr>
               <a:t>f</a:t>
             </a:r>
             <a:r>
-              <a:rPr sz="3800" spc="-5" dirty="0">
+              <a:rPr sz="4400" spc="-5" dirty="0">
                 <a:latin typeface="Arial"/>
                 <a:cs typeface="Arial"/>
               </a:rPr>
               <a:t>ix </a:t>
             </a:r>
             <a:r>
-              <a:rPr sz="3800" spc="-10" dirty="0">
+              <a:rPr sz="4400" spc="-10" dirty="0">
                 <a:latin typeface="Arial"/>
                 <a:cs typeface="Arial"/>
               </a:rPr>
               <a:t>t</a:t>
             </a:r>
             <a:r>
-              <a:rPr sz="3800" spc="-5" dirty="0">
+              <a:rPr sz="4400" spc="-5" dirty="0">
                 <a:latin typeface="Arial"/>
                 <a:cs typeface="Arial"/>
               </a:rPr>
               <a:t>he </a:t>
             </a:r>
             <a:r>
-              <a:rPr sz="3800" b="1" spc="-10" dirty="0">
+              <a:rPr sz="4400" b="1" spc="-10" dirty="0">
                 <a:latin typeface="Arial"/>
                 <a:cs typeface="Arial"/>
               </a:rPr>
               <a:t>FC00</a:t>
             </a:r>
             <a:r>
-              <a:rPr sz="3800" b="1" spc="-5" dirty="0">
+              <a:rPr sz="4400" b="1" spc="-5" dirty="0">
                 <a:latin typeface="Arial"/>
                 <a:cs typeface="Arial"/>
               </a:rPr>
               <a:t>8 </a:t>
             </a:r>
             <a:r>
-              <a:rPr sz="3800" spc="-10" dirty="0">
+              <a:rPr sz="4400" spc="-10" dirty="0">
                 <a:latin typeface="Arial"/>
                 <a:cs typeface="Arial"/>
               </a:rPr>
               <a:t>&amp;</a:t>
             </a:r>
             <a:r>
-              <a:rPr sz="3800" spc="-5" dirty="0">
+              <a:rPr sz="4400" spc="-5" dirty="0">
                 <a:latin typeface="Arial"/>
                 <a:cs typeface="Arial"/>
               </a:rPr>
               <a:t> </a:t>
             </a:r>
             <a:r>
-              <a:rPr sz="3800" b="1" spc="-10" dirty="0">
+              <a:rPr sz="4400" b="1" spc="-10" dirty="0">
                 <a:latin typeface="Arial"/>
                 <a:cs typeface="Arial"/>
               </a:rPr>
               <a:t>FC01</a:t>
             </a:r>
             <a:r>
-              <a:rPr sz="3800" b="1" spc="-5" dirty="0">
+              <a:rPr sz="4400" b="1" spc="-5" dirty="0">
                 <a:latin typeface="Arial"/>
                 <a:cs typeface="Arial"/>
               </a:rPr>
               <a:t>6 </a:t>
             </a:r>
             <a:r>
-              <a:rPr sz="3800" spc="-5" dirty="0">
+              <a:rPr sz="4400" spc="-5" dirty="0">
                 <a:latin typeface="Arial"/>
                 <a:cs typeface="Arial"/>
               </a:rPr>
               <a:t>errors, </a:t>
             </a:r>
             <a:r>
-              <a:rPr sz="3800" spc="-10" dirty="0">
+              <a:rPr sz="4400" spc="-10" dirty="0">
                 <a:latin typeface="Arial"/>
                 <a:cs typeface="Arial"/>
               </a:rPr>
               <a:t>t</a:t>
             </a:r>
             <a:r>
-              <a:rPr sz="3800" spc="-5" dirty="0">
+              <a:rPr sz="4400" spc="-5" dirty="0">
                 <a:latin typeface="Arial"/>
                 <a:cs typeface="Arial"/>
               </a:rPr>
               <a:t>hen rerun your </a:t>
             </a:r>
             <a:r>
-              <a:rPr sz="3800" spc="-15" dirty="0">
+              <a:rPr sz="4400" spc="-15" dirty="0">
                 <a:latin typeface="Arial"/>
                 <a:cs typeface="Arial"/>
               </a:rPr>
               <a:t>F</a:t>
             </a:r>
             <a:r>
-              <a:rPr sz="3800" spc="-5" dirty="0">
+              <a:rPr sz="4400" spc="-5" dirty="0">
                 <a:latin typeface="Arial"/>
                 <a:cs typeface="Arial"/>
               </a:rPr>
               <a:t>oodcri</a:t>
             </a:r>
             <a:r>
-              <a:rPr sz="3800" spc="-10" dirty="0">
+              <a:rPr sz="4400" spc="-10" dirty="0">
                 <a:latin typeface="Arial"/>
                 <a:cs typeface="Arial"/>
               </a:rPr>
               <a:t>t</a:t>
             </a:r>
             <a:r>
-              <a:rPr sz="3800" spc="-5" dirty="0">
+              <a:rPr sz="4400" spc="-5" dirty="0">
                 <a:latin typeface="Arial"/>
                 <a:cs typeface="Arial"/>
               </a:rPr>
               <a:t>ic</a:t>
             </a:r>
-            <a:endParaRPr sz="3800" dirty="0">
+            <a:endParaRPr sz="4400" dirty="0">
               <a:latin typeface="Arial"/>
               <a:cs typeface="Arial"/>
             </a:endParaRPr>
@@ -23713,42 +23019,42 @@
               </a:tabLst>
             </a:pPr>
             <a:r>
-              <a:rPr sz="3800" spc="-5" dirty="0">
+              <a:rPr sz="4400" spc="-5" dirty="0">
                 <a:latin typeface="Arial"/>
                 <a:cs typeface="Arial"/>
               </a:rPr>
               <a:t>Re</a:t>
             </a:r>
             <a:r>
-              <a:rPr sz="3800" spc="-10" dirty="0">
+              <a:rPr sz="4400" spc="-10" dirty="0">
                 <a:latin typeface="Arial"/>
                 <a:cs typeface="Arial"/>
               </a:rPr>
               <a:t>f</a:t>
             </a:r>
             <a:r>
-              <a:rPr sz="3800" spc="-5" dirty="0">
+              <a:rPr sz="4400" spc="-5" dirty="0">
                 <a:latin typeface="Arial"/>
                 <a:cs typeface="Arial"/>
               </a:rPr>
               <a:t>er </a:t>
             </a:r>
             <a:r>
-              <a:rPr sz="3800" spc="-10" dirty="0">
+              <a:rPr sz="4400" spc="-10" dirty="0">
                 <a:latin typeface="Arial"/>
                 <a:cs typeface="Arial"/>
               </a:rPr>
               <a:t>t</a:t>
             </a:r>
             <a:r>
-              <a:rPr sz="3800" spc="-5" dirty="0">
+              <a:rPr sz="4400" spc="-5" dirty="0">
                 <a:latin typeface="Arial"/>
                 <a:cs typeface="Arial"/>
               </a:rPr>
               <a:t>o </a:t>
             </a:r>
             <a:r>
-              <a:rPr sz="3800" u="heavy" spc="-5" dirty="0">
+              <a:rPr sz="4400" u="heavy" spc="-5" dirty="0">
                 <a:latin typeface="Arial"/>
                 <a:cs typeface="Arial"/>
                 <a:hlinkClick r:id="rId2"/>
@@ -23756,7 +23062,7 @@
               <a:t>h</a:t>
             </a:r>
             <a:r>
-              <a:rPr sz="3800" u="heavy" spc="-10" dirty="0">
+              <a:rPr sz="4400" u="heavy" spc="-10" dirty="0">
                 <a:latin typeface="Arial"/>
                 <a:cs typeface="Arial"/>
                 <a:hlinkClick r:id="rId2"/>
@@ -23764,7 +23070,7 @@
               <a:t>tt</a:t>
             </a:r>
             <a:r>
-              <a:rPr sz="3800" u="heavy" spc="-5" dirty="0">
+              <a:rPr sz="4400" u="heavy" spc="-5" dirty="0">
                 <a:latin typeface="Arial"/>
                 <a:cs typeface="Arial"/>
                 <a:hlinkClick r:id="rId2"/>
@@ -23772,7 +23078,7 @@
               <a:t>p</a:t>
             </a:r>
             <a:r>
-              <a:rPr sz="3800" u="heavy" spc="-10" dirty="0">
+              <a:rPr sz="4400" u="heavy" spc="-10" dirty="0">
                 <a:latin typeface="Arial"/>
                 <a:cs typeface="Arial"/>
                 <a:hlinkClick r:id="rId2"/>
@@ -23780,7 +23086,7 @@
               <a:t>://ww</a:t>
             </a:r>
             <a:r>
-              <a:rPr sz="3800" u="heavy" spc="-220" dirty="0">
+              <a:rPr sz="4400" u="heavy" spc="-220" dirty="0">
                 <a:latin typeface="Arial"/>
                 <a:cs typeface="Arial"/>
                 <a:hlinkClick r:id="rId2"/>
@@ -23788,7 +23094,7 @@
               <a:t>w</a:t>
             </a:r>
             <a:r>
-              <a:rPr sz="3800" u="heavy" spc="-10" dirty="0">
+              <a:rPr sz="4400" u="heavy" spc="-10" dirty="0">
                 <a:latin typeface="Arial"/>
                 <a:cs typeface="Arial"/>
                 <a:hlinkClick r:id="rId2"/>
@@ -23796,7 +23102,7 @@
               <a:t>.f</a:t>
             </a:r>
             <a:r>
-              <a:rPr sz="3800" u="heavy" spc="-5" dirty="0">
+              <a:rPr sz="4400" u="heavy" spc="-5" dirty="0">
                 <a:latin typeface="Arial"/>
                 <a:cs typeface="Arial"/>
                 <a:hlinkClick r:id="rId2"/>
@@ -23804,7 +23110,7 @@
               <a:t>oodcri</a:t>
             </a:r>
             <a:r>
-              <a:rPr sz="3800" u="heavy" spc="-10" dirty="0">
+              <a:rPr sz="4400" u="heavy" spc="-10" dirty="0">
                 <a:latin typeface="Arial"/>
                 <a:cs typeface="Arial"/>
                 <a:hlinkClick r:id="rId2"/>
@@ -23812,7 +23118,7 @@
               <a:t>t</a:t>
             </a:r>
             <a:r>
-              <a:rPr sz="3800" u="heavy" spc="-5" dirty="0">
+              <a:rPr sz="4400" u="heavy" spc="-5" dirty="0">
                 <a:latin typeface="Arial"/>
                 <a:cs typeface="Arial"/>
                 <a:hlinkClick r:id="rId2"/>
@@ -23820,7 +23126,7 @@
               <a:t>ic</a:t>
             </a:r>
             <a:r>
-              <a:rPr sz="3800" u="heavy" spc="-10" dirty="0">
+              <a:rPr sz="4400" u="heavy" spc="-10" dirty="0">
                 <a:latin typeface="Arial"/>
                 <a:cs typeface="Arial"/>
                 <a:hlinkClick r:id="rId2"/>
@@ -23828,7 +23134,7 @@
               <a:t>.</a:t>
             </a:r>
             <a:r>
-              <a:rPr sz="3800" u="heavy" spc="-5" dirty="0">
+              <a:rPr sz="4400" u="heavy" spc="-5" dirty="0">
                 <a:latin typeface="Arial"/>
                 <a:cs typeface="Arial"/>
                 <a:hlinkClick r:id="rId2"/>
@@ -23836,7 +23142,7 @@
               <a:t>i</a:t>
             </a:r>
             <a:r>
-              <a:rPr sz="3800" u="heavy" spc="-10" dirty="0">
+              <a:rPr sz="4400" u="heavy" spc="-10" dirty="0">
                 <a:latin typeface="Arial"/>
                 <a:cs typeface="Arial"/>
                 <a:hlinkClick r:id="rId2"/>
@@ -23844,7 +23150,7 @@
               <a:t>o</a:t>
             </a:r>
             <a:r>
-              <a:rPr sz="3800" spc="-5" dirty="0">
+              <a:rPr sz="4400" spc="-5" dirty="0">
                 <a:latin typeface="Arial"/>
                 <a:cs typeface="Arial"/>
                 <a:hlinkClick r:id="rId2"/>
@@ -23852,48 +23158,48 @@
               <a:t>/ </a:t>
             </a:r>
             <a:r>
-              <a:rPr sz="3800" spc="-10" dirty="0">
+              <a:rPr sz="4400" spc="-10" dirty="0">
                 <a:latin typeface="Arial"/>
                 <a:cs typeface="Arial"/>
               </a:rPr>
               <a:t>t</a:t>
             </a:r>
             <a:r>
-              <a:rPr sz="3800" spc="-5" dirty="0">
+              <a:rPr sz="4400" spc="-5" dirty="0">
                 <a:latin typeface="Arial"/>
                 <a:cs typeface="Arial"/>
               </a:rPr>
               <a:t>o </a:t>
             </a:r>
             <a:r>
-              <a:rPr sz="3800" spc="-10" dirty="0">
+              <a:rPr sz="4400" spc="-10" dirty="0">
                 <a:latin typeface="Arial"/>
                 <a:cs typeface="Arial"/>
               </a:rPr>
               <a:t>f</a:t>
             </a:r>
             <a:r>
-              <a:rPr sz="3800" spc="-5" dirty="0">
+              <a:rPr sz="4400" spc="-5" dirty="0">
                 <a:latin typeface="Arial"/>
                 <a:cs typeface="Arial"/>
               </a:rPr>
               <a:t>ind </a:t>
             </a:r>
             <a:r>
-              <a:rPr sz="3800" spc="-10" dirty="0">
+              <a:rPr sz="4400" spc="-10" dirty="0">
                 <a:latin typeface="Arial"/>
                 <a:cs typeface="Arial"/>
               </a:rPr>
               <a:t>t</a:t>
             </a:r>
             <a:r>
-              <a:rPr sz="3800" spc="-5" dirty="0">
+              <a:rPr sz="4400" spc="-5" dirty="0">
                 <a:latin typeface="Arial"/>
                 <a:cs typeface="Arial"/>
               </a:rPr>
               <a:t>he errors</a:t>
             </a:r>
-            <a:endParaRPr sz="3800" dirty="0">
+            <a:endParaRPr sz="4400" dirty="0">
               <a:latin typeface="Arial"/>
               <a:cs typeface="Arial"/>
             </a:endParaRPr>
@@ -23915,65 +23221,89 @@
               </a:tabLst>
             </a:pPr>
             <a:r>
-              <a:rPr sz="3800" u="heavy" spc="-10" dirty="0">
+              <a:rPr sz="4400" u="heavy" spc="-10" dirty="0">
                 <a:latin typeface="Arial"/>
                 <a:cs typeface="Arial"/>
               </a:rPr>
               <a:t>N</a:t>
             </a:r>
             <a:r>
-              <a:rPr sz="3800" u="heavy" spc="-5" dirty="0">
+              <a:rPr sz="4400" u="heavy" spc="-5" dirty="0">
                 <a:latin typeface="Arial"/>
                 <a:cs typeface="Arial"/>
               </a:rPr>
               <a:t>o ou</a:t>
             </a:r>
             <a:r>
-              <a:rPr sz="3800" u="heavy" spc="-10" dirty="0">
+              <a:rPr sz="4400" u="heavy" spc="-10" dirty="0">
                 <a:latin typeface="Arial"/>
                 <a:cs typeface="Arial"/>
               </a:rPr>
               <a:t>t</a:t>
             </a:r>
             <a:r>
-              <a:rPr sz="3800" u="heavy" spc="-5" dirty="0">
+              <a:rPr sz="4400" u="heavy" spc="-5" dirty="0">
                 <a:latin typeface="Arial"/>
                 <a:cs typeface="Arial"/>
               </a:rPr>
               <a:t>put</a:t>
             </a:r>
             <a:r>
-              <a:rPr sz="3800" u="heavy" spc="-10" dirty="0">
+              <a:rPr sz="4400" u="heavy" spc="-10" dirty="0">
                 <a:latin typeface="Arial"/>
                 <a:cs typeface="Arial"/>
               </a:rPr>
               <a:t> me</a:t>
             </a:r>
             <a:r>
-              <a:rPr sz="3800" u="heavy" spc="-5" dirty="0">
+              <a:rPr sz="4400" u="heavy" spc="-5" dirty="0">
                 <a:latin typeface="Arial"/>
                 <a:cs typeface="Arial"/>
               </a:rPr>
               <a:t>ans</a:t>
             </a:r>
             <a:r>
-              <a:rPr sz="3800" u="heavy" spc="-10" dirty="0">
+              <a:rPr sz="4400" u="heavy" spc="-10" dirty="0">
                 <a:latin typeface="Arial"/>
                 <a:cs typeface="Arial"/>
               </a:rPr>
               <a:t> </a:t>
             </a:r>
             <a:r>
-              <a:rPr sz="3800" u="heavy" spc="-5" dirty="0">
+              <a:rPr sz="4400" u="heavy" spc="-5" dirty="0">
                 <a:latin typeface="Arial"/>
                 <a:cs typeface="Arial"/>
               </a:rPr>
               <a:t>no errors!</a:t>
             </a:r>
-            <a:endParaRPr sz="3800" dirty="0">
+            <a:endParaRPr sz="4400" dirty="0">
               <a:latin typeface="Arial"/>
               <a:cs typeface="Arial"/>
             </a:endParaRPr>
+          </a:p>
+        </p:txBody>
+      </p:sp>
+      <p:sp>
+        <p:nvSpPr>
+          <p:cNvPr id="4" name="Slide Number Placeholder 3"/>
+          <p:cNvSpPr>
+            <a:spLocks noGrp="1"/>
+          </p:cNvSpPr>
+          <p:nvPr>
+            <p:ph type="sldNum" sz="quarter" idx="10"/>
+          </p:nvPr>
+        </p:nvSpPr>
+        <p:spPr/>
+        <p:txBody>
+          <a:bodyPr/>
+          <a:lstStyle/>
+          <a:p>
+            <a:fld id="{F32B063D-AEFC-43D4-892A-5496DB603272}" type="slidenum">
+              <a:rPr lang="en-US" smtClean="0"/>
+              <a:pPr/>
+              <a:t>11</a:t>
+            </a:fld>
+            <a:endParaRPr lang="en-US" dirty="0"/>
           </a:p>
         </p:txBody>
       </p:sp>
@@ -23982,6 +23312,13 @@
   <p:clrMapOvr>
     <a:masterClrMapping/>
   </p:clrMapOvr>
+  <p:timing>
+    <p:tnLst>
+      <p:par>
+        <p:cTn id="1" dur="indefinite" restart="never" nodeType="tmRoot"/>
+      </p:par>
+    </p:tnLst>
+  </p:timing>
 </p:sld>
 </file>
 
@@ -27042,7 +26379,7 @@
         <p:spPr>
           <a:xfrm>
             <a:off x="787400" y="1922306"/>
-            <a:ext cx="9623425" cy="635000"/>
+            <a:ext cx="9623425" cy="677108"/>
           </a:xfrm>
           <a:prstGeom prst="rect">
             <a:avLst/>
@@ -27067,132 +26404,132 @@
               </a:tabLst>
             </a:pPr>
             <a:r>
-              <a:rPr sz="4800" dirty="0">
+              <a:rPr sz="4400" dirty="0">
                 <a:latin typeface="Arial"/>
                 <a:cs typeface="Arial"/>
               </a:rPr>
               <a:t>Run</a:t>
             </a:r>
             <a:r>
-              <a:rPr sz="4800" spc="-5" dirty="0">
+              <a:rPr sz="4400" spc="-5" dirty="0">
                 <a:latin typeface="Arial"/>
                 <a:cs typeface="Arial"/>
               </a:rPr>
               <a:t> </a:t>
             </a:r>
             <a:r>
-              <a:rPr sz="4800" dirty="0">
+              <a:rPr sz="4400" dirty="0">
                 <a:latin typeface="Arial"/>
                 <a:cs typeface="Arial"/>
               </a:rPr>
               <a:t>only</a:t>
             </a:r>
             <a:r>
-              <a:rPr sz="4800" spc="-5" dirty="0">
+              <a:rPr sz="4400" spc="-5" dirty="0">
                 <a:latin typeface="Arial"/>
                 <a:cs typeface="Arial"/>
               </a:rPr>
               <a:t> </a:t>
             </a:r>
             <a:r>
-              <a:rPr sz="4800" dirty="0">
+              <a:rPr sz="4400" dirty="0">
                 <a:latin typeface="Arial"/>
                 <a:cs typeface="Arial"/>
               </a:rPr>
               <a:t>ce</a:t>
             </a:r>
             <a:r>
-              <a:rPr sz="4800" spc="-5" dirty="0">
+              <a:rPr sz="4400" spc="-5" dirty="0">
                 <a:latin typeface="Arial"/>
                 <a:cs typeface="Arial"/>
               </a:rPr>
               <a:t>r</a:t>
             </a:r>
             <a:r>
-              <a:rPr sz="4800" spc="-10" dirty="0">
+              <a:rPr sz="4400" spc="-10" dirty="0">
                 <a:latin typeface="Arial"/>
                 <a:cs typeface="Arial"/>
               </a:rPr>
               <a:t>t</a:t>
             </a:r>
             <a:r>
-              <a:rPr sz="4800" dirty="0">
+              <a:rPr sz="4400" dirty="0">
                 <a:latin typeface="Arial"/>
                 <a:cs typeface="Arial"/>
               </a:rPr>
               <a:t>ain</a:t>
             </a:r>
             <a:r>
-              <a:rPr sz="4800" spc="-5" dirty="0">
+              <a:rPr sz="4400" spc="-5" dirty="0">
                 <a:latin typeface="Arial"/>
                 <a:cs typeface="Arial"/>
               </a:rPr>
               <a:t> </a:t>
             </a:r>
             <a:r>
-              <a:rPr sz="4800" dirty="0">
+              <a:rPr sz="4400" dirty="0">
                 <a:latin typeface="Arial"/>
                 <a:cs typeface="Arial"/>
               </a:rPr>
               <a:t>ca</a:t>
             </a:r>
             <a:r>
-              <a:rPr sz="4800" spc="-10" dirty="0">
+              <a:rPr sz="4400" spc="-10" dirty="0">
                 <a:latin typeface="Arial"/>
                 <a:cs typeface="Arial"/>
               </a:rPr>
               <a:t>t</a:t>
             </a:r>
             <a:r>
-              <a:rPr sz="4800" dirty="0">
+              <a:rPr sz="4400" dirty="0">
                 <a:latin typeface="Arial"/>
                 <a:cs typeface="Arial"/>
               </a:rPr>
               <a:t>egories</a:t>
             </a:r>
             <a:r>
-              <a:rPr sz="4800" spc="-5" dirty="0">
+              <a:rPr sz="4400" spc="-5" dirty="0">
                 <a:latin typeface="Arial"/>
                 <a:cs typeface="Arial"/>
               </a:rPr>
               <a:t> </a:t>
             </a:r>
             <a:r>
-              <a:rPr sz="4800" dirty="0">
+              <a:rPr sz="4400" dirty="0">
                 <a:latin typeface="Arial"/>
                 <a:cs typeface="Arial"/>
               </a:rPr>
               <a:t>o</a:t>
             </a:r>
             <a:r>
-              <a:rPr sz="4800" spc="-5" dirty="0">
+              <a:rPr sz="4400" spc="-5" dirty="0">
                 <a:latin typeface="Arial"/>
                 <a:cs typeface="Arial"/>
               </a:rPr>
               <a:t>f </a:t>
             </a:r>
             <a:r>
-              <a:rPr sz="4800" spc="-10" dirty="0">
+              <a:rPr sz="4400" spc="-10" dirty="0">
                 <a:latin typeface="Arial"/>
                 <a:cs typeface="Arial"/>
               </a:rPr>
               <a:t>t</a:t>
             </a:r>
             <a:r>
-              <a:rPr sz="4800" dirty="0">
+              <a:rPr sz="4400" dirty="0">
                 <a:latin typeface="Arial"/>
                 <a:cs typeface="Arial"/>
               </a:rPr>
               <a:t>e</a:t>
             </a:r>
             <a:r>
-              <a:rPr sz="4800" spc="-5" dirty="0">
+              <a:rPr sz="4400" spc="-5" dirty="0">
                 <a:latin typeface="Arial"/>
                 <a:cs typeface="Arial"/>
               </a:rPr>
               <a:t>st</a:t>
             </a:r>
-            <a:endParaRPr sz="4800" dirty="0">
+            <a:endParaRPr sz="4400" dirty="0">
               <a:latin typeface="Arial"/>
               <a:cs typeface="Arial"/>
             </a:endParaRPr>
@@ -27208,7 +26545,7 @@
         <p:spPr>
           <a:xfrm>
             <a:off x="787400" y="4475006"/>
-            <a:ext cx="5184140" cy="635000"/>
+            <a:ext cx="5184140" cy="677108"/>
           </a:xfrm>
           <a:prstGeom prst="rect">
             <a:avLst/>
@@ -27233,77 +26570,77 @@
               </a:tabLst>
             </a:pPr>
             <a:r>
-              <a:rPr sz="4800" dirty="0">
+              <a:rPr sz="4400" dirty="0">
                 <a:latin typeface="Arial"/>
                 <a:cs typeface="Arial"/>
               </a:rPr>
               <a:t>Run</a:t>
             </a:r>
             <a:r>
-              <a:rPr sz="4800" spc="-5" dirty="0">
+              <a:rPr sz="4400" spc="-5" dirty="0">
                 <a:latin typeface="Arial"/>
                 <a:cs typeface="Arial"/>
               </a:rPr>
               <a:t> </a:t>
             </a:r>
             <a:r>
-              <a:rPr sz="4800" dirty="0">
+              <a:rPr sz="4400" dirty="0">
                 <a:latin typeface="Arial"/>
                 <a:cs typeface="Arial"/>
               </a:rPr>
               <a:t>speci</a:t>
             </a:r>
             <a:r>
-              <a:rPr sz="4800" spc="-10" dirty="0">
+              <a:rPr sz="4400" spc="-10" dirty="0">
                 <a:latin typeface="Arial"/>
                 <a:cs typeface="Arial"/>
               </a:rPr>
               <a:t>f</a:t>
             </a:r>
             <a:r>
-              <a:rPr sz="4800" dirty="0">
+              <a:rPr sz="4400" dirty="0">
                 <a:latin typeface="Arial"/>
                 <a:cs typeface="Arial"/>
               </a:rPr>
               <a:t>ic</a:t>
             </a:r>
             <a:r>
-              <a:rPr sz="4800" spc="-5" dirty="0">
+              <a:rPr sz="4400" spc="-5" dirty="0">
                 <a:latin typeface="Arial"/>
                 <a:cs typeface="Arial"/>
               </a:rPr>
               <a:t> </a:t>
             </a:r>
             <a:r>
-              <a:rPr sz="4800" spc="-10" dirty="0">
+              <a:rPr sz="4400" spc="-10" dirty="0">
                 <a:latin typeface="Arial"/>
                 <a:cs typeface="Arial"/>
               </a:rPr>
               <a:t>t</a:t>
             </a:r>
             <a:r>
-              <a:rPr sz="4800" dirty="0">
+              <a:rPr sz="4400" dirty="0">
                 <a:latin typeface="Arial"/>
                 <a:cs typeface="Arial"/>
               </a:rPr>
               <a:t>e</a:t>
             </a:r>
             <a:r>
-              <a:rPr sz="4800" spc="-5" dirty="0">
+              <a:rPr sz="4400" spc="-5" dirty="0">
                 <a:latin typeface="Arial"/>
                 <a:cs typeface="Arial"/>
               </a:rPr>
               <a:t>s</a:t>
             </a:r>
             <a:r>
-              <a:rPr sz="4800" spc="-10" dirty="0">
+              <a:rPr sz="4400" spc="-10" dirty="0">
                 <a:latin typeface="Arial"/>
                 <a:cs typeface="Arial"/>
               </a:rPr>
               <a:t>t</a:t>
             </a:r>
             <a:r>
-              <a:rPr sz="4800" dirty="0">
+              <a:rPr sz="4400" dirty="0">
                 <a:latin typeface="Arial"/>
                 <a:cs typeface="Arial"/>
               </a:rPr>
@@ -27321,7 +26658,7 @@
         <p:spPr>
           <a:xfrm>
             <a:off x="787400" y="7027705"/>
-            <a:ext cx="6234430" cy="635000"/>
+            <a:ext cx="6234430" cy="677108"/>
           </a:xfrm>
           <a:prstGeom prst="rect">
             <a:avLst/>
@@ -27346,77 +26683,77 @@
               </a:tabLst>
             </a:pPr>
             <a:r>
-              <a:rPr sz="4800" dirty="0">
+              <a:rPr sz="4400" dirty="0">
                 <a:latin typeface="Arial"/>
                 <a:cs typeface="Arial"/>
               </a:rPr>
               <a:t>Exclude</a:t>
             </a:r>
             <a:r>
-              <a:rPr sz="4800" spc="-5" dirty="0">
+              <a:rPr sz="4400" spc="-5" dirty="0">
                 <a:latin typeface="Arial"/>
                 <a:cs typeface="Arial"/>
               </a:rPr>
               <a:t> </a:t>
             </a:r>
             <a:r>
-              <a:rPr sz="4800" dirty="0">
+              <a:rPr sz="4400" dirty="0">
                 <a:latin typeface="Arial"/>
                 <a:cs typeface="Arial"/>
               </a:rPr>
               <a:t>speci</a:t>
             </a:r>
             <a:r>
-              <a:rPr sz="4800" spc="-10" dirty="0">
+              <a:rPr sz="4400" spc="-10" dirty="0">
                 <a:latin typeface="Arial"/>
                 <a:cs typeface="Arial"/>
               </a:rPr>
               <a:t>f</a:t>
             </a:r>
             <a:r>
-              <a:rPr sz="4800" dirty="0">
+              <a:rPr sz="4400" dirty="0">
                 <a:latin typeface="Arial"/>
                 <a:cs typeface="Arial"/>
               </a:rPr>
               <a:t>ic</a:t>
             </a:r>
             <a:r>
-              <a:rPr sz="4800" spc="-5" dirty="0">
+              <a:rPr sz="4400" spc="-5" dirty="0">
                 <a:latin typeface="Arial"/>
                 <a:cs typeface="Arial"/>
               </a:rPr>
               <a:t> </a:t>
             </a:r>
             <a:r>
-              <a:rPr sz="4800" spc="-10" dirty="0">
+              <a:rPr sz="4400" spc="-10" dirty="0">
                 <a:latin typeface="Arial"/>
                 <a:cs typeface="Arial"/>
               </a:rPr>
               <a:t>t</a:t>
             </a:r>
             <a:r>
-              <a:rPr sz="4800" dirty="0">
+              <a:rPr sz="4400" dirty="0">
                 <a:latin typeface="Arial"/>
                 <a:cs typeface="Arial"/>
               </a:rPr>
               <a:t>e</a:t>
             </a:r>
             <a:r>
-              <a:rPr sz="4800" spc="-5" dirty="0">
+              <a:rPr sz="4400" spc="-5" dirty="0">
                 <a:latin typeface="Arial"/>
                 <a:cs typeface="Arial"/>
               </a:rPr>
               <a:t>s</a:t>
             </a:r>
             <a:r>
-              <a:rPr sz="4800" spc="-10" dirty="0">
+              <a:rPr sz="4400" spc="-10" dirty="0">
                 <a:latin typeface="Arial"/>
                 <a:cs typeface="Arial"/>
               </a:rPr>
               <a:t>t</a:t>
             </a:r>
             <a:r>
-              <a:rPr sz="4800" dirty="0">
+              <a:rPr sz="4400" dirty="0">
                 <a:latin typeface="Arial"/>
                 <a:cs typeface="Arial"/>
               </a:rPr>
@@ -27460,7 +26797,7 @@
               </a:lnSpc>
             </a:pPr>
             <a:r>
-              <a:rPr sz="3600" dirty="0">
+              <a:rPr sz="3600" dirty="0" smtClean="0">
                 <a:solidFill>
                   <a:srgbClr val="FFFFFF"/>
                 </a:solidFill>
@@ -27765,6 +27102,30 @@
               <a:latin typeface="Courier New"/>
               <a:cs typeface="Courier New"/>
             </a:endParaRPr>
+          </a:p>
+        </p:txBody>
+      </p:sp>
+      <p:sp>
+        <p:nvSpPr>
+          <p:cNvPr id="38" name="Slide Number Placeholder 37"/>
+          <p:cNvSpPr>
+            <a:spLocks noGrp="1"/>
+          </p:cNvSpPr>
+          <p:nvPr>
+            <p:ph type="sldNum" sz="quarter" idx="10"/>
+          </p:nvPr>
+        </p:nvSpPr>
+        <p:spPr/>
+        <p:txBody>
+          <a:bodyPr/>
+          <a:lstStyle/>
+          <a:p>
+            <a:fld id="{F32B063D-AEFC-43D4-892A-5496DB603272}" type="slidenum">
+              <a:rPr lang="en-US" smtClean="0"/>
+              <a:pPr/>
+              <a:t>12</a:t>
+            </a:fld>
+            <a:endParaRPr lang="en-US" dirty="0"/>
           </a:p>
         </p:txBody>
       </p:sp>
@@ -27888,8 +27249,8 @@
         </p:nvSpPr>
         <p:spPr>
           <a:xfrm>
-            <a:off x="1168400" y="6172156"/>
-            <a:ext cx="13844269" cy="2349361"/>
+            <a:off x="1168400" y="5943600"/>
+            <a:ext cx="13844269" cy="2534027"/>
           </a:xfrm>
           <a:prstGeom prst="rect">
             <a:avLst/>
@@ -27914,20 +27275,20 @@
               </a:tabLst>
             </a:pPr>
             <a:r>
-              <a:rPr lang="en-US" sz="3800" spc="-5" dirty="0" smtClean="0">
+              <a:rPr lang="en-US" sz="4400" spc="-5" dirty="0" smtClean="0">
                 <a:latin typeface="Arial"/>
                 <a:cs typeface="Arial"/>
               </a:rPr>
               <a:t>When you have defined your set of tag options, you can save them to a file called </a:t>
             </a:r>
             <a:r>
-              <a:rPr lang="en-US" sz="3800" b="1" spc="-5" dirty="0" smtClean="0">
+              <a:rPr lang="en-US" sz="4400" b="1" spc="-5" dirty="0" smtClean="0">
                 <a:latin typeface="Arial"/>
                 <a:cs typeface="Arial"/>
               </a:rPr>
               <a:t>.foodcritic</a:t>
             </a:r>
-            <a:endParaRPr sz="3800" b="1" dirty="0">
+            <a:endParaRPr sz="4400" b="1" dirty="0">
               <a:latin typeface="Arial"/>
               <a:cs typeface="Arial"/>
             </a:endParaRPr>
@@ -27949,13 +27310,13 @@
               </a:tabLst>
             </a:pPr>
             <a:r>
-              <a:rPr lang="en-US" sz="3800" spc="-10" dirty="0" smtClean="0">
+              <a:rPr lang="en-US" sz="4400" spc="-10" dirty="0" smtClean="0">
                 <a:latin typeface="Arial"/>
                 <a:cs typeface="Arial"/>
               </a:rPr>
               <a:t>Foodcritic will read that file upon execution, and use those as the default options</a:t>
             </a:r>
-            <a:endParaRPr sz="3800" dirty="0">
+            <a:endParaRPr sz="4400" dirty="0">
               <a:latin typeface="Arial"/>
               <a:cs typeface="Arial"/>
             </a:endParaRPr>
@@ -28018,13 +27379,13 @@
   <p:clrMapOvr>
     <a:masterClrMapping/>
   </p:clrMapOvr>
-  <mc:AlternateContent xmlns:mc="http://schemas.openxmlformats.org/markup-compatibility/2006">
-    <mc:Choice xmlns:p14="http://schemas.microsoft.com/office/powerpoint/2010/main" Requires="p14">
+  <mc:AlternateContent xmlns:mc="http://schemas.openxmlformats.org/markup-compatibility/2006" xmlns:p14="http://schemas.microsoft.com/office/powerpoint/2010/main">
+    <mc:Choice Requires="p14">
       <p:transition spd="med" p14:dur="700">
         <p:fade/>
       </p:transition>
     </mc:Choice>
-    <mc:Fallback>
+    <mc:Fallback xmlns="">
       <p:transition spd="med">
         <p:fade/>
       </p:transition>
@@ -28863,7 +28224,7 @@
         <p:spPr>
           <a:xfrm>
             <a:off x="787400" y="1922306"/>
-            <a:ext cx="14124305" cy="4762500"/>
+            <a:ext cx="14124305" cy="4809843"/>
           </a:xfrm>
           <a:prstGeom prst="rect">
             <a:avLst/>
@@ -28888,76 +28249,76 @@
               </a:tabLst>
             </a:pPr>
             <a:r>
-              <a:rPr sz="4800" dirty="0">
+              <a:rPr sz="4400" dirty="0">
                 <a:latin typeface="Arial"/>
                 <a:cs typeface="Arial"/>
               </a:rPr>
               <a:t>Always</a:t>
             </a:r>
             <a:r>
-              <a:rPr sz="4800" spc="-5" dirty="0">
+              <a:rPr sz="4400" spc="-5" dirty="0">
                 <a:latin typeface="Arial"/>
                 <a:cs typeface="Arial"/>
               </a:rPr>
               <a:t> </a:t>
             </a:r>
             <a:r>
-              <a:rPr sz="4800" b="1" dirty="0">
+              <a:rPr sz="4400" b="1" dirty="0">
                 <a:latin typeface="Arial"/>
                 <a:cs typeface="Arial"/>
               </a:rPr>
               <a:t>check</a:t>
             </a:r>
             <a:r>
-              <a:rPr sz="4800" b="1" spc="-5" dirty="0">
+              <a:rPr sz="4400" b="1" spc="-5" dirty="0">
                 <a:latin typeface="Arial"/>
                 <a:cs typeface="Arial"/>
               </a:rPr>
               <a:t> </a:t>
             </a:r>
             <a:r>
-              <a:rPr sz="4800" dirty="0">
+              <a:rPr sz="4400" dirty="0">
                 <a:latin typeface="Arial"/>
                 <a:cs typeface="Arial"/>
               </a:rPr>
               <a:t>in</a:t>
             </a:r>
             <a:r>
-              <a:rPr sz="4800" spc="-5" dirty="0">
+              <a:rPr sz="4400" spc="-5" dirty="0">
                 <a:latin typeface="Arial"/>
                 <a:cs typeface="Arial"/>
               </a:rPr>
               <a:t> </a:t>
             </a:r>
             <a:r>
-              <a:rPr sz="4800" dirty="0">
+              <a:rPr sz="4400" dirty="0">
                 <a:latin typeface="Arial"/>
                 <a:cs typeface="Arial"/>
               </a:rPr>
               <a:t>corre</a:t>
             </a:r>
             <a:r>
-              <a:rPr sz="4800" spc="-5" dirty="0">
+              <a:rPr sz="4400" spc="-5" dirty="0">
                 <a:latin typeface="Arial"/>
                 <a:cs typeface="Arial"/>
               </a:rPr>
               <a:t>ct </a:t>
             </a:r>
             <a:r>
-              <a:rPr sz="4800" dirty="0">
+              <a:rPr sz="4400" dirty="0">
                 <a:latin typeface="Arial"/>
                 <a:cs typeface="Arial"/>
               </a:rPr>
               <a:t>code</a:t>
             </a:r>
             <a:r>
-              <a:rPr sz="4800" spc="-5" dirty="0">
+              <a:rPr sz="4400" spc="-5" dirty="0">
                 <a:latin typeface="Arial"/>
                 <a:cs typeface="Arial"/>
               </a:rPr>
               <a:t>!</a:t>
             </a:r>
-            <a:endParaRPr sz="4800" dirty="0">
+            <a:endParaRPr sz="4400" dirty="0">
               <a:latin typeface="Arial"/>
               <a:cs typeface="Arial"/>
             </a:endParaRPr>
@@ -28979,245 +28340,245 @@
               </a:tabLst>
             </a:pPr>
             <a:r>
-              <a:rPr sz="4800" dirty="0">
+              <a:rPr sz="4400" dirty="0">
                 <a:latin typeface="Arial"/>
                 <a:cs typeface="Arial"/>
               </a:rPr>
               <a:t>Make</a:t>
             </a:r>
             <a:r>
-              <a:rPr sz="4800" spc="-5" dirty="0">
+              <a:rPr sz="4400" spc="-5" dirty="0">
                 <a:latin typeface="Arial"/>
                 <a:cs typeface="Arial"/>
               </a:rPr>
               <a:t> </a:t>
             </a:r>
             <a:r>
-              <a:rPr sz="4800" b="1" spc="-10" dirty="0">
+              <a:rPr sz="4400" b="1" spc="-10" dirty="0">
                 <a:latin typeface="Arial"/>
                 <a:cs typeface="Arial"/>
               </a:rPr>
               <a:t>Food</a:t>
             </a:r>
             <a:r>
-              <a:rPr sz="4800" b="1" dirty="0">
+              <a:rPr sz="4400" b="1" dirty="0">
                 <a:latin typeface="Arial"/>
                 <a:cs typeface="Arial"/>
               </a:rPr>
               <a:t>cr</a:t>
             </a:r>
             <a:r>
-              <a:rPr sz="4800" b="1" spc="-10" dirty="0">
+              <a:rPr sz="4400" b="1" spc="-10" dirty="0">
                 <a:latin typeface="Arial"/>
                 <a:cs typeface="Arial"/>
               </a:rPr>
               <a:t>i</a:t>
             </a:r>
             <a:r>
-              <a:rPr sz="4800" b="1" spc="-5" dirty="0">
+              <a:rPr sz="4400" b="1" spc="-5" dirty="0">
                 <a:latin typeface="Arial"/>
                 <a:cs typeface="Arial"/>
               </a:rPr>
               <a:t>t</a:t>
             </a:r>
             <a:r>
-              <a:rPr sz="4800" b="1" spc="-10" dirty="0">
+              <a:rPr sz="4400" b="1" spc="-10" dirty="0">
                 <a:latin typeface="Arial"/>
                 <a:cs typeface="Arial"/>
               </a:rPr>
               <a:t>i</a:t>
             </a:r>
             <a:r>
-              <a:rPr sz="4800" b="1" dirty="0">
+              <a:rPr sz="4400" b="1" dirty="0">
                 <a:latin typeface="Arial"/>
                 <a:cs typeface="Arial"/>
               </a:rPr>
               <a:t>c</a:t>
             </a:r>
             <a:r>
-              <a:rPr sz="4800" b="1" spc="-5" dirty="0">
+              <a:rPr sz="4400" b="1" spc="-5" dirty="0">
                 <a:latin typeface="Arial"/>
                 <a:cs typeface="Arial"/>
               </a:rPr>
               <a:t> </a:t>
             </a:r>
             <a:r>
-              <a:rPr sz="4800" dirty="0">
+              <a:rPr sz="4400" dirty="0">
                 <a:latin typeface="Arial"/>
                 <a:cs typeface="Arial"/>
               </a:rPr>
               <a:t>a</a:t>
             </a:r>
             <a:r>
-              <a:rPr sz="4800" spc="-5" dirty="0">
+              <a:rPr sz="4400" spc="-5" dirty="0">
                 <a:latin typeface="Arial"/>
                 <a:cs typeface="Arial"/>
               </a:rPr>
               <a:t> </a:t>
             </a:r>
             <a:r>
-              <a:rPr sz="4800" dirty="0">
+              <a:rPr sz="4400" dirty="0">
                 <a:latin typeface="Arial"/>
                 <a:cs typeface="Arial"/>
               </a:rPr>
               <a:t>pa</a:t>
             </a:r>
             <a:r>
-              <a:rPr sz="4800" spc="-5" dirty="0">
+              <a:rPr sz="4400" spc="-5" dirty="0">
                 <a:latin typeface="Arial"/>
                 <a:cs typeface="Arial"/>
               </a:rPr>
               <a:t>rt </a:t>
             </a:r>
             <a:r>
-              <a:rPr sz="4800" dirty="0">
+              <a:rPr sz="4400" dirty="0">
                 <a:latin typeface="Arial"/>
                 <a:cs typeface="Arial"/>
               </a:rPr>
               <a:t>o</a:t>
             </a:r>
             <a:r>
-              <a:rPr sz="4800" spc="-5" dirty="0">
+              <a:rPr sz="4400" spc="-5" dirty="0">
                 <a:latin typeface="Arial"/>
                 <a:cs typeface="Arial"/>
               </a:rPr>
               <a:t>f </a:t>
             </a:r>
             <a:r>
-              <a:rPr sz="4800" dirty="0">
+              <a:rPr sz="4400" dirty="0">
                 <a:latin typeface="Arial"/>
                 <a:cs typeface="Arial"/>
               </a:rPr>
               <a:t>your</a:t>
             </a:r>
             <a:r>
-              <a:rPr sz="4800" spc="-5" dirty="0">
+              <a:rPr sz="4400" spc="-5" dirty="0">
                 <a:latin typeface="Arial"/>
                 <a:cs typeface="Arial"/>
               </a:rPr>
               <a:t> </a:t>
             </a:r>
             <a:r>
-              <a:rPr sz="4800" b="1" spc="-5" dirty="0">
+              <a:rPr sz="4400" b="1" spc="-5" dirty="0">
                 <a:latin typeface="Arial"/>
                 <a:cs typeface="Arial"/>
               </a:rPr>
               <a:t>build </a:t>
             </a:r>
             <a:r>
-              <a:rPr sz="4800" b="1" spc="-10" dirty="0">
+              <a:rPr sz="4400" b="1" spc="-10" dirty="0">
                 <a:latin typeface="Arial"/>
                 <a:cs typeface="Arial"/>
               </a:rPr>
               <a:t>pipelin</a:t>
             </a:r>
             <a:r>
-              <a:rPr sz="4800" b="1" spc="-5" dirty="0">
+              <a:rPr sz="4400" b="1" spc="-5" dirty="0">
                 <a:latin typeface="Arial"/>
                 <a:cs typeface="Arial"/>
               </a:rPr>
               <a:t>e</a:t>
             </a:r>
             <a:r>
-              <a:rPr sz="4800" b="1" dirty="0">
+              <a:rPr sz="4400" b="1" dirty="0">
                 <a:latin typeface="Arial"/>
                 <a:cs typeface="Arial"/>
               </a:rPr>
               <a:t> </a:t>
             </a:r>
             <a:r>
-              <a:rPr sz="4800" spc="-5" dirty="0">
+              <a:rPr sz="4400" spc="-5" dirty="0">
                 <a:latin typeface="Arial"/>
                 <a:cs typeface="Arial"/>
               </a:rPr>
               <a:t>with </a:t>
             </a:r>
             <a:r>
-              <a:rPr sz="4800" dirty="0">
+              <a:rPr sz="4400" dirty="0">
                 <a:latin typeface="Arial"/>
                 <a:cs typeface="Arial"/>
               </a:rPr>
               <a:t>commi</a:t>
             </a:r>
             <a:r>
-              <a:rPr sz="4800" spc="-5" dirty="0">
+              <a:rPr sz="4400" spc="-5" dirty="0">
                 <a:latin typeface="Arial"/>
                 <a:cs typeface="Arial"/>
               </a:rPr>
               <a:t>t </a:t>
             </a:r>
             <a:r>
-              <a:rPr sz="4800" dirty="0">
+              <a:rPr sz="4400" dirty="0">
                 <a:latin typeface="Arial"/>
                 <a:cs typeface="Arial"/>
               </a:rPr>
               <a:t>hooks</a:t>
             </a:r>
             <a:r>
-              <a:rPr sz="4800" spc="-5" dirty="0">
+              <a:rPr sz="4400" spc="-5" dirty="0">
                 <a:latin typeface="Arial"/>
                 <a:cs typeface="Arial"/>
               </a:rPr>
               <a:t> </a:t>
             </a:r>
             <a:r>
-              <a:rPr sz="4800" dirty="0">
+              <a:rPr sz="4400" dirty="0">
                 <a:latin typeface="Arial"/>
                 <a:cs typeface="Arial"/>
               </a:rPr>
               <a:t>or</a:t>
             </a:r>
             <a:r>
-              <a:rPr sz="4800" spc="-5" dirty="0">
+              <a:rPr sz="4400" spc="-5" dirty="0">
                 <a:latin typeface="Arial"/>
                 <a:cs typeface="Arial"/>
               </a:rPr>
               <a:t> </a:t>
             </a:r>
             <a:r>
-              <a:rPr sz="4800" dirty="0">
+              <a:rPr sz="4400" dirty="0">
                 <a:latin typeface="Arial"/>
                 <a:cs typeface="Arial"/>
               </a:rPr>
               <a:t>o</a:t>
             </a:r>
             <a:r>
-              <a:rPr sz="4800" spc="-10" dirty="0">
+              <a:rPr sz="4400" spc="-10" dirty="0">
                 <a:latin typeface="Arial"/>
                 <a:cs typeface="Arial"/>
               </a:rPr>
               <a:t>t</a:t>
             </a:r>
             <a:r>
-              <a:rPr sz="4800" dirty="0">
+              <a:rPr sz="4400" dirty="0">
                 <a:latin typeface="Arial"/>
                 <a:cs typeface="Arial"/>
               </a:rPr>
               <a:t>her</a:t>
             </a:r>
             <a:r>
-              <a:rPr sz="4800" spc="-5" dirty="0">
+              <a:rPr sz="4400" spc="-5" dirty="0">
                 <a:latin typeface="Arial"/>
                 <a:cs typeface="Arial"/>
               </a:rPr>
               <a:t> </a:t>
             </a:r>
             <a:r>
-              <a:rPr sz="4800" dirty="0">
+              <a:rPr sz="4400" dirty="0">
                 <a:latin typeface="Arial"/>
                 <a:cs typeface="Arial"/>
               </a:rPr>
               <a:t>me</a:t>
             </a:r>
             <a:r>
-              <a:rPr sz="4800" spc="-10" dirty="0">
+              <a:rPr sz="4400" spc="-10" dirty="0">
                 <a:latin typeface="Arial"/>
                 <a:cs typeface="Arial"/>
               </a:rPr>
               <a:t>t</a:t>
             </a:r>
             <a:r>
-              <a:rPr sz="4800" dirty="0">
+              <a:rPr sz="4400" dirty="0">
                 <a:latin typeface="Arial"/>
                 <a:cs typeface="Arial"/>
               </a:rPr>
@@ -29241,380 +28602,404 @@
               </a:tabLst>
             </a:pPr>
             <a:r>
-              <a:rPr sz="4800" spc="-10" dirty="0">
+              <a:rPr sz="4400" spc="-10" dirty="0">
                 <a:latin typeface="Arial"/>
                 <a:cs typeface="Arial"/>
               </a:rPr>
               <a:t>T</a:t>
             </a:r>
             <a:r>
-              <a:rPr sz="4800" dirty="0">
+              <a:rPr sz="4400" dirty="0">
                 <a:latin typeface="Arial"/>
                 <a:cs typeface="Arial"/>
               </a:rPr>
               <a:t>he</a:t>
             </a:r>
             <a:r>
-              <a:rPr sz="4800" spc="-5" dirty="0">
+              <a:rPr sz="4400" spc="-5" dirty="0">
                 <a:latin typeface="Arial"/>
                 <a:cs typeface="Arial"/>
               </a:rPr>
               <a:t> </a:t>
             </a:r>
             <a:r>
-              <a:rPr sz="4800" spc="-10" dirty="0">
+              <a:rPr sz="4400" spc="-10" dirty="0">
                 <a:latin typeface="Arial"/>
                 <a:cs typeface="Arial"/>
               </a:rPr>
               <a:t>F</a:t>
             </a:r>
             <a:r>
-              <a:rPr sz="4800" dirty="0">
+              <a:rPr sz="4400" dirty="0">
                 <a:latin typeface="Arial"/>
                 <a:cs typeface="Arial"/>
               </a:rPr>
               <a:t>oodcri</a:t>
             </a:r>
             <a:r>
-              <a:rPr sz="4800" spc="-10" dirty="0">
+              <a:rPr sz="4400" spc="-10" dirty="0">
                 <a:latin typeface="Arial"/>
                 <a:cs typeface="Arial"/>
               </a:rPr>
               <a:t>t</a:t>
             </a:r>
             <a:r>
-              <a:rPr sz="4800" dirty="0">
+              <a:rPr sz="4400" dirty="0">
                 <a:latin typeface="Arial"/>
                 <a:cs typeface="Arial"/>
               </a:rPr>
               <a:t>ic</a:t>
             </a:r>
             <a:r>
-              <a:rPr sz="4800" spc="-5" dirty="0">
+              <a:rPr sz="4400" spc="-5" dirty="0">
                 <a:latin typeface="Arial"/>
                 <a:cs typeface="Arial"/>
               </a:rPr>
               <a:t> </a:t>
             </a:r>
             <a:r>
-              <a:rPr sz="4800" dirty="0">
+              <a:rPr sz="4400" dirty="0">
                 <a:latin typeface="Arial"/>
                 <a:cs typeface="Arial"/>
               </a:rPr>
               <a:t>web</a:t>
             </a:r>
             <a:r>
-              <a:rPr sz="4800" spc="-5" dirty="0">
+              <a:rPr sz="4400" spc="-5" dirty="0">
                 <a:latin typeface="Arial"/>
                 <a:cs typeface="Arial"/>
               </a:rPr>
               <a:t> </a:t>
             </a:r>
             <a:r>
-              <a:rPr sz="4800" dirty="0">
+              <a:rPr sz="4400" dirty="0">
                 <a:latin typeface="Arial"/>
                 <a:cs typeface="Arial"/>
               </a:rPr>
               <a:t>page</a:t>
             </a:r>
             <a:r>
-              <a:rPr sz="4800" spc="-5" dirty="0">
+              <a:rPr sz="4400" spc="-5" dirty="0">
                 <a:latin typeface="Arial"/>
                 <a:cs typeface="Arial"/>
               </a:rPr>
               <a:t> </a:t>
             </a:r>
             <a:r>
-              <a:rPr sz="4800" dirty="0">
+              <a:rPr sz="4400" dirty="0">
                 <a:latin typeface="Arial"/>
                 <a:cs typeface="Arial"/>
               </a:rPr>
               <a:t>has</a:t>
             </a:r>
             <a:r>
-              <a:rPr sz="4800" spc="-5" dirty="0">
+              <a:rPr sz="4400" spc="-5" dirty="0">
                 <a:latin typeface="Arial"/>
                 <a:cs typeface="Arial"/>
               </a:rPr>
               <a:t> </a:t>
             </a:r>
             <a:r>
-              <a:rPr sz="4800" dirty="0">
+              <a:rPr sz="4400" dirty="0">
                 <a:latin typeface="Arial"/>
                 <a:cs typeface="Arial"/>
               </a:rPr>
               <a:t>e</a:t>
             </a:r>
             <a:r>
-              <a:rPr sz="4800" spc="-5" dirty="0">
+              <a:rPr sz="4400" spc="-5" dirty="0">
                 <a:latin typeface="Arial"/>
                 <a:cs typeface="Arial"/>
               </a:rPr>
               <a:t>x</a:t>
             </a:r>
             <a:r>
-              <a:rPr sz="4800" spc="-10" dirty="0">
+              <a:rPr sz="4400" spc="-10" dirty="0">
                 <a:latin typeface="Arial"/>
                 <a:cs typeface="Arial"/>
               </a:rPr>
               <a:t>t</a:t>
             </a:r>
             <a:r>
-              <a:rPr sz="4800" dirty="0">
+              <a:rPr sz="4400" dirty="0">
                 <a:latin typeface="Arial"/>
                 <a:cs typeface="Arial"/>
               </a:rPr>
               <a:t>ensive documen</a:t>
             </a:r>
             <a:r>
-              <a:rPr sz="4800" spc="-10" dirty="0">
+              <a:rPr sz="4400" spc="-10" dirty="0">
                 <a:latin typeface="Arial"/>
                 <a:cs typeface="Arial"/>
               </a:rPr>
               <a:t>t</a:t>
             </a:r>
             <a:r>
-              <a:rPr sz="4800" dirty="0">
+              <a:rPr sz="4400" dirty="0">
                 <a:latin typeface="Arial"/>
                 <a:cs typeface="Arial"/>
               </a:rPr>
               <a:t>a</a:t>
             </a:r>
             <a:r>
-              <a:rPr sz="4800" spc="-10" dirty="0">
+              <a:rPr sz="4400" spc="-10" dirty="0">
                 <a:latin typeface="Arial"/>
                 <a:cs typeface="Arial"/>
               </a:rPr>
               <a:t>t</a:t>
             </a:r>
             <a:r>
-              <a:rPr sz="4800" dirty="0">
+              <a:rPr sz="4400" dirty="0">
                 <a:latin typeface="Arial"/>
                 <a:cs typeface="Arial"/>
               </a:rPr>
               <a:t>ion</a:t>
             </a:r>
             <a:r>
-              <a:rPr sz="4800" spc="-5" dirty="0">
+              <a:rPr sz="4400" spc="-5" dirty="0">
                 <a:latin typeface="Arial"/>
                 <a:cs typeface="Arial"/>
               </a:rPr>
               <a:t> </a:t>
             </a:r>
             <a:r>
-              <a:rPr sz="4800" dirty="0">
+              <a:rPr sz="4400" dirty="0">
                 <a:latin typeface="Arial"/>
                 <a:cs typeface="Arial"/>
               </a:rPr>
               <a:t>&amp;</a:t>
             </a:r>
             <a:r>
-              <a:rPr sz="4800" spc="-5" dirty="0">
+              <a:rPr sz="4400" spc="-5" dirty="0">
                 <a:latin typeface="Arial"/>
                 <a:cs typeface="Arial"/>
               </a:rPr>
               <a:t> </a:t>
             </a:r>
             <a:r>
-              <a:rPr sz="4800" dirty="0">
+              <a:rPr sz="4400" dirty="0">
                 <a:latin typeface="Arial"/>
                 <a:cs typeface="Arial"/>
               </a:rPr>
               <a:t>examples</a:t>
             </a:r>
             <a:r>
-              <a:rPr sz="4800" spc="-5" dirty="0">
+              <a:rPr sz="4400" spc="-5" dirty="0">
                 <a:latin typeface="Arial"/>
                 <a:cs typeface="Arial"/>
               </a:rPr>
               <a:t> </a:t>
             </a:r>
             <a:r>
-              <a:rPr sz="4800" dirty="0">
+              <a:rPr sz="4400" dirty="0">
                 <a:latin typeface="Arial"/>
                 <a:cs typeface="Arial"/>
               </a:rPr>
               <a:t>showing</a:t>
             </a:r>
             <a:r>
-              <a:rPr sz="4800" spc="-5" dirty="0">
+              <a:rPr sz="4400" spc="-5" dirty="0">
                 <a:latin typeface="Arial"/>
                 <a:cs typeface="Arial"/>
               </a:rPr>
               <a:t> </a:t>
             </a:r>
             <a:r>
-              <a:rPr sz="4800" dirty="0">
+              <a:rPr sz="4400" dirty="0">
                 <a:latin typeface="Arial"/>
                 <a:cs typeface="Arial"/>
               </a:rPr>
               <a:t>how</a:t>
             </a:r>
             <a:r>
-              <a:rPr sz="4800" spc="-5" dirty="0">
+              <a:rPr sz="4400" spc="-5" dirty="0">
                 <a:latin typeface="Arial"/>
                 <a:cs typeface="Arial"/>
               </a:rPr>
               <a:t> </a:t>
             </a:r>
             <a:r>
-              <a:rPr sz="4800" spc="-10" dirty="0">
+              <a:rPr sz="4400" spc="-10" dirty="0">
                 <a:latin typeface="Arial"/>
                 <a:cs typeface="Arial"/>
               </a:rPr>
               <a:t>t</a:t>
             </a:r>
             <a:r>
-              <a:rPr sz="4800" dirty="0">
+              <a:rPr sz="4400" dirty="0">
                 <a:latin typeface="Arial"/>
                 <a:cs typeface="Arial"/>
               </a:rPr>
               <a:t>o</a:t>
             </a:r>
             <a:r>
-              <a:rPr sz="4800" spc="-5" dirty="0">
+              <a:rPr sz="4400" spc="-5" dirty="0">
                 <a:latin typeface="Arial"/>
                 <a:cs typeface="Arial"/>
               </a:rPr>
               <a:t> </a:t>
             </a:r>
             <a:r>
-              <a:rPr sz="4800" dirty="0">
+              <a:rPr sz="4400" dirty="0">
                 <a:latin typeface="Arial"/>
                 <a:cs typeface="Arial"/>
               </a:rPr>
               <a:t>build </a:t>
             </a:r>
             <a:r>
-              <a:rPr sz="4800" spc="-10" dirty="0">
+              <a:rPr sz="4400" spc="-10" dirty="0">
                 <a:latin typeface="Arial"/>
                 <a:cs typeface="Arial"/>
               </a:rPr>
               <a:t>F</a:t>
             </a:r>
             <a:r>
-              <a:rPr sz="4800" dirty="0">
+              <a:rPr sz="4400" dirty="0">
                 <a:latin typeface="Arial"/>
                 <a:cs typeface="Arial"/>
               </a:rPr>
               <a:t>oodcri</a:t>
             </a:r>
             <a:r>
-              <a:rPr sz="4800" spc="-10" dirty="0">
+              <a:rPr sz="4400" spc="-10" dirty="0">
                 <a:latin typeface="Arial"/>
                 <a:cs typeface="Arial"/>
               </a:rPr>
               <a:t>t</a:t>
             </a:r>
             <a:r>
-              <a:rPr sz="4800" dirty="0">
+              <a:rPr sz="4400" dirty="0">
                 <a:latin typeface="Arial"/>
                 <a:cs typeface="Arial"/>
               </a:rPr>
               <a:t>ic</a:t>
             </a:r>
             <a:r>
-              <a:rPr sz="4800" spc="-5" dirty="0">
+              <a:rPr sz="4400" spc="-5" dirty="0">
                 <a:latin typeface="Arial"/>
                 <a:cs typeface="Arial"/>
               </a:rPr>
               <a:t> </a:t>
             </a:r>
             <a:r>
-              <a:rPr sz="4800" dirty="0">
+              <a:rPr sz="4400" dirty="0">
                 <a:latin typeface="Arial"/>
                 <a:cs typeface="Arial"/>
               </a:rPr>
               <a:t>rules</a:t>
             </a:r>
             <a:r>
-              <a:rPr sz="4800" spc="-5" dirty="0">
+              <a:rPr sz="4400" spc="-5" dirty="0">
                 <a:latin typeface="Arial"/>
                 <a:cs typeface="Arial"/>
               </a:rPr>
               <a:t> </a:t>
             </a:r>
             <a:r>
-              <a:rPr sz="4800" dirty="0">
+              <a:rPr sz="4400" dirty="0">
                 <a:latin typeface="Arial"/>
                 <a:cs typeface="Arial"/>
               </a:rPr>
               <a:t>in</a:t>
             </a:r>
             <a:r>
-              <a:rPr sz="4800" spc="-10" dirty="0">
+              <a:rPr sz="4400" spc="-10" dirty="0">
                 <a:latin typeface="Arial"/>
                 <a:cs typeface="Arial"/>
               </a:rPr>
               <a:t>t</a:t>
             </a:r>
             <a:r>
-              <a:rPr sz="4800" dirty="0">
+              <a:rPr sz="4400" dirty="0">
                 <a:latin typeface="Arial"/>
                 <a:cs typeface="Arial"/>
               </a:rPr>
               <a:t>o</a:t>
             </a:r>
             <a:r>
-              <a:rPr sz="4800" spc="-5" dirty="0">
+              <a:rPr sz="4400" spc="-5" dirty="0">
                 <a:latin typeface="Arial"/>
                 <a:cs typeface="Arial"/>
               </a:rPr>
               <a:t> </a:t>
             </a:r>
             <a:r>
-              <a:rPr sz="4800" dirty="0">
+              <a:rPr sz="4400" dirty="0">
                 <a:latin typeface="Arial"/>
                 <a:cs typeface="Arial"/>
               </a:rPr>
               <a:t>Jenkins</a:t>
             </a:r>
             <a:r>
-              <a:rPr sz="4800" spc="-5" dirty="0">
+              <a:rPr sz="4400" spc="-5" dirty="0">
                 <a:latin typeface="Arial"/>
                 <a:cs typeface="Arial"/>
               </a:rPr>
               <a:t> </a:t>
             </a:r>
             <a:r>
-              <a:rPr sz="4800" dirty="0">
+              <a:rPr sz="4400" dirty="0">
                 <a:latin typeface="Arial"/>
                 <a:cs typeface="Arial"/>
               </a:rPr>
               <a:t>or</a:t>
             </a:r>
             <a:r>
-              <a:rPr sz="4800" spc="-90" dirty="0">
+              <a:rPr sz="4400" spc="-90" dirty="0">
                 <a:latin typeface="Arial"/>
                 <a:cs typeface="Arial"/>
               </a:rPr>
               <a:t> </a:t>
             </a:r>
             <a:r>
-              <a:rPr sz="4800" spc="-185" dirty="0">
+              <a:rPr sz="4400" spc="-185" dirty="0">
                 <a:latin typeface="Arial"/>
                 <a:cs typeface="Arial"/>
               </a:rPr>
               <a:t>T</a:t>
             </a:r>
             <a:r>
-              <a:rPr sz="4800" dirty="0">
+              <a:rPr sz="4400" dirty="0">
                 <a:latin typeface="Arial"/>
                 <a:cs typeface="Arial"/>
               </a:rPr>
               <a:t>ravis-C</a:t>
             </a:r>
             <a:r>
-              <a:rPr sz="4800" spc="-5" dirty="0">
+              <a:rPr sz="4400" spc="-5" dirty="0">
                 <a:latin typeface="Arial"/>
                 <a:cs typeface="Arial"/>
               </a:rPr>
               <a:t>I</a:t>
             </a:r>
-            <a:endParaRPr sz="4800" dirty="0">
+            <a:endParaRPr sz="4400" dirty="0">
               <a:latin typeface="Arial"/>
               <a:cs typeface="Arial"/>
             </a:endParaRPr>
+          </a:p>
+        </p:txBody>
+      </p:sp>
+      <p:sp>
+        <p:nvSpPr>
+          <p:cNvPr id="4" name="Slide Number Placeholder 3"/>
+          <p:cNvSpPr>
+            <a:spLocks noGrp="1"/>
+          </p:cNvSpPr>
+          <p:nvPr>
+            <p:ph type="sldNum" sz="quarter" idx="10"/>
+          </p:nvPr>
+        </p:nvSpPr>
+        <p:spPr/>
+        <p:txBody>
+          <a:bodyPr/>
+          <a:lstStyle/>
+          <a:p>
+            <a:fld id="{F32B063D-AEFC-43D4-892A-5496DB603272}" type="slidenum">
+              <a:rPr lang="en-US" smtClean="0"/>
+              <a:pPr/>
+              <a:t>14</a:t>
+            </a:fld>
+            <a:endParaRPr lang="en-US" dirty="0"/>
           </a:p>
         </p:txBody>
       </p:sp>
@@ -32671,44 +32056,6 @@
       </p:sp>
       <p:sp>
         <p:nvSpPr>
-          <p:cNvPr id="41" name="object 41"/>
-          <p:cNvSpPr txBox="1">
-            <a:spLocks noGrp="1"/>
-          </p:cNvSpPr>
-          <p:nvPr>
-            <p:ph type="sldNum" sz="quarter" idx="12"/>
-          </p:nvPr>
-        </p:nvSpPr>
-        <p:spPr>
-          <a:xfrm>
-            <a:off x="7988999" y="8860816"/>
-            <a:ext cx="241300" cy="215444"/>
-          </a:xfrm>
-          <a:prstGeom prst="rect">
-            <a:avLst/>
-          </a:prstGeom>
-        </p:spPr>
-        <p:txBody>
-          <a:bodyPr vert="horz" wrap="square" lIns="0" tIns="0" rIns="0" bIns="0" rtlCol="0">
-            <a:spAutoFit/>
-          </a:bodyPr>
-          <a:lstStyle/>
-          <a:p>
-            <a:pPr marL="25400">
-              <a:lnSpc>
-                <a:spcPct val="100000"/>
-              </a:lnSpc>
-            </a:pPr>
-            <a:fld id="{81D60167-4931-47E6-BA6A-407CBD079E47}" type="slidenum">
-              <a:rPr sz="1400" dirty="0"/>
-              <a:t>2</a:t>
-            </a:fld>
-            <a:endParaRPr sz="1400" dirty="0"/>
-          </a:p>
-        </p:txBody>
-      </p:sp>
-      <p:sp>
-        <p:nvSpPr>
           <p:cNvPr id="40" name="object 40"/>
           <p:cNvSpPr txBox="1"/>
           <p:nvPr/>
@@ -33011,6 +32358,30 @@
               <a:latin typeface="Arial"/>
               <a:cs typeface="Arial"/>
             </a:endParaRPr>
+          </a:p>
+        </p:txBody>
+      </p:sp>
+      <p:sp>
+        <p:nvSpPr>
+          <p:cNvPr id="38" name="Slide Number Placeholder 37"/>
+          <p:cNvSpPr>
+            <a:spLocks noGrp="1"/>
+          </p:cNvSpPr>
+          <p:nvPr>
+            <p:ph type="sldNum" sz="quarter" idx="10"/>
+          </p:nvPr>
+        </p:nvSpPr>
+        <p:spPr/>
+        <p:txBody>
+          <a:bodyPr/>
+          <a:lstStyle/>
+          <a:p>
+            <a:fld id="{F32B063D-AEFC-43D4-892A-5496DB603272}" type="slidenum">
+              <a:rPr lang="en-US" smtClean="0"/>
+              <a:pPr/>
+              <a:t>2</a:t>
+            </a:fld>
+            <a:endParaRPr lang="en-US" dirty="0"/>
           </a:p>
         </p:txBody>
       </p:sp>
@@ -36023,6 +35394,10 @@
           </p:nvPr>
         </p:nvSpPr>
         <p:spPr>
+          <a:xfrm>
+            <a:off x="825500" y="305359"/>
+            <a:ext cx="14605000" cy="939800"/>
+          </a:xfrm>
           <a:prstGeom prst="rect">
             <a:avLst/>
           </a:prstGeom>
@@ -36583,6 +35958,30 @@
           <a:lstStyle/>
           <a:p>
             <a:endParaRPr dirty="0"/>
+          </a:p>
+        </p:txBody>
+      </p:sp>
+      <p:sp>
+        <p:nvSpPr>
+          <p:cNvPr id="44" name="Slide Number Placeholder 43"/>
+          <p:cNvSpPr>
+            <a:spLocks noGrp="1"/>
+          </p:cNvSpPr>
+          <p:nvPr>
+            <p:ph type="sldNum" sz="quarter" idx="10"/>
+          </p:nvPr>
+        </p:nvSpPr>
+        <p:spPr/>
+        <p:txBody>
+          <a:bodyPr/>
+          <a:lstStyle/>
+          <a:p>
+            <a:fld id="{F32B063D-AEFC-43D4-892A-5496DB603272}" type="slidenum">
+              <a:rPr lang="en-US" smtClean="0"/>
+              <a:pPr/>
+              <a:t>3</a:t>
+            </a:fld>
+            <a:endParaRPr lang="en-US" dirty="0"/>
           </a:p>
         </p:txBody>
       </p:sp>
@@ -39326,6 +38725,10 @@
           </p:nvPr>
         </p:nvSpPr>
         <p:spPr>
+          <a:xfrm>
+            <a:off x="825500" y="305359"/>
+            <a:ext cx="14605000" cy="939800"/>
+          </a:xfrm>
           <a:prstGeom prst="rect">
             <a:avLst/>
           </a:prstGeom>
@@ -40347,6 +39750,30 @@
               <a:latin typeface="Arial"/>
               <a:cs typeface="Arial"/>
             </a:endParaRPr>
+          </a:p>
+        </p:txBody>
+      </p:sp>
+      <p:sp>
+        <p:nvSpPr>
+          <p:cNvPr id="38" name="Slide Number Placeholder 37"/>
+          <p:cNvSpPr>
+            <a:spLocks noGrp="1"/>
+          </p:cNvSpPr>
+          <p:nvPr>
+            <p:ph type="sldNum" sz="quarter" idx="10"/>
+          </p:nvPr>
+        </p:nvSpPr>
+        <p:spPr/>
+        <p:txBody>
+          <a:bodyPr/>
+          <a:lstStyle/>
+          <a:p>
+            <a:fld id="{F32B063D-AEFC-43D4-892A-5496DB603272}" type="slidenum">
+              <a:rPr lang="en-US" smtClean="0"/>
+              <a:pPr/>
+              <a:t>4</a:t>
+            </a:fld>
+            <a:endParaRPr lang="en-US" dirty="0"/>
           </a:p>
         </p:txBody>
       </p:sp>
@@ -43354,6 +42781,10 @@
           </p:nvPr>
         </p:nvSpPr>
         <p:spPr>
+          <a:xfrm>
+            <a:off x="825500" y="305359"/>
+            <a:ext cx="14605000" cy="939800"/>
+          </a:xfrm>
           <a:prstGeom prst="rect">
             <a:avLst/>
           </a:prstGeom>
@@ -44149,6 +43580,30 @@
           <a:lstStyle/>
           <a:p>
             <a:endParaRPr dirty="0"/>
+          </a:p>
+        </p:txBody>
+      </p:sp>
+      <p:sp>
+        <p:nvSpPr>
+          <p:cNvPr id="38" name="Slide Number Placeholder 37"/>
+          <p:cNvSpPr>
+            <a:spLocks noGrp="1"/>
+          </p:cNvSpPr>
+          <p:nvPr>
+            <p:ph type="sldNum" sz="quarter" idx="10"/>
+          </p:nvPr>
+        </p:nvSpPr>
+        <p:spPr/>
+        <p:txBody>
+          <a:bodyPr/>
+          <a:lstStyle/>
+          <a:p>
+            <a:fld id="{F32B063D-AEFC-43D4-892A-5496DB603272}" type="slidenum">
+              <a:rPr lang="en-US" smtClean="0"/>
+              <a:pPr/>
+              <a:t>5</a:t>
+            </a:fld>
+            <a:endParaRPr lang="en-US" dirty="0"/>
           </a:p>
         </p:txBody>
       </p:sp>
@@ -47273,280 +46728,280 @@
               </a:tabLst>
             </a:pPr>
             <a:r>
-              <a:rPr sz="4800" spc="-10" dirty="0">
+              <a:rPr sz="4400" spc="-10" dirty="0">
                 <a:latin typeface="Arial"/>
                 <a:cs typeface="Arial"/>
               </a:rPr>
               <a:t>T</a:t>
             </a:r>
             <a:r>
-              <a:rPr sz="4800" dirty="0">
+              <a:rPr sz="4400" dirty="0">
                 <a:latin typeface="Arial"/>
                 <a:cs typeface="Arial"/>
               </a:rPr>
               <a:t>here</a:t>
             </a:r>
             <a:r>
-              <a:rPr sz="4800" spc="-5" dirty="0">
+              <a:rPr sz="4400" spc="-5" dirty="0">
                 <a:latin typeface="Arial"/>
                 <a:cs typeface="Arial"/>
               </a:rPr>
               <a:t> </a:t>
             </a:r>
             <a:r>
-              <a:rPr sz="4800" dirty="0">
+              <a:rPr sz="4400" dirty="0">
                 <a:latin typeface="Arial"/>
                 <a:cs typeface="Arial"/>
               </a:rPr>
               <a:t>are</a:t>
             </a:r>
             <a:r>
-              <a:rPr sz="4800" spc="-5" dirty="0">
+              <a:rPr sz="4400" spc="-5" dirty="0">
                 <a:latin typeface="Arial"/>
                 <a:cs typeface="Arial"/>
               </a:rPr>
               <a:t> </a:t>
             </a:r>
             <a:r>
-              <a:rPr sz="4800" dirty="0">
+              <a:rPr sz="4400" dirty="0">
                 <a:latin typeface="Arial"/>
                 <a:cs typeface="Arial"/>
               </a:rPr>
               <a:t>50+</a:t>
             </a:r>
             <a:r>
-              <a:rPr sz="4800" spc="-5" dirty="0">
+              <a:rPr sz="4400" spc="-5" dirty="0">
                 <a:latin typeface="Arial"/>
                 <a:cs typeface="Arial"/>
               </a:rPr>
               <a:t> </a:t>
             </a:r>
             <a:r>
-              <a:rPr sz="4800" dirty="0">
+              <a:rPr sz="4400" dirty="0">
                 <a:latin typeface="Arial"/>
                 <a:cs typeface="Arial"/>
               </a:rPr>
               <a:t>rules</a:t>
             </a:r>
             <a:r>
-              <a:rPr sz="4800" spc="-5" dirty="0">
+              <a:rPr sz="4400" spc="-5" dirty="0">
                 <a:latin typeface="Arial"/>
                 <a:cs typeface="Arial"/>
               </a:rPr>
               <a:t> </a:t>
             </a:r>
             <a:r>
-              <a:rPr sz="4800" dirty="0">
+              <a:rPr sz="4400" dirty="0">
                 <a:latin typeface="Arial"/>
                 <a:cs typeface="Arial"/>
               </a:rPr>
               <a:t>in</a:t>
             </a:r>
             <a:r>
-              <a:rPr sz="4800" spc="-5" dirty="0">
+              <a:rPr sz="4400" spc="-5" dirty="0">
                 <a:latin typeface="Arial"/>
                 <a:cs typeface="Arial"/>
               </a:rPr>
               <a:t> </a:t>
             </a:r>
             <a:r>
-              <a:rPr sz="4800" spc="-10" dirty="0">
+              <a:rPr sz="4400" spc="-10" dirty="0">
                 <a:latin typeface="Arial"/>
                 <a:cs typeface="Arial"/>
               </a:rPr>
               <a:t>F</a:t>
             </a:r>
             <a:r>
-              <a:rPr sz="4800" dirty="0">
+              <a:rPr sz="4400" dirty="0">
                 <a:latin typeface="Arial"/>
                 <a:cs typeface="Arial"/>
               </a:rPr>
               <a:t>oodcri</a:t>
             </a:r>
             <a:r>
-              <a:rPr sz="4800" spc="-10" dirty="0">
+              <a:rPr sz="4400" spc="-10" dirty="0">
                 <a:latin typeface="Arial"/>
                 <a:cs typeface="Arial"/>
               </a:rPr>
               <a:t>t</a:t>
             </a:r>
             <a:r>
-              <a:rPr sz="4800" dirty="0">
+              <a:rPr sz="4400" dirty="0">
                 <a:latin typeface="Arial"/>
                 <a:cs typeface="Arial"/>
               </a:rPr>
               <a:t>i</a:t>
             </a:r>
             <a:r>
-              <a:rPr sz="4800" spc="-5" dirty="0">
+              <a:rPr sz="4400" spc="-5" dirty="0">
                 <a:latin typeface="Arial"/>
                 <a:cs typeface="Arial"/>
               </a:rPr>
               <a:t>c; </a:t>
             </a:r>
             <a:r>
-              <a:rPr sz="4800" dirty="0">
+              <a:rPr sz="4400" dirty="0">
                 <a:latin typeface="Arial"/>
                 <a:cs typeface="Arial"/>
               </a:rPr>
               <a:t>your</a:t>
             </a:r>
             <a:r>
-              <a:rPr sz="4800" spc="-5" dirty="0">
+              <a:rPr sz="4400" spc="-5" dirty="0">
                 <a:latin typeface="Arial"/>
                 <a:cs typeface="Arial"/>
               </a:rPr>
               <a:t> </a:t>
             </a:r>
             <a:r>
-              <a:rPr sz="4800" dirty="0">
+              <a:rPr sz="4400" dirty="0">
                 <a:latin typeface="Arial"/>
                 <a:cs typeface="Arial"/>
               </a:rPr>
               <a:t>cookbooks should</a:t>
             </a:r>
             <a:r>
-              <a:rPr sz="4800" spc="-5" dirty="0">
+              <a:rPr sz="4400" spc="-5" dirty="0">
                 <a:latin typeface="Arial"/>
                 <a:cs typeface="Arial"/>
               </a:rPr>
               <a:t> </a:t>
             </a:r>
             <a:r>
-              <a:rPr sz="4800" dirty="0">
+              <a:rPr sz="4400" dirty="0">
                 <a:latin typeface="Arial"/>
                 <a:cs typeface="Arial"/>
               </a:rPr>
               <a:t>pass</a:t>
             </a:r>
             <a:r>
-              <a:rPr sz="4800" spc="-5" dirty="0">
+              <a:rPr sz="4400" spc="-5" dirty="0">
                 <a:latin typeface="Arial"/>
                 <a:cs typeface="Arial"/>
               </a:rPr>
               <a:t> </a:t>
             </a:r>
             <a:r>
-              <a:rPr sz="4800" spc="-10" dirty="0">
+              <a:rPr sz="4400" spc="-10" dirty="0">
                 <a:latin typeface="Arial"/>
                 <a:cs typeface="Arial"/>
               </a:rPr>
               <a:t>t</a:t>
             </a:r>
             <a:r>
-              <a:rPr sz="4800" dirty="0">
+              <a:rPr sz="4400" dirty="0">
                 <a:latin typeface="Arial"/>
                 <a:cs typeface="Arial"/>
               </a:rPr>
               <a:t>hem</a:t>
             </a:r>
             <a:r>
-              <a:rPr sz="4800" spc="-5" dirty="0">
+              <a:rPr sz="4400" spc="-5" dirty="0">
                 <a:latin typeface="Arial"/>
                 <a:cs typeface="Arial"/>
               </a:rPr>
               <a:t> </a:t>
             </a:r>
             <a:r>
-              <a:rPr sz="4800" dirty="0">
+              <a:rPr sz="4400" dirty="0">
                 <a:latin typeface="Arial"/>
                 <a:cs typeface="Arial"/>
               </a:rPr>
               <a:t>(or</a:t>
             </a:r>
             <a:r>
-              <a:rPr sz="4800" spc="-5" dirty="0">
+              <a:rPr sz="4400" spc="-5" dirty="0">
                 <a:latin typeface="Arial"/>
                 <a:cs typeface="Arial"/>
               </a:rPr>
               <a:t> </a:t>
             </a:r>
             <a:r>
-              <a:rPr sz="4800" dirty="0">
+              <a:rPr sz="4400" dirty="0">
                 <a:latin typeface="Arial"/>
                 <a:cs typeface="Arial"/>
               </a:rPr>
               <a:t>have</a:t>
             </a:r>
             <a:r>
-              <a:rPr sz="4800" spc="-5" dirty="0">
+              <a:rPr sz="4400" spc="-5" dirty="0">
                 <a:latin typeface="Arial"/>
                 <a:cs typeface="Arial"/>
               </a:rPr>
               <a:t> </a:t>
             </a:r>
             <a:r>
-              <a:rPr sz="4800" dirty="0">
+              <a:rPr sz="4400" dirty="0">
                 <a:latin typeface="Arial"/>
                 <a:cs typeface="Arial"/>
               </a:rPr>
               <a:t>a</a:t>
             </a:r>
             <a:r>
-              <a:rPr sz="4800" spc="-5" dirty="0">
+              <a:rPr sz="4400" spc="-5" dirty="0">
                 <a:latin typeface="Arial"/>
                 <a:cs typeface="Arial"/>
               </a:rPr>
               <a:t> </a:t>
             </a:r>
             <a:r>
-              <a:rPr sz="4800" dirty="0">
+              <a:rPr sz="4400" dirty="0">
                 <a:latin typeface="Arial"/>
                 <a:cs typeface="Arial"/>
               </a:rPr>
               <a:t>good</a:t>
             </a:r>
             <a:r>
-              <a:rPr sz="4800" spc="-5" dirty="0">
+              <a:rPr sz="4400" spc="-5" dirty="0">
                 <a:latin typeface="Arial"/>
                 <a:cs typeface="Arial"/>
               </a:rPr>
               <a:t> </a:t>
             </a:r>
             <a:r>
-              <a:rPr sz="4800" dirty="0">
+              <a:rPr sz="4400" dirty="0">
                 <a:latin typeface="Arial"/>
                 <a:cs typeface="Arial"/>
               </a:rPr>
               <a:t>reason</a:t>
             </a:r>
             <a:r>
-              <a:rPr sz="4800" spc="-5" dirty="0">
+              <a:rPr sz="4400" spc="-5" dirty="0">
                 <a:latin typeface="Arial"/>
                 <a:cs typeface="Arial"/>
               </a:rPr>
               <a:t> </a:t>
             </a:r>
             <a:r>
-              <a:rPr lang="en-US" sz="4800" spc="-10" dirty="0" smtClean="0">
+              <a:rPr lang="en-US" sz="4400" spc="-10" dirty="0" smtClean="0">
                 <a:latin typeface="Arial"/>
                 <a:cs typeface="Arial"/>
               </a:rPr>
               <a:t>if they do</a:t>
             </a:r>
             <a:r>
-              <a:rPr sz="4800" spc="-5" dirty="0" smtClean="0">
+              <a:rPr sz="4400" spc="-5" dirty="0" smtClean="0">
                 <a:latin typeface="Arial"/>
                 <a:cs typeface="Arial"/>
               </a:rPr>
               <a:t> </a:t>
             </a:r>
             <a:r>
-              <a:rPr sz="4800" dirty="0">
+              <a:rPr sz="4400" dirty="0">
                 <a:latin typeface="Arial"/>
                 <a:cs typeface="Arial"/>
               </a:rPr>
               <a:t>no</a:t>
             </a:r>
             <a:r>
-              <a:rPr sz="4800" spc="-10" dirty="0">
+              <a:rPr sz="4400" spc="-10" dirty="0">
                 <a:latin typeface="Arial"/>
                 <a:cs typeface="Arial"/>
               </a:rPr>
               <a:t>t</a:t>
             </a:r>
             <a:r>
-              <a:rPr sz="4800" dirty="0">
+              <a:rPr sz="4400" dirty="0">
                 <a:latin typeface="Arial"/>
                 <a:cs typeface="Arial"/>
               </a:rPr>
@@ -47570,111 +47025,111 @@
               </a:tabLst>
             </a:pPr>
             <a:r>
-              <a:rPr sz="4800" spc="-445" dirty="0">
+              <a:rPr sz="4400" spc="-445" dirty="0">
                 <a:latin typeface="Arial"/>
                 <a:cs typeface="Arial"/>
               </a:rPr>
               <a:t>Y</a:t>
             </a:r>
             <a:r>
-              <a:rPr sz="4800" dirty="0">
+              <a:rPr sz="4400" dirty="0">
                 <a:latin typeface="Arial"/>
                 <a:cs typeface="Arial"/>
               </a:rPr>
               <a:t>ou</a:t>
             </a:r>
             <a:r>
-              <a:rPr sz="4800" spc="-5" dirty="0">
+              <a:rPr sz="4400" spc="-5" dirty="0">
                 <a:latin typeface="Arial"/>
                 <a:cs typeface="Arial"/>
               </a:rPr>
               <a:t> </a:t>
             </a:r>
             <a:r>
-              <a:rPr sz="4800" dirty="0">
+              <a:rPr sz="4400" dirty="0">
                 <a:latin typeface="Arial"/>
                 <a:cs typeface="Arial"/>
               </a:rPr>
               <a:t>can</a:t>
             </a:r>
             <a:r>
-              <a:rPr sz="4800" spc="-5" dirty="0">
+              <a:rPr sz="4400" spc="-5" dirty="0">
                 <a:latin typeface="Arial"/>
                 <a:cs typeface="Arial"/>
               </a:rPr>
               <a:t> </a:t>
             </a:r>
             <a:r>
-              <a:rPr sz="4800" dirty="0">
+              <a:rPr sz="4400" dirty="0">
                 <a:latin typeface="Arial"/>
                 <a:cs typeface="Arial"/>
               </a:rPr>
               <a:t>wri</a:t>
             </a:r>
             <a:r>
-              <a:rPr sz="4800" spc="-10" dirty="0">
+              <a:rPr sz="4400" spc="-10" dirty="0">
                 <a:latin typeface="Arial"/>
                 <a:cs typeface="Arial"/>
               </a:rPr>
               <a:t>t</a:t>
             </a:r>
             <a:r>
-              <a:rPr sz="4800" dirty="0">
+              <a:rPr sz="4400" dirty="0">
                 <a:latin typeface="Arial"/>
                 <a:cs typeface="Arial"/>
               </a:rPr>
               <a:t>e</a:t>
             </a:r>
             <a:r>
-              <a:rPr sz="4800" spc="-5" dirty="0">
+              <a:rPr sz="4400" spc="-5" dirty="0">
                 <a:latin typeface="Arial"/>
                 <a:cs typeface="Arial"/>
               </a:rPr>
               <a:t> </a:t>
             </a:r>
             <a:r>
-              <a:rPr sz="4800" dirty="0">
+              <a:rPr sz="4400" dirty="0">
                 <a:latin typeface="Arial"/>
                 <a:cs typeface="Arial"/>
               </a:rPr>
               <a:t>your</a:t>
             </a:r>
             <a:r>
-              <a:rPr sz="4800" spc="-5" dirty="0">
+              <a:rPr sz="4400" spc="-5" dirty="0">
                 <a:latin typeface="Arial"/>
                 <a:cs typeface="Arial"/>
               </a:rPr>
               <a:t> </a:t>
             </a:r>
             <a:r>
-              <a:rPr sz="4800" dirty="0">
+              <a:rPr sz="4400" dirty="0">
                 <a:latin typeface="Arial"/>
                 <a:cs typeface="Arial"/>
               </a:rPr>
               <a:t>own</a:t>
             </a:r>
             <a:r>
-              <a:rPr sz="4800" spc="-5" dirty="0">
+              <a:rPr sz="4400" spc="-5" dirty="0">
                 <a:latin typeface="Arial"/>
                 <a:cs typeface="Arial"/>
               </a:rPr>
               <a:t> </a:t>
             </a:r>
             <a:r>
-              <a:rPr sz="4800" dirty="0" smtClean="0">
+              <a:rPr sz="4400" dirty="0" smtClean="0">
                 <a:latin typeface="Arial"/>
                 <a:cs typeface="Arial"/>
               </a:rPr>
               <a:t>rules</a:t>
             </a:r>
             <a:r>
-              <a:rPr lang="en-US" sz="4800" dirty="0" smtClean="0">
+              <a:rPr lang="en-US" sz="4400" dirty="0" smtClean="0">
                 <a:latin typeface="Arial"/>
                 <a:cs typeface="Arial"/>
               </a:rPr>
               <a:t>.</a:t>
             </a:r>
-            <a:endParaRPr sz="4800" dirty="0">
+            <a:endParaRPr sz="4400" dirty="0">
               <a:latin typeface="Arial"/>
               <a:cs typeface="Arial"/>
             </a:endParaRPr>
@@ -47696,105 +47151,105 @@
               </a:tabLst>
             </a:pPr>
             <a:r>
-              <a:rPr sz="4800" spc="-5" dirty="0">
+              <a:rPr sz="4400" spc="-5" dirty="0">
                 <a:latin typeface="Arial"/>
                 <a:cs typeface="Arial"/>
               </a:rPr>
               <a:t>Ex</a:t>
             </a:r>
             <a:r>
-              <a:rPr sz="4800" spc="-10" dirty="0">
+              <a:rPr sz="4400" spc="-10" dirty="0">
                 <a:latin typeface="Arial"/>
                 <a:cs typeface="Arial"/>
               </a:rPr>
               <a:t>t</a:t>
             </a:r>
             <a:r>
-              <a:rPr sz="4800" dirty="0">
+              <a:rPr sz="4400" dirty="0">
                 <a:latin typeface="Arial"/>
                 <a:cs typeface="Arial"/>
               </a:rPr>
               <a:t>ra</a:t>
             </a:r>
             <a:r>
-              <a:rPr sz="4800" spc="-5" dirty="0">
+              <a:rPr sz="4400" spc="-5" dirty="0">
                 <a:latin typeface="Arial"/>
                 <a:cs typeface="Arial"/>
               </a:rPr>
               <a:t> </a:t>
             </a:r>
             <a:r>
-              <a:rPr sz="4800" dirty="0">
+              <a:rPr sz="4400" dirty="0">
                 <a:latin typeface="Arial"/>
                 <a:cs typeface="Arial"/>
               </a:rPr>
               <a:t>communi</a:t>
             </a:r>
             <a:r>
-              <a:rPr sz="4800" spc="-10" dirty="0">
+              <a:rPr sz="4400" spc="-10" dirty="0">
                 <a:latin typeface="Arial"/>
                 <a:cs typeface="Arial"/>
               </a:rPr>
               <a:t>t</a:t>
             </a:r>
             <a:r>
-              <a:rPr sz="4800" dirty="0">
+              <a:rPr sz="4400" dirty="0">
                 <a:latin typeface="Arial"/>
                 <a:cs typeface="Arial"/>
               </a:rPr>
               <a:t>y-con</a:t>
             </a:r>
             <a:r>
-              <a:rPr sz="4800" spc="-10" dirty="0">
+              <a:rPr sz="4400" spc="-10" dirty="0">
                 <a:latin typeface="Arial"/>
                 <a:cs typeface="Arial"/>
               </a:rPr>
               <a:t>t</a:t>
             </a:r>
             <a:r>
-              <a:rPr sz="4800" dirty="0">
+              <a:rPr sz="4400" dirty="0">
                 <a:latin typeface="Arial"/>
                 <a:cs typeface="Arial"/>
               </a:rPr>
               <a:t>ribu</a:t>
             </a:r>
             <a:r>
-              <a:rPr sz="4800" spc="-10" dirty="0">
+              <a:rPr sz="4400" spc="-10" dirty="0">
                 <a:latin typeface="Arial"/>
                 <a:cs typeface="Arial"/>
               </a:rPr>
               <a:t>t</a:t>
             </a:r>
             <a:r>
-              <a:rPr sz="4800" dirty="0">
+              <a:rPr sz="4400" dirty="0">
                 <a:latin typeface="Arial"/>
                 <a:cs typeface="Arial"/>
               </a:rPr>
               <a:t>ed</a:t>
             </a:r>
             <a:r>
-              <a:rPr sz="4800" spc="-5" dirty="0">
+              <a:rPr sz="4400" spc="-5" dirty="0">
                 <a:latin typeface="Arial"/>
                 <a:cs typeface="Arial"/>
               </a:rPr>
               <a:t> </a:t>
             </a:r>
             <a:r>
-              <a:rPr sz="4800" dirty="0">
+              <a:rPr sz="4400" dirty="0">
                 <a:latin typeface="Arial"/>
                 <a:cs typeface="Arial"/>
               </a:rPr>
               <a:t>rule</a:t>
             </a:r>
             <a:r>
-              <a:rPr sz="4800" spc="-5" dirty="0">
+              <a:rPr sz="4400" spc="-5" dirty="0">
                 <a:latin typeface="Arial"/>
                 <a:cs typeface="Arial"/>
               </a:rPr>
               <a:t>s: </a:t>
             </a:r>
             <a:r>
-              <a:rPr sz="4800" dirty="0">
+              <a:rPr sz="4400" dirty="0">
                 <a:latin typeface="Arial"/>
                 <a:cs typeface="Arial"/>
                 <a:hlinkClick r:id="rId2"/>
@@ -47802,7 +47257,7 @@
               <a:t>h</a:t>
             </a:r>
             <a:r>
-              <a:rPr sz="4800" spc="-10" dirty="0">
+              <a:rPr sz="4400" spc="-10" dirty="0">
                 <a:latin typeface="Arial"/>
                 <a:cs typeface="Arial"/>
                 <a:hlinkClick r:id="rId2"/>
@@ -47810,7 +47265,7 @@
               <a:t>tt</a:t>
             </a:r>
             <a:r>
-              <a:rPr sz="4800" dirty="0">
+              <a:rPr sz="4400" dirty="0">
                 <a:latin typeface="Arial"/>
                 <a:cs typeface="Arial"/>
                 <a:hlinkClick r:id="rId2"/>
@@ -47818,7 +47273,7 @@
               <a:t>p</a:t>
             </a:r>
             <a:r>
-              <a:rPr sz="4800" spc="-10" dirty="0">
+              <a:rPr sz="4400" spc="-10" dirty="0">
                 <a:latin typeface="Arial"/>
                 <a:cs typeface="Arial"/>
                 <a:hlinkClick r:id="rId2"/>
@@ -47826,7 +47281,7 @@
               <a:t>://</a:t>
             </a:r>
             <a:r>
-              <a:rPr sz="4800" dirty="0">
+              <a:rPr sz="4400" dirty="0">
                 <a:latin typeface="Arial"/>
                 <a:cs typeface="Arial"/>
                 <a:hlinkClick r:id="rId2"/>
@@ -47834,7 +47289,7 @@
               <a:t>ww</a:t>
             </a:r>
             <a:r>
-              <a:rPr sz="4800" spc="-265" dirty="0">
+              <a:rPr sz="4400" spc="-265" dirty="0">
                 <a:latin typeface="Arial"/>
                 <a:cs typeface="Arial"/>
                 <a:hlinkClick r:id="rId2"/>
@@ -47842,7 +47297,7 @@
               <a:t>w</a:t>
             </a:r>
             <a:r>
-              <a:rPr sz="4800" spc="-10" dirty="0">
+              <a:rPr sz="4400" spc="-10" dirty="0">
                 <a:latin typeface="Arial"/>
                 <a:cs typeface="Arial"/>
                 <a:hlinkClick r:id="rId2"/>
@@ -47850,7 +47305,7 @@
               <a:t>.f</a:t>
             </a:r>
             <a:r>
-              <a:rPr sz="4800" dirty="0">
+              <a:rPr sz="4400" dirty="0">
                 <a:latin typeface="Arial"/>
                 <a:cs typeface="Arial"/>
                 <a:hlinkClick r:id="rId2"/>
@@ -47858,7 +47313,7 @@
               <a:t>oodcri</a:t>
             </a:r>
             <a:r>
-              <a:rPr sz="4800" spc="-10" dirty="0">
+              <a:rPr sz="4400" spc="-10" dirty="0">
                 <a:latin typeface="Arial"/>
                 <a:cs typeface="Arial"/>
                 <a:hlinkClick r:id="rId2"/>
@@ -47866,7 +47321,7 @@
               <a:t>t</a:t>
             </a:r>
             <a:r>
-              <a:rPr sz="4800" dirty="0">
+              <a:rPr sz="4400" dirty="0">
                 <a:latin typeface="Arial"/>
                 <a:cs typeface="Arial"/>
                 <a:hlinkClick r:id="rId2"/>
@@ -47874,7 +47329,7 @@
               <a:t>i</a:t>
             </a:r>
             <a:r>
-              <a:rPr sz="4800" spc="-5" dirty="0">
+              <a:rPr sz="4400" spc="-5" dirty="0">
                 <a:latin typeface="Arial"/>
                 <a:cs typeface="Arial"/>
                 <a:hlinkClick r:id="rId2"/>
@@ -47882,7 +47337,7 @@
               <a:t>c</a:t>
             </a:r>
             <a:r>
-              <a:rPr sz="4800" spc="-10" dirty="0">
+              <a:rPr sz="4400" spc="-10" dirty="0">
                 <a:latin typeface="Arial"/>
                 <a:cs typeface="Arial"/>
                 <a:hlinkClick r:id="rId2"/>
@@ -47890,7 +47345,7 @@
               <a:t>.</a:t>
             </a:r>
             <a:r>
-              <a:rPr sz="4800" dirty="0">
+              <a:rPr sz="4400" dirty="0">
                 <a:latin typeface="Arial"/>
                 <a:cs typeface="Arial"/>
                 <a:hlinkClick r:id="rId2"/>
@@ -47898,7 +47353,7 @@
               <a:t>io</a:t>
             </a:r>
             <a:r>
-              <a:rPr sz="4800" spc="-10" dirty="0">
+              <a:rPr sz="4400" spc="-10" dirty="0">
                 <a:latin typeface="Arial"/>
                 <a:cs typeface="Arial"/>
                 <a:hlinkClick r:id="rId2"/>
@@ -47906,7 +47361,7 @@
               <a:t>/</a:t>
             </a:r>
             <a:r>
-              <a:rPr sz="4800" spc="-5" dirty="0">
+              <a:rPr sz="4400" spc="-5" dirty="0">
                 <a:latin typeface="Arial"/>
                 <a:cs typeface="Arial"/>
                 <a:hlinkClick r:id="rId2"/>
@@ -47914,7 +47369,7 @@
               <a:t>#</a:t>
             </a:r>
             <a:r>
-              <a:rPr sz="4800" dirty="0">
+              <a:rPr sz="4400" dirty="0">
                 <a:latin typeface="Arial"/>
                 <a:cs typeface="Arial"/>
                 <a:hlinkClick r:id="rId2"/>
@@ -47922,7 +47377,7 @@
               <a:t>e</a:t>
             </a:r>
             <a:r>
-              <a:rPr sz="4800" spc="-5" dirty="0">
+              <a:rPr sz="4400" spc="-5" dirty="0">
                 <a:latin typeface="Arial"/>
                 <a:cs typeface="Arial"/>
                 <a:hlinkClick r:id="rId2"/>
@@ -47930,7 +47385,7 @@
               <a:t>x</a:t>
             </a:r>
             <a:r>
-              <a:rPr sz="4800" spc="-10" dirty="0">
+              <a:rPr sz="4400" spc="-10" dirty="0">
                 <a:latin typeface="Arial"/>
                 <a:cs typeface="Arial"/>
                 <a:hlinkClick r:id="rId2"/>
@@ -47938,17 +47393,41 @@
               <a:t>t</a:t>
             </a:r>
             <a:r>
-              <a:rPr sz="4800" dirty="0">
+              <a:rPr sz="4400" dirty="0">
                 <a:latin typeface="Arial"/>
                 <a:cs typeface="Arial"/>
                 <a:hlinkClick r:id="rId2"/>
               </a:rPr>
               <a:t>ra-rules</a:t>
             </a:r>
-            <a:endParaRPr sz="4800" dirty="0">
+            <a:endParaRPr sz="4400" dirty="0">
               <a:latin typeface="Arial"/>
               <a:cs typeface="Arial"/>
             </a:endParaRPr>
+          </a:p>
+        </p:txBody>
+      </p:sp>
+      <p:sp>
+        <p:nvSpPr>
+          <p:cNvPr id="38" name="Slide Number Placeholder 37"/>
+          <p:cNvSpPr>
+            <a:spLocks noGrp="1"/>
+          </p:cNvSpPr>
+          <p:nvPr>
+            <p:ph type="sldNum" sz="quarter" idx="10"/>
+          </p:nvPr>
+        </p:nvSpPr>
+        <p:spPr/>
+        <p:txBody>
+          <a:bodyPr/>
+          <a:lstStyle/>
+          <a:p>
+            <a:fld id="{F32B063D-AEFC-43D4-892A-5496DB603272}" type="slidenum">
+              <a:rPr lang="en-US" smtClean="0"/>
+              <a:pPr/>
+              <a:t>6</a:t>
+            </a:fld>
+            <a:endParaRPr lang="en-US" dirty="0"/>
           </a:p>
         </p:txBody>
       </p:sp>
@@ -48991,7 +48470,7 @@
         <p:spPr>
           <a:xfrm>
             <a:off x="787400" y="1922306"/>
-            <a:ext cx="13914755" cy="3875420"/>
+            <a:ext cx="13914755" cy="3559949"/>
           </a:xfrm>
           <a:prstGeom prst="rect">
             <a:avLst/>
@@ -49017,279 +48496,279 @@
               </a:tabLst>
             </a:pPr>
             <a:r>
-              <a:rPr sz="4800" b="1" spc="-10" dirty="0">
+              <a:rPr sz="4400" b="1" spc="-10" dirty="0">
                 <a:latin typeface="Arial"/>
                 <a:cs typeface="Arial"/>
               </a:rPr>
               <a:t>Th</a:t>
             </a:r>
             <a:r>
-              <a:rPr sz="4800" b="1" dirty="0">
+              <a:rPr sz="4400" b="1" dirty="0">
                 <a:latin typeface="Arial"/>
                 <a:cs typeface="Arial"/>
               </a:rPr>
               <a:t>e</a:t>
             </a:r>
             <a:r>
-              <a:rPr sz="4800" b="1" spc="-5" dirty="0">
+              <a:rPr sz="4400" b="1" spc="-5" dirty="0">
                 <a:latin typeface="Arial"/>
                 <a:cs typeface="Arial"/>
               </a:rPr>
               <a:t> </a:t>
             </a:r>
             <a:r>
-              <a:rPr sz="4800" b="1" dirty="0">
+              <a:rPr sz="4400" b="1" dirty="0">
                 <a:latin typeface="Arial"/>
                 <a:cs typeface="Arial"/>
               </a:rPr>
               <a:t>Pr</a:t>
             </a:r>
             <a:r>
-              <a:rPr sz="4800" b="1" spc="-10" dirty="0">
+              <a:rPr sz="4400" b="1" spc="-10" dirty="0">
                 <a:latin typeface="Arial"/>
                 <a:cs typeface="Arial"/>
               </a:rPr>
               <a:t>obl</a:t>
             </a:r>
             <a:r>
-              <a:rPr sz="4800" b="1" dirty="0">
+              <a:rPr sz="4400" b="1" dirty="0">
                 <a:latin typeface="Arial"/>
                 <a:cs typeface="Arial"/>
               </a:rPr>
               <a:t>em:</a:t>
             </a:r>
             <a:r>
-              <a:rPr sz="4800" b="1" spc="-5" dirty="0">
+              <a:rPr sz="4400" b="1" spc="-5" dirty="0">
                 <a:latin typeface="Arial"/>
                 <a:cs typeface="Arial"/>
               </a:rPr>
               <a:t> </a:t>
             </a:r>
             <a:r>
-              <a:rPr sz="4800" spc="-95" dirty="0">
+              <a:rPr sz="4400" spc="-95" dirty="0">
                 <a:latin typeface="Arial"/>
                 <a:cs typeface="Arial"/>
               </a:rPr>
               <a:t>W</a:t>
             </a:r>
             <a:r>
-              <a:rPr sz="4800" dirty="0">
+              <a:rPr sz="4400" dirty="0">
                 <a:latin typeface="Arial"/>
                 <a:cs typeface="Arial"/>
               </a:rPr>
               <a:t>e</a:t>
             </a:r>
             <a:r>
-              <a:rPr sz="4800" spc="-5" dirty="0">
+              <a:rPr sz="4400" spc="-5" dirty="0">
                 <a:latin typeface="Arial"/>
                 <a:cs typeface="Arial"/>
               </a:rPr>
               <a:t> </a:t>
             </a:r>
             <a:r>
-              <a:rPr sz="4800" dirty="0">
+              <a:rPr sz="4400" dirty="0">
                 <a:latin typeface="Arial"/>
                 <a:cs typeface="Arial"/>
               </a:rPr>
               <a:t>wan</a:t>
             </a:r>
             <a:r>
-              <a:rPr sz="4800" spc="-5" dirty="0">
+              <a:rPr sz="4400" spc="-5" dirty="0">
                 <a:latin typeface="Arial"/>
                 <a:cs typeface="Arial"/>
               </a:rPr>
               <a:t>t </a:t>
             </a:r>
             <a:r>
-              <a:rPr sz="4800" spc="-10" dirty="0">
+              <a:rPr sz="4400" spc="-10" dirty="0">
                 <a:latin typeface="Arial"/>
                 <a:cs typeface="Arial"/>
               </a:rPr>
               <a:t>t</a:t>
             </a:r>
             <a:r>
-              <a:rPr sz="4800" dirty="0">
+              <a:rPr sz="4400" dirty="0">
                 <a:latin typeface="Arial"/>
                 <a:cs typeface="Arial"/>
               </a:rPr>
               <a:t>o</a:t>
             </a:r>
             <a:r>
-              <a:rPr sz="4800" spc="-5" dirty="0">
+              <a:rPr sz="4400" spc="-5" dirty="0">
                 <a:latin typeface="Arial"/>
                 <a:cs typeface="Arial"/>
               </a:rPr>
               <a:t> </a:t>
             </a:r>
             <a:r>
-              <a:rPr sz="4800" dirty="0">
+              <a:rPr sz="4400" dirty="0">
                 <a:latin typeface="Arial"/>
                 <a:cs typeface="Arial"/>
               </a:rPr>
               <a:t>make</a:t>
             </a:r>
             <a:r>
-              <a:rPr sz="4800" spc="-5" dirty="0">
+              <a:rPr sz="4400" spc="-5" dirty="0">
                 <a:latin typeface="Arial"/>
                 <a:cs typeface="Arial"/>
               </a:rPr>
               <a:t> </a:t>
             </a:r>
             <a:r>
-              <a:rPr sz="4800" dirty="0">
+              <a:rPr sz="4400" dirty="0">
                 <a:latin typeface="Arial"/>
                 <a:cs typeface="Arial"/>
               </a:rPr>
               <a:t>sure</a:t>
             </a:r>
             <a:r>
-              <a:rPr sz="4800" spc="-5" dirty="0">
+              <a:rPr sz="4400" spc="-5" dirty="0">
                 <a:latin typeface="Arial"/>
                 <a:cs typeface="Arial"/>
               </a:rPr>
               <a:t> </a:t>
             </a:r>
             <a:r>
-              <a:rPr sz="4800" dirty="0">
+              <a:rPr sz="4400" dirty="0">
                 <a:latin typeface="Arial"/>
                 <a:cs typeface="Arial"/>
               </a:rPr>
               <a:t>our</a:t>
             </a:r>
             <a:r>
-              <a:rPr sz="4800" spc="-270" dirty="0">
+              <a:rPr sz="4400" spc="-270" dirty="0">
                 <a:latin typeface="Arial"/>
                 <a:cs typeface="Arial"/>
               </a:rPr>
               <a:t> </a:t>
             </a:r>
             <a:r>
-              <a:rPr sz="4800" dirty="0">
+              <a:rPr sz="4400" dirty="0">
                 <a:latin typeface="Arial"/>
                 <a:cs typeface="Arial"/>
               </a:rPr>
               <a:t>Apache cookbook</a:t>
             </a:r>
             <a:r>
-              <a:rPr sz="4800" spc="-5" dirty="0">
+              <a:rPr sz="4400" spc="-5" dirty="0">
                 <a:latin typeface="Arial"/>
                 <a:cs typeface="Arial"/>
               </a:rPr>
               <a:t> </a:t>
             </a:r>
             <a:r>
-              <a:rPr sz="4800" spc="-10" dirty="0">
+              <a:rPr sz="4400" spc="-10" dirty="0">
                 <a:latin typeface="Arial"/>
                 <a:cs typeface="Arial"/>
               </a:rPr>
               <a:t>f</a:t>
             </a:r>
             <a:r>
-              <a:rPr sz="4800" dirty="0">
+              <a:rPr sz="4400" dirty="0">
                 <a:latin typeface="Arial"/>
                 <a:cs typeface="Arial"/>
               </a:rPr>
               <a:t>ollows</a:t>
             </a:r>
             <a:r>
-              <a:rPr sz="4800" spc="-5" dirty="0">
+              <a:rPr sz="4400" spc="-5" dirty="0">
                 <a:latin typeface="Arial"/>
                 <a:cs typeface="Arial"/>
               </a:rPr>
               <a:t> </a:t>
             </a:r>
             <a:r>
-              <a:rPr sz="4800" dirty="0">
+              <a:rPr sz="4400" dirty="0">
                 <a:latin typeface="Arial"/>
                 <a:cs typeface="Arial"/>
               </a:rPr>
               <a:t>be</a:t>
             </a:r>
             <a:r>
-              <a:rPr sz="4800" spc="-5" dirty="0">
+              <a:rPr sz="4400" spc="-5" dirty="0">
                 <a:latin typeface="Arial"/>
                 <a:cs typeface="Arial"/>
               </a:rPr>
               <a:t>st </a:t>
             </a:r>
             <a:r>
-              <a:rPr sz="4800" dirty="0">
+              <a:rPr sz="4400" dirty="0">
                 <a:latin typeface="Arial"/>
                 <a:cs typeface="Arial"/>
               </a:rPr>
               <a:t>pra</a:t>
             </a:r>
             <a:r>
-              <a:rPr sz="4800" spc="-5" dirty="0">
+              <a:rPr sz="4400" spc="-5" dirty="0">
                 <a:latin typeface="Arial"/>
                 <a:cs typeface="Arial"/>
               </a:rPr>
               <a:t>c</a:t>
             </a:r>
             <a:r>
-              <a:rPr sz="4800" spc="-10" dirty="0">
+              <a:rPr sz="4400" spc="-10" dirty="0">
                 <a:latin typeface="Arial"/>
                 <a:cs typeface="Arial"/>
               </a:rPr>
               <a:t>t</a:t>
             </a:r>
             <a:r>
-              <a:rPr sz="4800" dirty="0">
+              <a:rPr sz="4400" dirty="0">
                 <a:latin typeface="Arial"/>
                 <a:cs typeface="Arial"/>
               </a:rPr>
               <a:t>ice</a:t>
             </a:r>
             <a:r>
-              <a:rPr sz="4800" spc="-5" dirty="0">
+              <a:rPr sz="4400" spc="-5" dirty="0">
                 <a:latin typeface="Arial"/>
                 <a:cs typeface="Arial"/>
               </a:rPr>
               <a:t> </a:t>
             </a:r>
             <a:r>
-              <a:rPr sz="4800" spc="-10" dirty="0">
+              <a:rPr sz="4400" spc="-10" dirty="0">
                 <a:latin typeface="Arial"/>
                 <a:cs typeface="Arial"/>
               </a:rPr>
               <a:t>f</a:t>
             </a:r>
             <a:r>
-              <a:rPr sz="4800" dirty="0">
+              <a:rPr sz="4400" dirty="0">
                 <a:latin typeface="Arial"/>
                 <a:cs typeface="Arial"/>
               </a:rPr>
               <a:t>or</a:t>
             </a:r>
             <a:r>
-              <a:rPr sz="4800" spc="-5" dirty="0">
+              <a:rPr sz="4400" spc="-5" dirty="0">
                 <a:latin typeface="Arial"/>
                 <a:cs typeface="Arial"/>
               </a:rPr>
               <a:t> </a:t>
             </a:r>
             <a:r>
-              <a:rPr sz="4800" dirty="0">
+              <a:rPr sz="4400" dirty="0">
                 <a:latin typeface="Arial"/>
                 <a:cs typeface="Arial"/>
               </a:rPr>
               <a:t>Che</a:t>
             </a:r>
             <a:r>
-              <a:rPr sz="4800" spc="-5" dirty="0">
+              <a:rPr sz="4400" spc="-5" dirty="0">
                 <a:latin typeface="Arial"/>
                 <a:cs typeface="Arial"/>
               </a:rPr>
               <a:t>f </a:t>
             </a:r>
             <a:r>
-              <a:rPr sz="4800" dirty="0" smtClean="0">
+              <a:rPr sz="4400" dirty="0" smtClean="0">
                 <a:latin typeface="Arial"/>
                 <a:cs typeface="Arial"/>
               </a:rPr>
               <a:t>code</a:t>
             </a:r>
-            <a:endParaRPr sz="4800" dirty="0">
+            <a:endParaRPr sz="4400" dirty="0">
               <a:latin typeface="Arial"/>
               <a:cs typeface="Arial"/>
             </a:endParaRPr>
@@ -49308,7 +48787,7 @@
               <a:buFont typeface="Arial"/>
               <a:buChar char="•"/>
             </a:pPr>
-            <a:endParaRPr sz="6850" dirty="0">
+            <a:endParaRPr sz="4400" dirty="0">
               <a:latin typeface="Times New Roman"/>
               <a:cs typeface="Times New Roman"/>
             </a:endParaRPr>
@@ -49328,217 +48807,217 @@
               </a:tabLst>
             </a:pPr>
             <a:r>
-              <a:rPr sz="4800" b="1" spc="-5" dirty="0">
+              <a:rPr sz="4400" b="1" spc="-5" dirty="0">
                 <a:latin typeface="Arial"/>
                 <a:cs typeface="Arial"/>
               </a:rPr>
               <a:t>S</a:t>
             </a:r>
             <a:r>
-              <a:rPr sz="4800" b="1" spc="-10" dirty="0">
+              <a:rPr sz="4400" b="1" spc="-10" dirty="0">
                 <a:latin typeface="Arial"/>
                 <a:cs typeface="Arial"/>
               </a:rPr>
               <a:t>u</a:t>
             </a:r>
             <a:r>
-              <a:rPr sz="4800" b="1" dirty="0">
+              <a:rPr sz="4400" b="1" dirty="0">
                 <a:latin typeface="Arial"/>
                 <a:cs typeface="Arial"/>
               </a:rPr>
               <a:t>ccess</a:t>
             </a:r>
             <a:r>
-              <a:rPr sz="4800" b="1" spc="-5" dirty="0">
+              <a:rPr sz="4400" b="1" spc="-5" dirty="0">
                 <a:latin typeface="Arial"/>
                 <a:cs typeface="Arial"/>
               </a:rPr>
               <a:t> </a:t>
             </a:r>
             <a:r>
-              <a:rPr sz="4800" b="1" dirty="0">
+              <a:rPr sz="4400" b="1" dirty="0">
                 <a:latin typeface="Arial"/>
                 <a:cs typeface="Arial"/>
               </a:rPr>
               <a:t>Cr</a:t>
             </a:r>
             <a:r>
-              <a:rPr sz="4800" b="1" spc="-10" dirty="0">
+              <a:rPr sz="4400" b="1" spc="-10" dirty="0">
                 <a:latin typeface="Arial"/>
                 <a:cs typeface="Arial"/>
               </a:rPr>
               <a:t>i</a:t>
             </a:r>
             <a:r>
-              <a:rPr sz="4800" b="1" dirty="0">
+              <a:rPr sz="4400" b="1" dirty="0">
                 <a:latin typeface="Arial"/>
                 <a:cs typeface="Arial"/>
               </a:rPr>
               <a:t>ter</a:t>
             </a:r>
             <a:r>
-              <a:rPr sz="4800" b="1" spc="-10" dirty="0">
+              <a:rPr sz="4400" b="1" spc="-10" dirty="0">
                 <a:latin typeface="Arial"/>
                 <a:cs typeface="Arial"/>
               </a:rPr>
               <a:t>i</a:t>
             </a:r>
             <a:r>
-              <a:rPr sz="4800" b="1" dirty="0">
+              <a:rPr sz="4400" b="1" dirty="0">
                 <a:latin typeface="Arial"/>
                 <a:cs typeface="Arial"/>
               </a:rPr>
               <a:t>a:</a:t>
             </a:r>
             <a:r>
-              <a:rPr sz="4800" b="1" spc="-5" dirty="0">
+              <a:rPr sz="4400" b="1" spc="-5" dirty="0">
                 <a:latin typeface="Arial"/>
                 <a:cs typeface="Arial"/>
               </a:rPr>
               <a:t> </a:t>
             </a:r>
             <a:r>
-              <a:rPr sz="4800" spc="-95" dirty="0">
+              <a:rPr sz="4400" spc="-95" dirty="0">
                 <a:latin typeface="Arial"/>
                 <a:cs typeface="Arial"/>
               </a:rPr>
               <a:t>W</a:t>
             </a:r>
             <a:r>
-              <a:rPr sz="4800" dirty="0">
+              <a:rPr sz="4400" dirty="0">
                 <a:latin typeface="Arial"/>
                 <a:cs typeface="Arial"/>
               </a:rPr>
               <a:t>e</a:t>
             </a:r>
             <a:r>
-              <a:rPr sz="4800" spc="-5" dirty="0">
+              <a:rPr sz="4400" spc="-5" dirty="0">
                 <a:latin typeface="Arial"/>
                 <a:cs typeface="Arial"/>
               </a:rPr>
               <a:t> </a:t>
             </a:r>
             <a:r>
-              <a:rPr sz="4800" dirty="0">
+              <a:rPr sz="4400" dirty="0">
                 <a:latin typeface="Arial"/>
                 <a:cs typeface="Arial"/>
               </a:rPr>
               <a:t>use</a:t>
             </a:r>
             <a:r>
-              <a:rPr sz="4800" spc="-5" dirty="0">
+              <a:rPr sz="4400" spc="-5" dirty="0">
                 <a:latin typeface="Arial"/>
                 <a:cs typeface="Arial"/>
               </a:rPr>
               <a:t> </a:t>
             </a:r>
             <a:r>
-              <a:rPr sz="4800" spc="-10" dirty="0">
+              <a:rPr sz="4400" spc="-10" dirty="0">
                 <a:latin typeface="Arial"/>
                 <a:cs typeface="Arial"/>
               </a:rPr>
               <a:t>F</a:t>
             </a:r>
             <a:r>
-              <a:rPr sz="4800" dirty="0">
+              <a:rPr sz="4400" dirty="0">
                 <a:latin typeface="Arial"/>
                 <a:cs typeface="Arial"/>
               </a:rPr>
               <a:t>oodcri</a:t>
             </a:r>
             <a:r>
-              <a:rPr sz="4800" spc="-10" dirty="0">
+              <a:rPr sz="4400" spc="-10" dirty="0">
                 <a:latin typeface="Arial"/>
                 <a:cs typeface="Arial"/>
               </a:rPr>
               <a:t>t</a:t>
             </a:r>
             <a:r>
-              <a:rPr sz="4800" dirty="0">
+              <a:rPr sz="4400" dirty="0">
                 <a:latin typeface="Arial"/>
                 <a:cs typeface="Arial"/>
               </a:rPr>
               <a:t>ic</a:t>
             </a:r>
             <a:r>
-              <a:rPr sz="4800" spc="-5" dirty="0">
+              <a:rPr sz="4400" spc="-5" dirty="0">
                 <a:latin typeface="Arial"/>
                 <a:cs typeface="Arial"/>
               </a:rPr>
               <a:t> </a:t>
             </a:r>
             <a:r>
-              <a:rPr sz="4800" spc="-10" dirty="0">
+              <a:rPr sz="4400" spc="-10" dirty="0">
                 <a:latin typeface="Arial"/>
                 <a:cs typeface="Arial"/>
               </a:rPr>
               <a:t>t</a:t>
             </a:r>
             <a:r>
-              <a:rPr sz="4800" dirty="0">
+              <a:rPr sz="4400" dirty="0">
                 <a:latin typeface="Arial"/>
                 <a:cs typeface="Arial"/>
               </a:rPr>
               <a:t>o</a:t>
             </a:r>
             <a:r>
-              <a:rPr sz="4800" spc="-5" dirty="0">
+              <a:rPr sz="4400" spc="-5" dirty="0">
                 <a:latin typeface="Arial"/>
                 <a:cs typeface="Arial"/>
               </a:rPr>
               <a:t> </a:t>
             </a:r>
             <a:r>
-              <a:rPr sz="4800" dirty="0">
+              <a:rPr sz="4400" dirty="0">
                 <a:latin typeface="Arial"/>
                 <a:cs typeface="Arial"/>
               </a:rPr>
               <a:t>check</a:t>
             </a:r>
             <a:r>
-              <a:rPr sz="4800" spc="-5" dirty="0">
+              <a:rPr sz="4400" spc="-5" dirty="0">
                 <a:latin typeface="Arial"/>
                 <a:cs typeface="Arial"/>
               </a:rPr>
               <a:t> </a:t>
             </a:r>
             <a:r>
-              <a:rPr sz="4800" dirty="0">
+              <a:rPr sz="4400" dirty="0">
                 <a:latin typeface="Arial"/>
                 <a:cs typeface="Arial"/>
               </a:rPr>
               <a:t>our cookbook</a:t>
             </a:r>
             <a:r>
-              <a:rPr sz="4800" spc="-5" dirty="0">
+              <a:rPr sz="4400" spc="-5" dirty="0">
                 <a:latin typeface="Arial"/>
                 <a:cs typeface="Arial"/>
               </a:rPr>
               <a:t> </a:t>
             </a:r>
             <a:r>
-              <a:rPr sz="4800" dirty="0">
+              <a:rPr sz="4400" dirty="0">
                 <a:latin typeface="Arial"/>
                 <a:cs typeface="Arial"/>
               </a:rPr>
               <a:t>be</a:t>
             </a:r>
             <a:r>
-              <a:rPr sz="4800" spc="-10" dirty="0">
+              <a:rPr sz="4400" spc="-10" dirty="0">
                 <a:latin typeface="Arial"/>
                 <a:cs typeface="Arial"/>
               </a:rPr>
               <a:t>f</a:t>
             </a:r>
             <a:r>
-              <a:rPr sz="4800" dirty="0">
+              <a:rPr sz="4400" dirty="0">
                 <a:latin typeface="Arial"/>
                 <a:cs typeface="Arial"/>
               </a:rPr>
               <a:t>ore</a:t>
             </a:r>
             <a:r>
-              <a:rPr sz="4800" spc="-5" dirty="0">
+              <a:rPr sz="4400" spc="-5" dirty="0">
                 <a:latin typeface="Arial"/>
                 <a:cs typeface="Arial"/>
               </a:rPr>
@@ -49590,6 +49069,30 @@
               <a:latin typeface="Arial"/>
               <a:cs typeface="Arial"/>
             </a:endParaRPr>
+          </a:p>
+        </p:txBody>
+      </p:sp>
+      <p:sp>
+        <p:nvSpPr>
+          <p:cNvPr id="4" name="Slide Number Placeholder 3"/>
+          <p:cNvSpPr>
+            <a:spLocks noGrp="1"/>
+          </p:cNvSpPr>
+          <p:nvPr>
+            <p:ph type="sldNum" sz="quarter" idx="10"/>
+          </p:nvPr>
+        </p:nvSpPr>
+        <p:spPr/>
+        <p:txBody>
+          <a:bodyPr/>
+          <a:lstStyle/>
+          <a:p>
+            <a:fld id="{F32B063D-AEFC-43D4-892A-5496DB603272}" type="slidenum">
+              <a:rPr lang="en-US" smtClean="0"/>
+              <a:pPr/>
+              <a:t>7</a:t>
+            </a:fld>
+            <a:endParaRPr lang="en-US" dirty="0"/>
           </a:p>
         </p:txBody>
       </p:sp>
@@ -49598,6 +49101,13 @@
   <p:clrMapOvr>
     <a:masterClrMapping/>
   </p:clrMapOvr>
+  <p:timing>
+    <p:tnLst>
+      <p:par>
+        <p:cTn id="1" dur="indefinite" restart="never" nodeType="tmRoot"/>
+      </p:par>
+    </p:tnLst>
+  </p:timing>
 </p:sld>
 </file>
 
@@ -50312,7 +49822,14 @@
                 <a:latin typeface="Arial"/>
                 <a:cs typeface="Arial"/>
               </a:rPr>
-              <a:t>If you are using the ChefDK, you already have foodcritic installed</a:t>
+              <a:t>If you </a:t>
+            </a:r>
+            <a:r>
+              <a:rPr lang="en-US" sz="4400" dirty="0">
+                <a:latin typeface="Arial"/>
+                <a:cs typeface="Arial"/>
+              </a:rPr>
+              <a:t>are using the ChefDK, you already have foodcritic installed</a:t>
             </a:r>
           </a:p>
           <a:p>
@@ -50332,7 +49849,7 @@
               </a:tabLst>
             </a:pPr>
             <a:r>
-              <a:rPr lang="en-US" sz="4800" spc="-10" dirty="0">
+              <a:rPr lang="en-US" sz="4400" spc="-10" dirty="0">
                 <a:latin typeface="Arial"/>
                 <a:cs typeface="Arial"/>
               </a:rPr>
@@ -50407,6 +49924,30 @@
               <a:t>c</a:t>
             </a:r>
             <a:endParaRPr dirty="0"/>
+          </a:p>
+        </p:txBody>
+      </p:sp>
+      <p:sp>
+        <p:nvSpPr>
+          <p:cNvPr id="4" name="Slide Number Placeholder 3"/>
+          <p:cNvSpPr>
+            <a:spLocks noGrp="1"/>
+          </p:cNvSpPr>
+          <p:nvPr>
+            <p:ph type="sldNum" sz="quarter" idx="10"/>
+          </p:nvPr>
+        </p:nvSpPr>
+        <p:spPr/>
+        <p:txBody>
+          <a:bodyPr/>
+          <a:lstStyle/>
+          <a:p>
+            <a:fld id="{F32B063D-AEFC-43D4-892A-5496DB603272}" type="slidenum">
+              <a:rPr lang="en-US" smtClean="0"/>
+              <a:pPr/>
+              <a:t>8</a:t>
+            </a:fld>
+            <a:endParaRPr lang="en-US" dirty="0"/>
           </a:p>
         </p:txBody>
       </p:sp>
@@ -51543,7 +51084,7 @@
         <p:spPr>
           <a:xfrm>
             <a:off x="1128712" y="4559299"/>
-            <a:ext cx="13748385" cy="1270000"/>
+            <a:ext cx="13748385" cy="2708434"/>
           </a:xfrm>
           <a:prstGeom prst="rect">
             <a:avLst/>
@@ -51555,1017 +51096,152 @@
           </a:bodyPr>
           <a:lstStyle/>
           <a:p>
-            <a:pPr>
-              <a:lnSpc>
-                <a:spcPts val="2600"/>
-              </a:lnSpc>
-            </a:pPr>
-            <a:r>
-              <a:rPr sz="2200" spc="-5" dirty="0">
+            <a:r>
+              <a:rPr lang="en-US" sz="2200" dirty="0">
                 <a:solidFill>
                   <a:srgbClr val="FFFFFF"/>
                 </a:solidFill>
-                <a:latin typeface="Courier New"/>
-                <a:cs typeface="Courier New"/>
-              </a:rPr>
-              <a:t>FC003</a:t>
-            </a:r>
-            <a:r>
-              <a:rPr sz="2200" dirty="0">
+                <a:latin typeface="Courier"/>
+              </a:rPr>
+              <a:t>FC003: Check whether you are running with chef server before using </a:t>
+            </a:r>
+            <a:r>
+              <a:rPr lang="en-US" sz="2200" dirty="0" smtClean="0">
                 <a:solidFill>
                   <a:srgbClr val="FFFFFF"/>
                 </a:solidFill>
-                <a:latin typeface="Courier New"/>
-                <a:cs typeface="Courier New"/>
-              </a:rPr>
-              <a:t>: </a:t>
-            </a:r>
-            <a:r>
-              <a:rPr sz="2200" spc="-5" dirty="0">
+                <a:latin typeface="Courier"/>
+              </a:rPr>
+              <a:t>server-specific features</a:t>
+            </a:r>
+            <a:r>
+              <a:rPr lang="en-US" sz="2200" dirty="0">
                 <a:solidFill>
                   <a:srgbClr val="FFFFFF"/>
                 </a:solidFill>
-                <a:latin typeface="Courier New"/>
-                <a:cs typeface="Courier New"/>
-              </a:rPr>
-              <a:t>Chec</a:t>
-            </a:r>
-            <a:r>
-              <a:rPr sz="2200" dirty="0">
+                <a:latin typeface="Courier"/>
+              </a:rPr>
+              <a:t>: ./recipes/default.rb:43</a:t>
+            </a:r>
+          </a:p>
+          <a:p>
+            <a:r>
+              <a:rPr lang="en-US" sz="2200" dirty="0">
                 <a:solidFill>
                   <a:srgbClr val="FFFFFF"/>
                 </a:solidFill>
-                <a:latin typeface="Courier New"/>
-                <a:cs typeface="Courier New"/>
-              </a:rPr>
-              <a:t>k </a:t>
-            </a:r>
-            <a:r>
-              <a:rPr sz="2200" spc="-5" dirty="0">
+                <a:latin typeface="Courier"/>
+              </a:rPr>
+              <a:t>FC003: Check whether you are running with chef server before using </a:t>
+            </a:r>
+            <a:r>
+              <a:rPr lang="en-US" sz="2200" dirty="0" smtClean="0">
                 <a:solidFill>
                   <a:srgbClr val="FFFFFF"/>
                 </a:solidFill>
-                <a:latin typeface="Courier New"/>
-                <a:cs typeface="Courier New"/>
-              </a:rPr>
-              <a:t>whethe</a:t>
-            </a:r>
-            <a:r>
-              <a:rPr sz="2200" dirty="0">
+                <a:latin typeface="Courier"/>
+              </a:rPr>
+              <a:t>server-specific features</a:t>
+            </a:r>
+            <a:r>
+              <a:rPr lang="en-US" sz="2200" dirty="0">
                 <a:solidFill>
                   <a:srgbClr val="FFFFFF"/>
                 </a:solidFill>
-                <a:latin typeface="Courier New"/>
-                <a:cs typeface="Courier New"/>
-              </a:rPr>
-              <a:t>r </a:t>
-            </a:r>
-            <a:r>
-              <a:rPr sz="2200" spc="-5" dirty="0">
+                <a:latin typeface="Courier"/>
+              </a:rPr>
+              <a:t>: ./recipes/iplogger.rb:1</a:t>
+            </a:r>
+          </a:p>
+          <a:p>
+            <a:r>
+              <a:rPr lang="en-US" sz="2200" dirty="0">
                 <a:solidFill>
                   <a:srgbClr val="FFFFFF"/>
                 </a:solidFill>
-                <a:latin typeface="Courier New"/>
-                <a:cs typeface="Courier New"/>
-              </a:rPr>
-              <a:t>yo</a:t>
-            </a:r>
-            <a:r>
-              <a:rPr sz="2200" dirty="0">
+                <a:latin typeface="Courier"/>
+              </a:rPr>
+              <a:t>FC008: Generated cookbook metadata needs updating: ./metadata.rb:2</a:t>
+            </a:r>
+          </a:p>
+          <a:p>
+            <a:r>
+              <a:rPr lang="en-US" sz="2200" dirty="0">
                 <a:solidFill>
                   <a:srgbClr val="FFFFFF"/>
                 </a:solidFill>
-                <a:latin typeface="Courier New"/>
-                <a:cs typeface="Courier New"/>
-              </a:rPr>
-              <a:t>u </a:t>
-            </a:r>
-            <a:r>
-              <a:rPr sz="2200" spc="-5" dirty="0">
+                <a:latin typeface="Courier"/>
+              </a:rPr>
+              <a:t>FC008: Generated cookbook metadata needs updating: ./metadata.rb:3</a:t>
+            </a:r>
+          </a:p>
+          <a:p>
+            <a:r>
+              <a:rPr lang="en-US" sz="2200" dirty="0">
                 <a:solidFill>
                   <a:srgbClr val="FFFFFF"/>
                 </a:solidFill>
-                <a:latin typeface="Courier New"/>
-                <a:cs typeface="Courier New"/>
-              </a:rPr>
-              <a:t>ar</a:t>
-            </a:r>
-            <a:r>
-              <a:rPr sz="2200" dirty="0">
+                <a:latin typeface="Courier"/>
+              </a:rPr>
+              <a:t>FC009: Resource attribute not </a:t>
+            </a:r>
+            <a:r>
+              <a:rPr lang="en-US" sz="2200" dirty="0">
                 <a:solidFill>
                   <a:srgbClr val="FFFFFF"/>
                 </a:solidFill>
-                <a:latin typeface="Courier New"/>
-                <a:cs typeface="Courier New"/>
-              </a:rPr>
-              <a:t>e </a:t>
-            </a:r>
-            <a:r>
-              <a:rPr sz="2200" spc="-5" dirty="0">
+                <a:latin typeface="Courier"/>
+              </a:rPr>
+              <a:t>recognised</a:t>
+            </a:r>
+            <a:r>
+              <a:rPr lang="en-US" sz="2200" dirty="0">
                 <a:solidFill>
                   <a:srgbClr val="FFFFFF"/>
                 </a:solidFill>
-                <a:latin typeface="Courier New"/>
-                <a:cs typeface="Courier New"/>
-              </a:rPr>
-              <a:t>runnin</a:t>
-            </a:r>
-            <a:r>
-              <a:rPr sz="2200" dirty="0">
+                <a:latin typeface="Courier"/>
+              </a:rPr>
+              <a:t>: ./recipes/default.rb:27</a:t>
+            </a:r>
+          </a:p>
+          <a:p>
+            <a:r>
+              <a:rPr lang="en-US" sz="2200" dirty="0">
                 <a:solidFill>
                   <a:srgbClr val="FFFFFF"/>
                 </a:solidFill>
-                <a:latin typeface="Courier New"/>
-                <a:cs typeface="Courier New"/>
-              </a:rPr>
-              <a:t>g </a:t>
-            </a:r>
-            <a:r>
-              <a:rPr sz="2200" spc="-5" dirty="0">
-                <a:solidFill>
-                  <a:srgbClr val="FFFFFF"/>
-                </a:solidFill>
-                <a:latin typeface="Courier New"/>
-                <a:cs typeface="Courier New"/>
-              </a:rPr>
-              <a:t>wit</a:t>
-            </a:r>
-            <a:r>
-              <a:rPr sz="2200" dirty="0">
-                <a:solidFill>
-                  <a:srgbClr val="FFFFFF"/>
-                </a:solidFill>
-                <a:latin typeface="Courier New"/>
-                <a:cs typeface="Courier New"/>
-              </a:rPr>
-              <a:t>h </a:t>
-            </a:r>
-            <a:r>
-              <a:rPr sz="2200" spc="-5" dirty="0">
-                <a:solidFill>
-                  <a:srgbClr val="FFFFFF"/>
-                </a:solidFill>
-                <a:latin typeface="Courier New"/>
-                <a:cs typeface="Courier New"/>
-              </a:rPr>
-              <a:t>che</a:t>
-            </a:r>
-            <a:r>
-              <a:rPr sz="2200" dirty="0">
-                <a:solidFill>
-                  <a:srgbClr val="FFFFFF"/>
-                </a:solidFill>
-                <a:latin typeface="Courier New"/>
-                <a:cs typeface="Courier New"/>
-              </a:rPr>
-              <a:t>f </a:t>
-            </a:r>
-            <a:r>
-              <a:rPr sz="2200" spc="-5" dirty="0">
-                <a:solidFill>
-                  <a:srgbClr val="FFFFFF"/>
-                </a:solidFill>
-                <a:latin typeface="Courier New"/>
-                <a:cs typeface="Courier New"/>
-              </a:rPr>
-              <a:t>serve</a:t>
-            </a:r>
-            <a:r>
-              <a:rPr sz="2200" dirty="0">
-                <a:solidFill>
-                  <a:srgbClr val="FFFFFF"/>
-                </a:solidFill>
-                <a:latin typeface="Courier New"/>
-                <a:cs typeface="Courier New"/>
-              </a:rPr>
-              <a:t>r </a:t>
-            </a:r>
-            <a:r>
-              <a:rPr sz="2200" spc="-5" dirty="0">
-                <a:solidFill>
-                  <a:srgbClr val="FFFFFF"/>
-                </a:solidFill>
-                <a:latin typeface="Courier New"/>
-                <a:cs typeface="Courier New"/>
-              </a:rPr>
-              <a:t>befor</a:t>
-            </a:r>
-            <a:r>
-              <a:rPr sz="2200" dirty="0">
-                <a:solidFill>
-                  <a:srgbClr val="FFFFFF"/>
-                </a:solidFill>
-                <a:latin typeface="Courier New"/>
-                <a:cs typeface="Courier New"/>
-              </a:rPr>
-              <a:t>e </a:t>
-            </a:r>
-            <a:r>
-              <a:rPr sz="2200" spc="-5" dirty="0">
-                <a:solidFill>
-                  <a:srgbClr val="FFFFFF"/>
-                </a:solidFill>
-                <a:latin typeface="Courier New"/>
-                <a:cs typeface="Courier New"/>
-              </a:rPr>
-              <a:t>usin</a:t>
-            </a:r>
-            <a:r>
-              <a:rPr sz="2200" dirty="0">
-                <a:solidFill>
-                  <a:srgbClr val="FFFFFF"/>
-                </a:solidFill>
-                <a:latin typeface="Courier New"/>
-                <a:cs typeface="Courier New"/>
-              </a:rPr>
-              <a:t>g </a:t>
-            </a:r>
-            <a:r>
-              <a:rPr sz="2200" spc="-5" dirty="0">
-                <a:solidFill>
-                  <a:srgbClr val="FFFFFF"/>
-                </a:solidFill>
-                <a:latin typeface="Courier New"/>
-                <a:cs typeface="Courier New"/>
-              </a:rPr>
-              <a:t>server-specific features</a:t>
-            </a:r>
-            <a:r>
-              <a:rPr sz="2200" dirty="0">
-                <a:solidFill>
-                  <a:srgbClr val="FFFFFF"/>
-                </a:solidFill>
-                <a:latin typeface="Courier New"/>
-                <a:cs typeface="Courier New"/>
-              </a:rPr>
-              <a:t>: ./recipes/default.rb:43</a:t>
+                <a:latin typeface="Courier"/>
+              </a:rPr>
+              <a:t>FC016: LWRP does not declare a default action: ./resources/vhost.rb:1</a:t>
             </a:r>
             <a:endParaRPr sz="2200" dirty="0">
               <a:latin typeface="Courier New"/>
               <a:cs typeface="Courier New"/>
             </a:endParaRPr>
           </a:p>
-          <a:p>
-            <a:pPr>
-              <a:lnSpc>
-                <a:spcPts val="2600"/>
-              </a:lnSpc>
-            </a:pPr>
-            <a:r>
-              <a:rPr sz="2200" spc="-5" dirty="0">
-                <a:solidFill>
-                  <a:srgbClr val="FFFFFF"/>
-                </a:solidFill>
-                <a:latin typeface="Courier New"/>
-                <a:cs typeface="Courier New"/>
-              </a:rPr>
-              <a:t>FC003</a:t>
-            </a:r>
-            <a:r>
-              <a:rPr sz="2200" dirty="0">
-                <a:solidFill>
-                  <a:srgbClr val="FFFFFF"/>
-                </a:solidFill>
-                <a:latin typeface="Courier New"/>
-                <a:cs typeface="Courier New"/>
-              </a:rPr>
-              <a:t>: </a:t>
-            </a:r>
-            <a:r>
-              <a:rPr sz="2200" spc="-5" dirty="0">
-                <a:solidFill>
-                  <a:srgbClr val="FFFFFF"/>
-                </a:solidFill>
-                <a:latin typeface="Courier New"/>
-                <a:cs typeface="Courier New"/>
-              </a:rPr>
-              <a:t>Chec</a:t>
-            </a:r>
-            <a:r>
-              <a:rPr sz="2200" dirty="0">
-                <a:solidFill>
-                  <a:srgbClr val="FFFFFF"/>
-                </a:solidFill>
-                <a:latin typeface="Courier New"/>
-                <a:cs typeface="Courier New"/>
-              </a:rPr>
-              <a:t>k </a:t>
-            </a:r>
-            <a:r>
-              <a:rPr sz="2200" spc="-5" dirty="0">
-                <a:solidFill>
-                  <a:srgbClr val="FFFFFF"/>
-                </a:solidFill>
-                <a:latin typeface="Courier New"/>
-                <a:cs typeface="Courier New"/>
-              </a:rPr>
-              <a:t>whethe</a:t>
-            </a:r>
-            <a:r>
-              <a:rPr sz="2200" dirty="0">
-                <a:solidFill>
-                  <a:srgbClr val="FFFFFF"/>
-                </a:solidFill>
-                <a:latin typeface="Courier New"/>
-                <a:cs typeface="Courier New"/>
-              </a:rPr>
-              <a:t>r </a:t>
-            </a:r>
-            <a:r>
-              <a:rPr sz="2200" spc="-5" dirty="0">
-                <a:solidFill>
-                  <a:srgbClr val="FFFFFF"/>
-                </a:solidFill>
-                <a:latin typeface="Courier New"/>
-                <a:cs typeface="Courier New"/>
-              </a:rPr>
-              <a:t>yo</a:t>
-            </a:r>
-            <a:r>
-              <a:rPr sz="2200" dirty="0">
-                <a:solidFill>
-                  <a:srgbClr val="FFFFFF"/>
-                </a:solidFill>
-                <a:latin typeface="Courier New"/>
-                <a:cs typeface="Courier New"/>
-              </a:rPr>
-              <a:t>u </a:t>
-            </a:r>
-            <a:r>
-              <a:rPr sz="2200" spc="-5" dirty="0">
-                <a:solidFill>
-                  <a:srgbClr val="FFFFFF"/>
-                </a:solidFill>
-                <a:latin typeface="Courier New"/>
-                <a:cs typeface="Courier New"/>
-              </a:rPr>
-              <a:t>ar</a:t>
-            </a:r>
-            <a:r>
-              <a:rPr sz="2200" dirty="0">
-                <a:solidFill>
-                  <a:srgbClr val="FFFFFF"/>
-                </a:solidFill>
-                <a:latin typeface="Courier New"/>
-                <a:cs typeface="Courier New"/>
-              </a:rPr>
-              <a:t>e </a:t>
-            </a:r>
-            <a:r>
-              <a:rPr sz="2200" spc="-5" dirty="0">
-                <a:solidFill>
-                  <a:srgbClr val="FFFFFF"/>
-                </a:solidFill>
-                <a:latin typeface="Courier New"/>
-                <a:cs typeface="Courier New"/>
-              </a:rPr>
-              <a:t>runnin</a:t>
-            </a:r>
-            <a:r>
-              <a:rPr sz="2200" dirty="0">
-                <a:solidFill>
-                  <a:srgbClr val="FFFFFF"/>
-                </a:solidFill>
-                <a:latin typeface="Courier New"/>
-                <a:cs typeface="Courier New"/>
-              </a:rPr>
-              <a:t>g </a:t>
-            </a:r>
-            <a:r>
-              <a:rPr sz="2200" spc="-5" dirty="0">
-                <a:solidFill>
-                  <a:srgbClr val="FFFFFF"/>
-                </a:solidFill>
-                <a:latin typeface="Courier New"/>
-                <a:cs typeface="Courier New"/>
-              </a:rPr>
-              <a:t>wit</a:t>
-            </a:r>
-            <a:r>
-              <a:rPr sz="2200" dirty="0">
-                <a:solidFill>
-                  <a:srgbClr val="FFFFFF"/>
-                </a:solidFill>
-                <a:latin typeface="Courier New"/>
-                <a:cs typeface="Courier New"/>
-              </a:rPr>
-              <a:t>h </a:t>
-            </a:r>
-            <a:r>
-              <a:rPr sz="2200" spc="-5" dirty="0">
-                <a:solidFill>
-                  <a:srgbClr val="FFFFFF"/>
-                </a:solidFill>
-                <a:latin typeface="Courier New"/>
-                <a:cs typeface="Courier New"/>
-              </a:rPr>
-              <a:t>che</a:t>
-            </a:r>
-            <a:r>
-              <a:rPr sz="2200" dirty="0">
-                <a:solidFill>
-                  <a:srgbClr val="FFFFFF"/>
-                </a:solidFill>
-                <a:latin typeface="Courier New"/>
-                <a:cs typeface="Courier New"/>
-              </a:rPr>
-              <a:t>f </a:t>
-            </a:r>
-            <a:r>
-              <a:rPr sz="2200" spc="-5" dirty="0">
-                <a:solidFill>
-                  <a:srgbClr val="FFFFFF"/>
-                </a:solidFill>
-                <a:latin typeface="Courier New"/>
-                <a:cs typeface="Courier New"/>
-              </a:rPr>
-              <a:t>serve</a:t>
-            </a:r>
-            <a:r>
-              <a:rPr sz="2200" dirty="0">
-                <a:solidFill>
-                  <a:srgbClr val="FFFFFF"/>
-                </a:solidFill>
-                <a:latin typeface="Courier New"/>
-                <a:cs typeface="Courier New"/>
-              </a:rPr>
-              <a:t>r </a:t>
-            </a:r>
-            <a:r>
-              <a:rPr sz="2200" spc="-5" dirty="0">
-                <a:solidFill>
-                  <a:srgbClr val="FFFFFF"/>
-                </a:solidFill>
-                <a:latin typeface="Courier New"/>
-                <a:cs typeface="Courier New"/>
-              </a:rPr>
-              <a:t>befor</a:t>
-            </a:r>
-            <a:r>
-              <a:rPr sz="2200" dirty="0">
-                <a:solidFill>
-                  <a:srgbClr val="FFFFFF"/>
-                </a:solidFill>
-                <a:latin typeface="Courier New"/>
-                <a:cs typeface="Courier New"/>
-              </a:rPr>
-              <a:t>e </a:t>
-            </a:r>
-            <a:r>
-              <a:rPr sz="2200" spc="-5" dirty="0">
-                <a:solidFill>
-                  <a:srgbClr val="FFFFFF"/>
-                </a:solidFill>
-                <a:latin typeface="Courier New"/>
-                <a:cs typeface="Courier New"/>
-              </a:rPr>
-              <a:t>usin</a:t>
-            </a:r>
-            <a:r>
-              <a:rPr sz="2200" dirty="0">
-                <a:solidFill>
-                  <a:srgbClr val="FFFFFF"/>
-                </a:solidFill>
-                <a:latin typeface="Courier New"/>
-                <a:cs typeface="Courier New"/>
-              </a:rPr>
-              <a:t>g </a:t>
-            </a:r>
-            <a:r>
-              <a:rPr sz="2200" spc="-5" dirty="0">
-                <a:solidFill>
-                  <a:srgbClr val="FFFFFF"/>
-                </a:solidFill>
-                <a:latin typeface="Courier New"/>
-                <a:cs typeface="Courier New"/>
-              </a:rPr>
-              <a:t>server-specific features</a:t>
-            </a:r>
-            <a:r>
-              <a:rPr sz="2200" dirty="0">
-                <a:solidFill>
-                  <a:srgbClr val="FFFFFF"/>
-                </a:solidFill>
-                <a:latin typeface="Courier New"/>
-                <a:cs typeface="Courier New"/>
-              </a:rPr>
-              <a:t>: ./recipes/iplogger.rb:1</a:t>
-            </a:r>
-            <a:endParaRPr sz="2200" dirty="0">
-              <a:latin typeface="Courier New"/>
-              <a:cs typeface="Courier New"/>
-            </a:endParaRPr>
-          </a:p>
-        </p:txBody>
-      </p:sp>
-      <p:sp>
-        <p:nvSpPr>
-          <p:cNvPr id="44" name="object 44"/>
-          <p:cNvSpPr txBox="1"/>
-          <p:nvPr/>
-        </p:nvSpPr>
-        <p:spPr>
-          <a:xfrm>
-            <a:off x="1128712" y="5880099"/>
-            <a:ext cx="1005840" cy="1270000"/>
-          </a:xfrm>
-          <a:prstGeom prst="rect">
-            <a:avLst/>
-          </a:prstGeom>
-        </p:spPr>
-        <p:txBody>
-          <a:bodyPr vert="horz" wrap="square" lIns="0" tIns="0" rIns="0" bIns="0" rtlCol="0">
-            <a:spAutoFit/>
-          </a:bodyPr>
-          <a:lstStyle/>
-          <a:p>
-            <a:pPr algn="just">
-              <a:lnSpc>
-                <a:spcPts val="2600"/>
-              </a:lnSpc>
-            </a:pPr>
-            <a:r>
-              <a:rPr sz="2200" spc="-5" dirty="0">
-                <a:solidFill>
-                  <a:srgbClr val="FFFFFF"/>
-                </a:solidFill>
-                <a:latin typeface="Courier New"/>
-                <a:cs typeface="Courier New"/>
-              </a:rPr>
-              <a:t>FC008: FC008: FC009: FC016:</a:t>
-            </a:r>
-            <a:endParaRPr sz="2200" dirty="0">
-              <a:latin typeface="Courier New"/>
-              <a:cs typeface="Courier New"/>
-            </a:endParaRPr>
-          </a:p>
-        </p:txBody>
-      </p:sp>
-      <p:sp>
-        <p:nvSpPr>
-          <p:cNvPr id="45" name="object 45"/>
-          <p:cNvSpPr txBox="1"/>
-          <p:nvPr/>
-        </p:nvSpPr>
-        <p:spPr>
-          <a:xfrm>
-            <a:off x="2302388" y="5880099"/>
-            <a:ext cx="1508760" cy="939800"/>
-          </a:xfrm>
-          <a:prstGeom prst="rect">
-            <a:avLst/>
-          </a:prstGeom>
-        </p:spPr>
-        <p:txBody>
-          <a:bodyPr vert="horz" wrap="square" lIns="0" tIns="0" rIns="0" bIns="0" rtlCol="0">
-            <a:spAutoFit/>
-          </a:bodyPr>
-          <a:lstStyle/>
-          <a:p>
-            <a:pPr algn="just">
-              <a:lnSpc>
-                <a:spcPts val="2600"/>
-              </a:lnSpc>
-            </a:pPr>
-            <a:r>
-              <a:rPr sz="2200" spc="-5" dirty="0">
-                <a:solidFill>
-                  <a:srgbClr val="FFFFFF"/>
-                </a:solidFill>
-                <a:latin typeface="Courier New"/>
-                <a:cs typeface="Courier New"/>
-              </a:rPr>
-              <a:t>Generated Generated Resource</a:t>
-            </a:r>
-            <a:endParaRPr sz="2200" dirty="0">
-              <a:latin typeface="Courier New"/>
-              <a:cs typeface="Courier New"/>
-            </a:endParaRPr>
-          </a:p>
-        </p:txBody>
-      </p:sp>
-      <p:sp>
-        <p:nvSpPr>
-          <p:cNvPr id="46" name="object 46"/>
-          <p:cNvSpPr txBox="1"/>
-          <p:nvPr/>
-        </p:nvSpPr>
-        <p:spPr>
-          <a:xfrm>
-            <a:off x="3811399" y="5880099"/>
-            <a:ext cx="1509395" cy="939800"/>
-          </a:xfrm>
-          <a:prstGeom prst="rect">
-            <a:avLst/>
-          </a:prstGeom>
-        </p:spPr>
-        <p:txBody>
-          <a:bodyPr vert="horz" wrap="square" lIns="0" tIns="0" rIns="0" bIns="0" rtlCol="0">
-            <a:spAutoFit/>
-          </a:bodyPr>
-          <a:lstStyle/>
-          <a:p>
-            <a:pPr indent="167640" algn="r">
-              <a:lnSpc>
-                <a:spcPts val="2600"/>
-              </a:lnSpc>
-            </a:pPr>
-            <a:r>
-              <a:rPr sz="2200" spc="-5" dirty="0">
-                <a:solidFill>
-                  <a:srgbClr val="FFFFFF"/>
-                </a:solidFill>
-                <a:latin typeface="Courier New"/>
-                <a:cs typeface="Courier New"/>
-              </a:rPr>
-              <a:t>cookbook cookbook attribute</a:t>
-            </a:r>
-            <a:endParaRPr sz="2200" dirty="0">
-              <a:latin typeface="Courier New"/>
-              <a:cs typeface="Courier New"/>
-            </a:endParaRPr>
-          </a:p>
-        </p:txBody>
-      </p:sp>
-      <p:sp>
-        <p:nvSpPr>
-          <p:cNvPr id="47" name="object 47"/>
-          <p:cNvSpPr txBox="1"/>
-          <p:nvPr/>
-        </p:nvSpPr>
-        <p:spPr>
-          <a:xfrm>
-            <a:off x="5488078" y="5880099"/>
-            <a:ext cx="1341120" cy="609600"/>
-          </a:xfrm>
-          <a:prstGeom prst="rect">
-            <a:avLst/>
-          </a:prstGeom>
-        </p:spPr>
-        <p:txBody>
-          <a:bodyPr vert="horz" wrap="square" lIns="0" tIns="0" rIns="0" bIns="0" rtlCol="0">
-            <a:spAutoFit/>
-          </a:bodyPr>
-          <a:lstStyle/>
-          <a:p>
-            <a:pPr>
-              <a:lnSpc>
-                <a:spcPts val="2600"/>
-              </a:lnSpc>
-            </a:pPr>
-            <a:r>
-              <a:rPr sz="2200" spc="-5" dirty="0">
-                <a:solidFill>
-                  <a:srgbClr val="FFFFFF"/>
-                </a:solidFill>
-                <a:latin typeface="Courier New"/>
-                <a:cs typeface="Courier New"/>
-              </a:rPr>
-              <a:t>metadata metadata</a:t>
-            </a:r>
-            <a:endParaRPr sz="2200" dirty="0">
-              <a:latin typeface="Courier New"/>
-              <a:cs typeface="Courier New"/>
-            </a:endParaRPr>
-          </a:p>
-        </p:txBody>
-      </p:sp>
-      <p:sp>
-        <p:nvSpPr>
-          <p:cNvPr id="48" name="object 48"/>
-          <p:cNvSpPr txBox="1"/>
-          <p:nvPr/>
-        </p:nvSpPr>
-        <p:spPr>
-          <a:xfrm>
-            <a:off x="6997090" y="5880099"/>
-            <a:ext cx="5198110" cy="609600"/>
-          </a:xfrm>
-          <a:prstGeom prst="rect">
-            <a:avLst/>
-          </a:prstGeom>
-        </p:spPr>
-        <p:txBody>
-          <a:bodyPr vert="horz" wrap="square" lIns="0" tIns="0" rIns="0" bIns="0" rtlCol="0">
-            <a:spAutoFit/>
-          </a:bodyPr>
-          <a:lstStyle/>
-          <a:p>
-            <a:pPr>
-              <a:lnSpc>
-                <a:spcPts val="2600"/>
-              </a:lnSpc>
-            </a:pPr>
-            <a:r>
-              <a:rPr sz="2200" spc="-5" dirty="0">
-                <a:solidFill>
-                  <a:srgbClr val="FFFFFF"/>
-                </a:solidFill>
-                <a:latin typeface="Courier New"/>
-                <a:cs typeface="Courier New"/>
-              </a:rPr>
-              <a:t>need</a:t>
-            </a:r>
-            <a:r>
-              <a:rPr sz="2200" dirty="0">
-                <a:solidFill>
-                  <a:srgbClr val="FFFFFF"/>
-                </a:solidFill>
-                <a:latin typeface="Courier New"/>
-                <a:cs typeface="Courier New"/>
-              </a:rPr>
-              <a:t>s </a:t>
-            </a:r>
-            <a:r>
-              <a:rPr sz="2200" spc="-5" dirty="0">
-                <a:solidFill>
-                  <a:srgbClr val="FFFFFF"/>
-                </a:solidFill>
-                <a:latin typeface="Courier New"/>
-                <a:cs typeface="Courier New"/>
-              </a:rPr>
-              <a:t>updating</a:t>
-            </a:r>
-            <a:r>
-              <a:rPr sz="2200" dirty="0">
-                <a:solidFill>
-                  <a:srgbClr val="FFFFFF"/>
-                </a:solidFill>
-                <a:latin typeface="Courier New"/>
-                <a:cs typeface="Courier New"/>
-              </a:rPr>
-              <a:t>: ./metadata.rb:2 </a:t>
-            </a:r>
-            <a:r>
-              <a:rPr sz="2200" spc="-5" dirty="0">
-                <a:solidFill>
-                  <a:srgbClr val="FFFFFF"/>
-                </a:solidFill>
-                <a:latin typeface="Courier New"/>
-                <a:cs typeface="Courier New"/>
-              </a:rPr>
-              <a:t>need</a:t>
-            </a:r>
-            <a:r>
-              <a:rPr sz="2200" dirty="0">
-                <a:solidFill>
-                  <a:srgbClr val="FFFFFF"/>
-                </a:solidFill>
-                <a:latin typeface="Courier New"/>
-                <a:cs typeface="Courier New"/>
-              </a:rPr>
-              <a:t>s </a:t>
-            </a:r>
-            <a:r>
-              <a:rPr sz="2200" spc="-5" dirty="0">
-                <a:solidFill>
-                  <a:srgbClr val="FFFFFF"/>
-                </a:solidFill>
-                <a:latin typeface="Courier New"/>
-                <a:cs typeface="Courier New"/>
-              </a:rPr>
-              <a:t>updating</a:t>
-            </a:r>
-            <a:r>
-              <a:rPr sz="2200" dirty="0">
-                <a:solidFill>
-                  <a:srgbClr val="FFFFFF"/>
-                </a:solidFill>
-                <a:latin typeface="Courier New"/>
-                <a:cs typeface="Courier New"/>
-              </a:rPr>
-              <a:t>: ./metadata.rb:3</a:t>
-            </a:r>
-            <a:endParaRPr sz="2200" dirty="0">
-              <a:latin typeface="Courier New"/>
-              <a:cs typeface="Courier New"/>
-            </a:endParaRPr>
-          </a:p>
-        </p:txBody>
-      </p:sp>
-      <p:sp>
-        <p:nvSpPr>
-          <p:cNvPr id="49" name="object 49"/>
-          <p:cNvSpPr txBox="1"/>
-          <p:nvPr/>
-        </p:nvSpPr>
-        <p:spPr>
-          <a:xfrm>
-            <a:off x="5488078" y="6540499"/>
-            <a:ext cx="6539230" cy="279400"/>
-          </a:xfrm>
-          <a:prstGeom prst="rect">
-            <a:avLst/>
-          </a:prstGeom>
-        </p:spPr>
-        <p:txBody>
-          <a:bodyPr vert="horz" wrap="square" lIns="0" tIns="0" rIns="0" bIns="0" rtlCol="0">
-            <a:spAutoFit/>
-          </a:bodyPr>
-          <a:lstStyle/>
-          <a:p>
-            <a:pPr>
-              <a:lnSpc>
-                <a:spcPct val="100000"/>
-              </a:lnSpc>
-            </a:pPr>
-            <a:r>
-              <a:rPr sz="2200" spc="-5" dirty="0">
-                <a:solidFill>
-                  <a:srgbClr val="FFFFFF"/>
-                </a:solidFill>
-                <a:latin typeface="Courier New"/>
-                <a:cs typeface="Courier New"/>
-              </a:rPr>
-              <a:t>no</a:t>
-            </a:r>
-            <a:r>
-              <a:rPr sz="2200" dirty="0">
-                <a:solidFill>
-                  <a:srgbClr val="FFFFFF"/>
-                </a:solidFill>
-                <a:latin typeface="Courier New"/>
-                <a:cs typeface="Courier New"/>
-              </a:rPr>
-              <a:t>t </a:t>
-            </a:r>
-            <a:r>
-              <a:rPr sz="2200" spc="-5" dirty="0">
-                <a:solidFill>
-                  <a:srgbClr val="FFFFFF"/>
-                </a:solidFill>
-                <a:latin typeface="Courier New"/>
-                <a:cs typeface="Courier New"/>
-              </a:rPr>
-              <a:t>recognised</a:t>
-            </a:r>
-            <a:r>
-              <a:rPr sz="2200" dirty="0">
-                <a:solidFill>
-                  <a:srgbClr val="FFFFFF"/>
-                </a:solidFill>
-                <a:latin typeface="Courier New"/>
-                <a:cs typeface="Courier New"/>
-              </a:rPr>
-              <a:t>: ./recipes/default.rb:27</a:t>
-            </a:r>
-            <a:endParaRPr sz="2200" dirty="0">
-              <a:latin typeface="Courier New"/>
-              <a:cs typeface="Courier New"/>
-            </a:endParaRPr>
-          </a:p>
-        </p:txBody>
-      </p:sp>
-      <p:sp>
-        <p:nvSpPr>
-          <p:cNvPr id="50" name="object 50"/>
-          <p:cNvSpPr txBox="1"/>
-          <p:nvPr/>
-        </p:nvSpPr>
-        <p:spPr>
-          <a:xfrm>
-            <a:off x="2302388" y="6870699"/>
-            <a:ext cx="10395585" cy="279400"/>
-          </a:xfrm>
-          <a:prstGeom prst="rect">
-            <a:avLst/>
-          </a:prstGeom>
-        </p:spPr>
-        <p:txBody>
-          <a:bodyPr vert="horz" wrap="square" lIns="0" tIns="0" rIns="0" bIns="0" rtlCol="0">
-            <a:spAutoFit/>
-          </a:bodyPr>
-          <a:lstStyle/>
-          <a:p>
-            <a:pPr>
-              <a:lnSpc>
-                <a:spcPct val="100000"/>
-              </a:lnSpc>
-            </a:pPr>
-            <a:r>
-              <a:rPr sz="2200" spc="-5" dirty="0">
-                <a:solidFill>
-                  <a:srgbClr val="FFFFFF"/>
-                </a:solidFill>
-                <a:latin typeface="Courier New"/>
-                <a:cs typeface="Courier New"/>
-              </a:rPr>
-              <a:t>LWR</a:t>
-            </a:r>
-            <a:r>
-              <a:rPr sz="2200" dirty="0">
-                <a:solidFill>
-                  <a:srgbClr val="FFFFFF"/>
-                </a:solidFill>
-                <a:latin typeface="Courier New"/>
-                <a:cs typeface="Courier New"/>
-              </a:rPr>
-              <a:t>P </a:t>
-            </a:r>
-            <a:r>
-              <a:rPr sz="2200" spc="-5" dirty="0">
-                <a:solidFill>
-                  <a:srgbClr val="FFFFFF"/>
-                </a:solidFill>
-                <a:latin typeface="Courier New"/>
-                <a:cs typeface="Courier New"/>
-              </a:rPr>
-              <a:t>doe</a:t>
-            </a:r>
-            <a:r>
-              <a:rPr sz="2200" dirty="0">
-                <a:solidFill>
-                  <a:srgbClr val="FFFFFF"/>
-                </a:solidFill>
-                <a:latin typeface="Courier New"/>
-                <a:cs typeface="Courier New"/>
-              </a:rPr>
-              <a:t>s </a:t>
-            </a:r>
-            <a:r>
-              <a:rPr sz="2200" spc="-5" dirty="0">
-                <a:solidFill>
-                  <a:srgbClr val="FFFFFF"/>
-                </a:solidFill>
-                <a:latin typeface="Courier New"/>
-                <a:cs typeface="Courier New"/>
-              </a:rPr>
-              <a:t>no</a:t>
-            </a:r>
-            <a:r>
-              <a:rPr sz="2200" dirty="0">
-                <a:solidFill>
-                  <a:srgbClr val="FFFFFF"/>
-                </a:solidFill>
-                <a:latin typeface="Courier New"/>
-                <a:cs typeface="Courier New"/>
-              </a:rPr>
-              <a:t>t </a:t>
-            </a:r>
-            <a:r>
-              <a:rPr sz="2200" spc="-5" dirty="0">
-                <a:solidFill>
-                  <a:srgbClr val="FFFFFF"/>
-                </a:solidFill>
-                <a:latin typeface="Courier New"/>
-                <a:cs typeface="Courier New"/>
-              </a:rPr>
-              <a:t>declar</a:t>
-            </a:r>
-            <a:r>
-              <a:rPr sz="2200" dirty="0">
-                <a:solidFill>
-                  <a:srgbClr val="FFFFFF"/>
-                </a:solidFill>
-                <a:latin typeface="Courier New"/>
-                <a:cs typeface="Courier New"/>
-              </a:rPr>
-              <a:t>e a </a:t>
-            </a:r>
-            <a:r>
-              <a:rPr sz="2200" spc="-5" dirty="0">
-                <a:solidFill>
-                  <a:srgbClr val="FFFFFF"/>
-                </a:solidFill>
-                <a:latin typeface="Courier New"/>
-                <a:cs typeface="Courier New"/>
-              </a:rPr>
-              <a:t>defaul</a:t>
-            </a:r>
-            <a:r>
-              <a:rPr sz="2200" dirty="0">
-                <a:solidFill>
-                  <a:srgbClr val="FFFFFF"/>
-                </a:solidFill>
-                <a:latin typeface="Courier New"/>
-                <a:cs typeface="Courier New"/>
-              </a:rPr>
-              <a:t>t </a:t>
-            </a:r>
-            <a:r>
-              <a:rPr sz="2200" spc="-5" dirty="0">
-                <a:solidFill>
-                  <a:srgbClr val="FFFFFF"/>
-                </a:solidFill>
-                <a:latin typeface="Courier New"/>
-                <a:cs typeface="Courier New"/>
-              </a:rPr>
-              <a:t>action</a:t>
-            </a:r>
-            <a:r>
-              <a:rPr sz="2200" dirty="0">
-                <a:solidFill>
-                  <a:srgbClr val="FFFFFF"/>
-                </a:solidFill>
-                <a:latin typeface="Courier New"/>
-                <a:cs typeface="Courier New"/>
-              </a:rPr>
-              <a:t>: ./resources/vhost.rb:1</a:t>
-            </a:r>
-            <a:endParaRPr sz="2200" dirty="0">
-              <a:latin typeface="Courier New"/>
-              <a:cs typeface="Courier New"/>
-            </a:endParaRPr>
+        </p:txBody>
+      </p:sp>
+      <p:sp>
+        <p:nvSpPr>
+          <p:cNvPr id="4" name="Slide Number Placeholder 3"/>
+          <p:cNvSpPr>
+            <a:spLocks noGrp="1"/>
+          </p:cNvSpPr>
+          <p:nvPr>
+            <p:ph type="sldNum" sz="quarter" idx="10"/>
+          </p:nvPr>
+        </p:nvSpPr>
+        <p:spPr/>
+        <p:txBody>
+          <a:bodyPr/>
+          <a:lstStyle/>
+          <a:p>
+            <a:fld id="{F32B063D-AEFC-43D4-892A-5496DB603272}" type="slidenum">
+              <a:rPr lang="en-US" smtClean="0"/>
+              <a:pPr/>
+              <a:t>9</a:t>
+            </a:fld>
+            <a:endParaRPr lang="en-US" dirty="0"/>
           </a:p>
         </p:txBody>
       </p:sp>

--- a/Modules/10-Chef_Intermediate.pptx
+++ b/Modules/10-Chef_Intermediate.pptx
@@ -221,7 +221,7 @@
           <a:p>
             <a:fld id="{9AF33057-6D84-D14E-AD32-9E8926ACCADD}" type="datetimeFigureOut">
               <a:rPr lang="en-US" smtClean="0"/>
-              <a:t>7/1/2015</a:t>
+              <a:t>7/6/2015</a:t>
             </a:fld>
             <a:endParaRPr lang="en-US" dirty="0"/>
           </a:p>
@@ -1037,7 +1037,7 @@
         </p:nvSpPr>
         <p:spPr>
           <a:xfrm>
-            <a:off x="6299200" y="8458200"/>
+            <a:off x="6299200" y="8505825"/>
             <a:ext cx="3657600" cy="485775"/>
           </a:xfrm>
         </p:spPr>
@@ -18404,6 +18404,139 @@
           </a:p>
         </p:txBody>
       </p:sp>
+      <p:sp>
+        <p:nvSpPr>
+          <p:cNvPr id="131" name="Holder 5"/>
+          <p:cNvSpPr txBox="1">
+            <a:spLocks/>
+          </p:cNvSpPr>
+          <p:nvPr/>
+        </p:nvSpPr>
+        <p:spPr>
+          <a:xfrm>
+            <a:off x="203200" y="8649209"/>
+            <a:ext cx="3738880" cy="276999"/>
+          </a:xfrm>
+          <a:prstGeom prst="rect">
+            <a:avLst/>
+          </a:prstGeom>
+        </p:spPr>
+        <p:txBody>
+          <a:bodyPr lIns="0" tIns="0" rIns="0" bIns="0"/>
+          <a:lstStyle>
+            <a:defPPr>
+              <a:defRPr lang="en-US"/>
+            </a:defPPr>
+            <a:lvl1pPr marL="0" algn="l" defTabSz="914400" rtl="0" eaLnBrk="1" latinLnBrk="0" hangingPunct="1">
+              <a:defRPr sz="1800" kern="1200">
+                <a:solidFill>
+                  <a:schemeClr val="tx1">
+                    <a:tint val="75000"/>
+                  </a:schemeClr>
+                </a:solidFill>
+                <a:latin typeface="+mn-lt"/>
+                <a:ea typeface="+mn-ea"/>
+                <a:cs typeface="+mn-cs"/>
+              </a:defRPr>
+            </a:lvl1pPr>
+            <a:lvl2pPr marL="457200" algn="l" defTabSz="914400" rtl="0" eaLnBrk="1" latinLnBrk="0" hangingPunct="1">
+              <a:defRPr sz="1800" kern="1200">
+                <a:solidFill>
+                  <a:schemeClr val="tx1"/>
+                </a:solidFill>
+                <a:latin typeface="+mn-lt"/>
+                <a:ea typeface="+mn-ea"/>
+                <a:cs typeface="+mn-cs"/>
+              </a:defRPr>
+            </a:lvl2pPr>
+            <a:lvl3pPr marL="914400" algn="l" defTabSz="914400" rtl="0" eaLnBrk="1" latinLnBrk="0" hangingPunct="1">
+              <a:defRPr sz="1800" kern="1200">
+                <a:solidFill>
+                  <a:schemeClr val="tx1"/>
+                </a:solidFill>
+                <a:latin typeface="+mn-lt"/>
+                <a:ea typeface="+mn-ea"/>
+                <a:cs typeface="+mn-cs"/>
+              </a:defRPr>
+            </a:lvl3pPr>
+            <a:lvl4pPr marL="1371600" algn="l" defTabSz="914400" rtl="0" eaLnBrk="1" latinLnBrk="0" hangingPunct="1">
+              <a:defRPr sz="1800" kern="1200">
+                <a:solidFill>
+                  <a:schemeClr val="tx1"/>
+                </a:solidFill>
+                <a:latin typeface="+mn-lt"/>
+                <a:ea typeface="+mn-ea"/>
+                <a:cs typeface="+mn-cs"/>
+              </a:defRPr>
+            </a:lvl4pPr>
+            <a:lvl5pPr marL="1828800" algn="l" defTabSz="914400" rtl="0" eaLnBrk="1" latinLnBrk="0" hangingPunct="1">
+              <a:defRPr sz="1800" kern="1200">
+                <a:solidFill>
+                  <a:schemeClr val="tx1"/>
+                </a:solidFill>
+                <a:latin typeface="+mn-lt"/>
+                <a:ea typeface="+mn-ea"/>
+                <a:cs typeface="+mn-cs"/>
+              </a:defRPr>
+            </a:lvl5pPr>
+            <a:lvl6pPr marL="2286000" algn="l" defTabSz="914400" rtl="0" eaLnBrk="1" latinLnBrk="0" hangingPunct="1">
+              <a:defRPr sz="1800" kern="1200">
+                <a:solidFill>
+                  <a:schemeClr val="tx1"/>
+                </a:solidFill>
+                <a:latin typeface="+mn-lt"/>
+                <a:ea typeface="+mn-ea"/>
+                <a:cs typeface="+mn-cs"/>
+              </a:defRPr>
+            </a:lvl6pPr>
+            <a:lvl7pPr marL="2743200" algn="l" defTabSz="914400" rtl="0" eaLnBrk="1" latinLnBrk="0" hangingPunct="1">
+              <a:defRPr sz="1800" kern="1200">
+                <a:solidFill>
+                  <a:schemeClr val="tx1"/>
+                </a:solidFill>
+                <a:latin typeface="+mn-lt"/>
+                <a:ea typeface="+mn-ea"/>
+                <a:cs typeface="+mn-cs"/>
+              </a:defRPr>
+            </a:lvl7pPr>
+            <a:lvl8pPr marL="3200400" algn="l" defTabSz="914400" rtl="0" eaLnBrk="1" latinLnBrk="0" hangingPunct="1">
+              <a:defRPr sz="1800" kern="1200">
+                <a:solidFill>
+                  <a:schemeClr val="tx1"/>
+                </a:solidFill>
+                <a:latin typeface="+mn-lt"/>
+                <a:ea typeface="+mn-ea"/>
+                <a:cs typeface="+mn-cs"/>
+              </a:defRPr>
+            </a:lvl8pPr>
+            <a:lvl9pPr marL="3657600" algn="l" defTabSz="914400" rtl="0" eaLnBrk="1" latinLnBrk="0" hangingPunct="1">
+              <a:defRPr sz="1800" kern="1200">
+                <a:solidFill>
+                  <a:schemeClr val="tx1"/>
+                </a:solidFill>
+                <a:latin typeface="+mn-lt"/>
+                <a:ea typeface="+mn-ea"/>
+                <a:cs typeface="+mn-cs"/>
+              </a:defRPr>
+            </a:lvl9pPr>
+          </a:lstStyle>
+          <a:p>
+            <a:r>
+              <a:rPr lang="en-US" dirty="0" smtClean="0">
+                <a:solidFill>
+                  <a:srgbClr val="7D8689"/>
+                </a:solidFill>
+              </a:rPr>
+              <a:t>Copyright © 2015 Chef Software, Inc.</a:t>
+            </a:r>
+            <a:endParaRPr lang="en-US" dirty="0">
+              <a:solidFill>
+                <a:srgbClr val="7D8689"/>
+              </a:solidFill>
+            </a:endParaRPr>
+          </a:p>
+        </p:txBody>
+      </p:sp>
     </p:spTree>
   </p:cSld>
   <p:clrMapOvr>
@@ -49860,7 +49993,14 @@
                 <a:latin typeface="Arial"/>
                 <a:cs typeface="Arial"/>
               </a:rPr>
-              <a:t>at:  .\chefdk\embedded\bin\foodcritic</a:t>
+              <a:t>at:  .\</a:t>
+            </a:r>
+            <a:r>
+              <a:rPr lang="en-US" sz="4800" spc="-10" dirty="0" smtClean="0">
+                <a:latin typeface="Arial"/>
+                <a:cs typeface="Arial"/>
+              </a:rPr>
+              <a:t>chefdk\embedded\bin\foodcritic</a:t>
             </a:r>
             <a:endParaRPr lang="en-US" sz="4800" spc="-10" dirty="0">
               <a:latin typeface="Arial"/>
@@ -51183,25 +51323,7 @@
                 </a:solidFill>
                 <a:latin typeface="Courier"/>
               </a:rPr>
-              <a:t>FC009: Resource attribute not </a:t>
-            </a:r>
-            <a:r>
-              <a:rPr lang="en-US" sz="2200" dirty="0">
-                <a:solidFill>
-                  <a:srgbClr val="FFFFFF"/>
-                </a:solidFill>
-                <a:latin typeface="Courier"/>
-              </a:rPr>
-              <a:t>recognised</a:t>
-            </a:r>
-            <a:r>
-              <a:rPr lang="en-US" sz="2200" dirty="0">
-                <a:solidFill>
-                  <a:srgbClr val="FFFFFF"/>
-                </a:solidFill>
-                <a:latin typeface="Courier"/>
-              </a:rPr>
-              <a:t>: ./recipes/default.rb:27</a:t>
+              <a:t>FC009: Resource attribute not recognised: ./recipes/default.rb:27</a:t>
             </a:r>
           </a:p>
           <a:p>
